--- a/FINAL PRESENTATION.pptx
+++ b/FINAL PRESENTATION.pptx
@@ -6,8 +6,8 @@
   </p:sldMasterIdLst>
   <p:sldIdLst>
     <p:sldId id="256" r:id="rId2"/>
-    <p:sldId id="259" r:id="rId3"/>
-    <p:sldId id="260" r:id="rId4"/>
+    <p:sldId id="260" r:id="rId3"/>
+    <p:sldId id="259" r:id="rId4"/>
     <p:sldId id="261" r:id="rId5"/>
     <p:sldId id="262" r:id="rId6"/>
     <p:sldId id="264" r:id="rId7"/>
@@ -4028,28 +4028,24 @@
               <a:rPr lang="en-US" dirty="0"/>
               <a:t>If the application loses connectivity, the application shall display an error message. </a:t>
             </a:r>
-            <a:endParaRPr lang="en-US" dirty="0"/>
           </a:p>
           <a:p>
             <a:r>
               <a:rPr lang="en-US" dirty="0"/>
               <a:t>The application shall retrieve the users location at intervals of 120 ± 10 seconds. </a:t>
             </a:r>
-            <a:endParaRPr lang="en-US" dirty="0"/>
           </a:p>
           <a:p>
             <a:r>
               <a:rPr lang="en-US" dirty="0"/>
               <a:t>If the user is within 150 feet of a train-stops geo-location coordinates, the train-stops name, ticket price, and incoming train information shall be displayed on the user interface. </a:t>
             </a:r>
-            <a:endParaRPr lang="en-US" dirty="0"/>
           </a:p>
           <a:p>
             <a:r>
               <a:rPr lang="en-US" dirty="0"/>
               <a:t>If train stop information is being displayed on the applications user interface, the application shall update the train stops incoming train information at intervals of 30 ± 5 seconds. </a:t>
             </a:r>
-            <a:endParaRPr lang="en-US" dirty="0"/>
           </a:p>
           <a:p>
             <a:endParaRPr lang="en-US" dirty="0"/>
@@ -5453,7 +5449,7 @@
             <p:ph sz="quarter" idx="1"/>
             <p:extLst>
               <p:ext uri="{D42A27DB-BD31-4B8C-83A1-F6EECF244321}">
-                <p14:modId xmlns:p14="http://schemas.microsoft.com/office/powerpoint/2010/main" val="711498753"/>
+                <p14:modId xmlns:p14="http://schemas.microsoft.com/office/powerpoint/2010/main" val="1442586874"/>
               </p:ext>
             </p:extLst>
           </p:nvPr>
@@ -7621,7 +7617,35 @@
                           <a:latin typeface="Times New Roman" pitchFamily="18" charset="0"/>
                           <a:cs typeface="Times New Roman" pitchFamily="18" charset="0"/>
                         </a:rPr>
-                        <a:t>Team roles might not fir specific project requirements</a:t>
+                        <a:t>Team roles might not </a:t>
+                      </a:r>
+                      <a:r>
+                        <a:rPr kumimoji="0" lang="en-US" sz="1600" b="0" i="0" u="none" strike="noStrike" cap="none" normalizeH="0" baseline="-3000" dirty="0" smtClean="0">
+                          <a:ln>
+                            <a:noFill/>
+                          </a:ln>
+                          <a:solidFill>
+                            <a:srgbClr val="000000"/>
+                          </a:solidFill>
+                          <a:effectLst/>
+                          <a:latin typeface="Times New Roman" pitchFamily="18" charset="0"/>
+                          <a:cs typeface="Times New Roman" pitchFamily="18" charset="0"/>
+                        </a:rPr>
+                        <a:t>fit </a:t>
+                      </a:r>
+                      <a:r>
+                        <a:rPr kumimoji="0" lang="en-US" sz="1600" b="0" i="0" u="none" strike="noStrike" cap="none" normalizeH="0" baseline="-3000" dirty="0" smtClean="0">
+                          <a:ln>
+                            <a:noFill/>
+                          </a:ln>
+                          <a:solidFill>
+                            <a:srgbClr val="000000"/>
+                          </a:solidFill>
+                          <a:effectLst/>
+                          <a:latin typeface="Times New Roman" pitchFamily="18" charset="0"/>
+                          <a:cs typeface="Times New Roman" pitchFamily="18" charset="0"/>
+                        </a:rPr>
+                        <a:t>specific project requirements</a:t>
                       </a:r>
                     </a:p>
                   </a:txBody>
@@ -8374,2870 +8398,6 @@
 </file>
 
 <file path=ppt/slides/slide2.xml><?xml version="1.0" encoding="utf-8"?>
-<p:sld xmlns:a="http://schemas.openxmlformats.org/drawingml/2006/main" xmlns:r="http://schemas.openxmlformats.org/officeDocument/2006/relationships" xmlns:p="http://schemas.openxmlformats.org/presentationml/2006/main">
-  <p:cSld>
-    <p:spTree>
-      <p:nvGrpSpPr>
-        <p:cNvPr id="1" name=""/>
-        <p:cNvGrpSpPr/>
-        <p:nvPr/>
-      </p:nvGrpSpPr>
-      <p:grpSpPr>
-        <a:xfrm>
-          <a:off x="0" y="0"/>
-          <a:ext cx="0" cy="0"/>
-          <a:chOff x="0" y="0"/>
-          <a:chExt cx="0" cy="0"/>
-        </a:xfrm>
-      </p:grpSpPr>
-      <p:sp>
-        <p:nvSpPr>
-          <p:cNvPr id="2" name="Title 1"/>
-          <p:cNvSpPr>
-            <a:spLocks noGrp="1"/>
-          </p:cNvSpPr>
-          <p:nvPr>
-            <p:ph type="title"/>
-          </p:nvPr>
-        </p:nvSpPr>
-        <p:spPr>
-          <a:xfrm>
-            <a:off x="612648" y="133252"/>
-            <a:ext cx="8153400" cy="990600"/>
-          </a:xfrm>
-        </p:spPr>
-        <p:txBody>
-          <a:bodyPr/>
-          <a:lstStyle/>
-          <a:p>
-            <a:r>
-              <a:rPr lang="en-US" dirty="0" smtClean="0"/>
-              <a:t>Agenda</a:t>
-            </a:r>
-            <a:endParaRPr lang="en-US" dirty="0"/>
-          </a:p>
-        </p:txBody>
-      </p:sp>
-      <p:sp>
-        <p:nvSpPr>
-          <p:cNvPr id="3" name="Content Placeholder 2"/>
-          <p:cNvSpPr>
-            <a:spLocks noGrp="1"/>
-          </p:cNvSpPr>
-          <p:nvPr>
-            <p:ph sz="quarter" idx="1"/>
-          </p:nvPr>
-        </p:nvSpPr>
-        <p:spPr>
-          <a:xfrm>
-            <a:off x="612648" y="1366957"/>
-            <a:ext cx="8153400" cy="4495800"/>
-          </a:xfrm>
-        </p:spPr>
-        <p:txBody>
-          <a:bodyPr/>
-          <a:lstStyle/>
-          <a:p>
-            <a:r>
-              <a:rPr lang="en-US" dirty="0" smtClean="0"/>
-              <a:t>Project Overview and Team Introduction</a:t>
-            </a:r>
-          </a:p>
-          <a:p>
-            <a:endParaRPr lang="en-US" dirty="0" smtClean="0"/>
-          </a:p>
-          <a:p>
-            <a:r>
-              <a:rPr lang="en-US" dirty="0" smtClean="0"/>
-              <a:t>Project Requirements</a:t>
-            </a:r>
-          </a:p>
-          <a:p>
-            <a:endParaRPr lang="en-US" dirty="0" smtClean="0"/>
-          </a:p>
-          <a:p>
-            <a:r>
-              <a:rPr lang="en-US" dirty="0" smtClean="0"/>
-              <a:t>Risk Analysis</a:t>
-            </a:r>
-          </a:p>
-          <a:p>
-            <a:endParaRPr lang="en-US" dirty="0" smtClean="0"/>
-          </a:p>
-          <a:p>
-            <a:r>
-              <a:rPr lang="en-US" dirty="0" smtClean="0"/>
-              <a:t>Prototype of Features</a:t>
-            </a:r>
-          </a:p>
-        </p:txBody>
-      </p:sp>
-      <p:sp>
-        <p:nvSpPr>
-          <p:cNvPr id="5" name="TextBox 4"/>
-          <p:cNvSpPr txBox="1"/>
-          <p:nvPr/>
-        </p:nvSpPr>
-        <p:spPr>
-          <a:xfrm>
-            <a:off x="612648" y="6451650"/>
-            <a:ext cx="1438417" cy="307777"/>
-          </a:xfrm>
-          <a:prstGeom prst="rect">
-            <a:avLst/>
-          </a:prstGeom>
-          <a:noFill/>
-        </p:spPr>
-        <p:txBody>
-          <a:bodyPr wrap="square" rtlCol="0">
-            <a:spAutoFit/>
-          </a:bodyPr>
-          <a:lstStyle/>
-          <a:p>
-            <a:r>
-              <a:rPr lang="en-US" sz="1400" b="1" dirty="0" smtClean="0">
-                <a:solidFill>
-                  <a:srgbClr val="775F55"/>
-                </a:solidFill>
-              </a:rPr>
-              <a:t>Overview</a:t>
-            </a:r>
-            <a:endParaRPr lang="en-US" sz="1400" b="1" dirty="0">
-              <a:solidFill>
-                <a:srgbClr val="775F55"/>
-              </a:solidFill>
-            </a:endParaRPr>
-          </a:p>
-        </p:txBody>
-      </p:sp>
-      <p:sp>
-        <p:nvSpPr>
-          <p:cNvPr id="6" name="TextBox 5"/>
-          <p:cNvSpPr txBox="1"/>
-          <p:nvPr/>
-        </p:nvSpPr>
-        <p:spPr>
-          <a:xfrm>
-            <a:off x="7848129" y="1219062"/>
-            <a:ext cx="1438417" cy="307777"/>
-          </a:xfrm>
-          <a:prstGeom prst="rect">
-            <a:avLst/>
-          </a:prstGeom>
-          <a:noFill/>
-        </p:spPr>
-        <p:txBody>
-          <a:bodyPr wrap="square" rtlCol="0">
-            <a:spAutoFit/>
-          </a:bodyPr>
-          <a:lstStyle/>
-          <a:p>
-            <a:r>
-              <a:rPr lang="en-US" sz="1400" b="1" dirty="0" smtClean="0">
-                <a:solidFill>
-                  <a:schemeClr val="bg1"/>
-                </a:solidFill>
-              </a:rPr>
-              <a:t>Prototype</a:t>
-            </a:r>
-            <a:endParaRPr lang="en-US" sz="1400" b="1" dirty="0">
-              <a:solidFill>
-                <a:schemeClr val="bg1"/>
-              </a:solidFill>
-            </a:endParaRPr>
-          </a:p>
-        </p:txBody>
-      </p:sp>
-      <p:sp>
-        <p:nvSpPr>
-          <p:cNvPr id="7" name="TextBox 6"/>
-          <p:cNvSpPr txBox="1"/>
-          <p:nvPr/>
-        </p:nvSpPr>
-        <p:spPr>
-          <a:xfrm>
-            <a:off x="2915713" y="6451650"/>
-            <a:ext cx="1438417" cy="307777"/>
-          </a:xfrm>
-          <a:prstGeom prst="rect">
-            <a:avLst/>
-          </a:prstGeom>
-          <a:noFill/>
-        </p:spPr>
-        <p:txBody>
-          <a:bodyPr wrap="square" rtlCol="0">
-            <a:spAutoFit/>
-          </a:bodyPr>
-          <a:lstStyle/>
-          <a:p>
-            <a:r>
-              <a:rPr lang="en-US" sz="1400" b="1" dirty="0" smtClean="0">
-                <a:solidFill>
-                  <a:srgbClr val="FFFFFF"/>
-                </a:solidFill>
-              </a:rPr>
-              <a:t>Requirements</a:t>
-            </a:r>
-            <a:endParaRPr lang="en-US" sz="1400" b="1" dirty="0">
-              <a:solidFill>
-                <a:srgbClr val="FFFFFF"/>
-              </a:solidFill>
-            </a:endParaRPr>
-          </a:p>
-        </p:txBody>
-      </p:sp>
-      <p:sp>
-        <p:nvSpPr>
-          <p:cNvPr id="8" name="TextBox 7"/>
-          <p:cNvSpPr txBox="1"/>
-          <p:nvPr/>
-        </p:nvSpPr>
-        <p:spPr>
-          <a:xfrm>
-            <a:off x="5546331" y="6450236"/>
-            <a:ext cx="1438417" cy="307777"/>
-          </a:xfrm>
-          <a:prstGeom prst="rect">
-            <a:avLst/>
-          </a:prstGeom>
-          <a:noFill/>
-        </p:spPr>
-        <p:txBody>
-          <a:bodyPr wrap="square" rtlCol="0">
-            <a:spAutoFit/>
-          </a:bodyPr>
-          <a:lstStyle/>
-          <a:p>
-            <a:r>
-              <a:rPr lang="en-US" sz="1400" b="1" dirty="0" smtClean="0">
-                <a:solidFill>
-                  <a:srgbClr val="FFFFFF"/>
-                </a:solidFill>
-              </a:rPr>
-              <a:t>Risks</a:t>
-            </a:r>
-            <a:endParaRPr lang="en-US" sz="1400" b="1" dirty="0">
-              <a:solidFill>
-                <a:srgbClr val="FFFFFF"/>
-              </a:solidFill>
-            </a:endParaRPr>
-          </a:p>
-        </p:txBody>
-      </p:sp>
-      <p:sp>
-        <p:nvSpPr>
-          <p:cNvPr id="9" name="TextBox 8"/>
-          <p:cNvSpPr txBox="1"/>
-          <p:nvPr/>
-        </p:nvSpPr>
-        <p:spPr>
-          <a:xfrm>
-            <a:off x="7327631" y="6448747"/>
-            <a:ext cx="1438417" cy="307777"/>
-          </a:xfrm>
-          <a:prstGeom prst="rect">
-            <a:avLst/>
-          </a:prstGeom>
-          <a:noFill/>
-        </p:spPr>
-        <p:txBody>
-          <a:bodyPr wrap="square" rtlCol="0">
-            <a:spAutoFit/>
-          </a:bodyPr>
-          <a:lstStyle/>
-          <a:p>
-            <a:r>
-              <a:rPr lang="en-US" sz="1400" b="1" dirty="0" smtClean="0">
-                <a:solidFill>
-                  <a:srgbClr val="FFFFFF"/>
-                </a:solidFill>
-              </a:rPr>
-              <a:t>Prototype</a:t>
-            </a:r>
-            <a:endParaRPr lang="en-US" sz="1400" b="1" dirty="0">
-              <a:solidFill>
-                <a:srgbClr val="FFFFFF"/>
-              </a:solidFill>
-            </a:endParaRPr>
-          </a:p>
-        </p:txBody>
-      </p:sp>
-    </p:spTree>
-    <p:extLst>
-      <p:ext uri="{BB962C8B-B14F-4D97-AF65-F5344CB8AC3E}">
-        <p14:creationId xmlns:p14="http://schemas.microsoft.com/office/powerpoint/2010/main" val="1221467736"/>
-      </p:ext>
-    </p:extLst>
-  </p:cSld>
-  <p:clrMapOvr>
-    <a:masterClrMapping/>
-  </p:clrMapOvr>
-  <p:timing>
-    <p:tnLst>
-      <p:par>
-        <p:cTn xmlns:p14="http://schemas.microsoft.com/office/powerpoint/2010/main" id="1" dur="indefinite" restart="never" nodeType="tmRoot"/>
-      </p:par>
-    </p:tnLst>
-  </p:timing>
-</p:sld>
-</file>
-
-<file path=ppt/slides/slide20.xml><?xml version="1.0" encoding="utf-8"?>
-<p:sld xmlns:a="http://schemas.openxmlformats.org/drawingml/2006/main" xmlns:r="http://schemas.openxmlformats.org/officeDocument/2006/relationships" xmlns:p="http://schemas.openxmlformats.org/presentationml/2006/main">
-  <p:cSld>
-    <p:spTree>
-      <p:nvGrpSpPr>
-        <p:cNvPr id="1" name=""/>
-        <p:cNvGrpSpPr/>
-        <p:nvPr/>
-      </p:nvGrpSpPr>
-      <p:grpSpPr>
-        <a:xfrm>
-          <a:off x="0" y="0"/>
-          <a:ext cx="0" cy="0"/>
-          <a:chOff x="0" y="0"/>
-          <a:chExt cx="0" cy="0"/>
-        </a:xfrm>
-      </p:grpSpPr>
-      <p:sp>
-        <p:nvSpPr>
-          <p:cNvPr id="2" name="Title 1"/>
-          <p:cNvSpPr>
-            <a:spLocks noGrp="1"/>
-          </p:cNvSpPr>
-          <p:nvPr>
-            <p:ph type="title"/>
-          </p:nvPr>
-        </p:nvSpPr>
-        <p:spPr/>
-        <p:txBody>
-          <a:bodyPr/>
-          <a:lstStyle/>
-          <a:p>
-            <a:r>
-              <a:rPr lang="en-US" dirty="0" smtClean="0"/>
-              <a:t>Rationale for Prototype</a:t>
-            </a:r>
-            <a:endParaRPr lang="en-US" dirty="0"/>
-          </a:p>
-        </p:txBody>
-      </p:sp>
-      <p:sp>
-        <p:nvSpPr>
-          <p:cNvPr id="5" name="Content Placeholder 2"/>
-          <p:cNvSpPr>
-            <a:spLocks noGrp="1"/>
-          </p:cNvSpPr>
-          <p:nvPr>
-            <p:ph idx="1"/>
-          </p:nvPr>
-        </p:nvSpPr>
-        <p:spPr>
-          <a:xfrm>
-            <a:off x="457200" y="1600200"/>
-            <a:ext cx="8229600" cy="4525963"/>
-          </a:xfrm>
-        </p:spPr>
-        <p:txBody>
-          <a:bodyPr>
-            <a:normAutofit lnSpcReduction="10000"/>
-          </a:bodyPr>
-          <a:lstStyle/>
-          <a:p>
-            <a:r>
-              <a:rPr lang="en-US" dirty="0" smtClean="0"/>
-              <a:t>Basis of rapid access authentication system</a:t>
-            </a:r>
-          </a:p>
-          <a:p>
-            <a:pPr lvl="1"/>
-            <a:r>
-              <a:rPr lang="en-US" dirty="0" smtClean="0"/>
-              <a:t>Electronic tickets and credits are stored via account identifiers</a:t>
-            </a:r>
-          </a:p>
-          <a:p>
-            <a:r>
-              <a:rPr lang="en-US" dirty="0" smtClean="0"/>
-              <a:t>User account malfunction will cause the rest of the system to malfunction.</a:t>
-            </a:r>
-          </a:p>
-          <a:p>
-            <a:r>
-              <a:rPr lang="en-US" dirty="0" smtClean="0"/>
-              <a:t>Essential to integration with the current tap card system.</a:t>
-            </a:r>
-          </a:p>
-          <a:p>
-            <a:r>
-              <a:rPr lang="en-US" dirty="0" smtClean="0"/>
-              <a:t>Authentication security is essential for protection of personal information.</a:t>
-            </a:r>
-          </a:p>
-          <a:p>
-            <a:pPr lvl="1"/>
-            <a:r>
-              <a:rPr lang="en-US" dirty="0" smtClean="0"/>
-              <a:t>Credit Card Payment and Authentication</a:t>
-            </a:r>
-          </a:p>
-          <a:p>
-            <a:endParaRPr lang="en-US" dirty="0" smtClean="0"/>
-          </a:p>
-          <a:p>
-            <a:endParaRPr lang="en-US" dirty="0"/>
-          </a:p>
-        </p:txBody>
-      </p:sp>
-      <p:sp>
-        <p:nvSpPr>
-          <p:cNvPr id="6" name="TextBox 5"/>
-          <p:cNvSpPr txBox="1"/>
-          <p:nvPr/>
-        </p:nvSpPr>
-        <p:spPr>
-          <a:xfrm>
-            <a:off x="612648" y="6451650"/>
-            <a:ext cx="1438417" cy="307777"/>
-          </a:xfrm>
-          <a:prstGeom prst="rect">
-            <a:avLst/>
-          </a:prstGeom>
-          <a:noFill/>
-        </p:spPr>
-        <p:txBody>
-          <a:bodyPr wrap="square" rtlCol="0">
-            <a:spAutoFit/>
-          </a:bodyPr>
-          <a:lstStyle/>
-          <a:p>
-            <a:r>
-              <a:rPr lang="en-US" sz="1400" b="1" dirty="0" smtClean="0">
-                <a:solidFill>
-                  <a:schemeClr val="bg1"/>
-                </a:solidFill>
-              </a:rPr>
-              <a:t>Overview</a:t>
-            </a:r>
-            <a:endParaRPr lang="en-US" sz="1400" b="1" dirty="0">
-              <a:solidFill>
-                <a:schemeClr val="bg1"/>
-              </a:solidFill>
-            </a:endParaRPr>
-          </a:p>
-        </p:txBody>
-      </p:sp>
-      <p:sp>
-        <p:nvSpPr>
-          <p:cNvPr id="7" name="TextBox 6"/>
-          <p:cNvSpPr txBox="1"/>
-          <p:nvPr/>
-        </p:nvSpPr>
-        <p:spPr>
-          <a:xfrm>
-            <a:off x="2915713" y="6451650"/>
-            <a:ext cx="1438417" cy="307777"/>
-          </a:xfrm>
-          <a:prstGeom prst="rect">
-            <a:avLst/>
-          </a:prstGeom>
-          <a:noFill/>
-        </p:spPr>
-        <p:txBody>
-          <a:bodyPr wrap="square" rtlCol="0">
-            <a:spAutoFit/>
-          </a:bodyPr>
-          <a:lstStyle/>
-          <a:p>
-            <a:r>
-              <a:rPr lang="en-US" sz="1400" b="1" dirty="0" smtClean="0">
-                <a:solidFill>
-                  <a:schemeClr val="bg1"/>
-                </a:solidFill>
-              </a:rPr>
-              <a:t>Requirements</a:t>
-            </a:r>
-            <a:endParaRPr lang="en-US" sz="1400" b="1" dirty="0">
-              <a:solidFill>
-                <a:schemeClr val="bg1"/>
-              </a:solidFill>
-            </a:endParaRPr>
-          </a:p>
-        </p:txBody>
-      </p:sp>
-      <p:sp>
-        <p:nvSpPr>
-          <p:cNvPr id="8" name="TextBox 7"/>
-          <p:cNvSpPr txBox="1"/>
-          <p:nvPr/>
-        </p:nvSpPr>
-        <p:spPr>
-          <a:xfrm>
-            <a:off x="5546331" y="6450236"/>
-            <a:ext cx="1438417" cy="307777"/>
-          </a:xfrm>
-          <a:prstGeom prst="rect">
-            <a:avLst/>
-          </a:prstGeom>
-          <a:noFill/>
-        </p:spPr>
-        <p:txBody>
-          <a:bodyPr wrap="square" rtlCol="0">
-            <a:spAutoFit/>
-          </a:bodyPr>
-          <a:lstStyle/>
-          <a:p>
-            <a:r>
-              <a:rPr lang="en-US" sz="1400" b="1" dirty="0" smtClean="0">
-                <a:solidFill>
-                  <a:srgbClr val="FFFFFF"/>
-                </a:solidFill>
-              </a:rPr>
-              <a:t>Risks</a:t>
-            </a:r>
-            <a:endParaRPr lang="en-US" sz="1400" b="1" dirty="0">
-              <a:solidFill>
-                <a:srgbClr val="FFFFFF"/>
-              </a:solidFill>
-            </a:endParaRPr>
-          </a:p>
-        </p:txBody>
-      </p:sp>
-      <p:sp>
-        <p:nvSpPr>
-          <p:cNvPr id="9" name="TextBox 8"/>
-          <p:cNvSpPr txBox="1"/>
-          <p:nvPr/>
-        </p:nvSpPr>
-        <p:spPr>
-          <a:xfrm>
-            <a:off x="7327631" y="6448747"/>
-            <a:ext cx="1438417" cy="307777"/>
-          </a:xfrm>
-          <a:prstGeom prst="rect">
-            <a:avLst/>
-          </a:prstGeom>
-          <a:noFill/>
-        </p:spPr>
-        <p:txBody>
-          <a:bodyPr wrap="square" rtlCol="0">
-            <a:spAutoFit/>
-          </a:bodyPr>
-          <a:lstStyle/>
-          <a:p>
-            <a:r>
-              <a:rPr lang="en-US" sz="1400" b="1" dirty="0" smtClean="0">
-                <a:solidFill>
-                  <a:schemeClr val="tx2"/>
-                </a:solidFill>
-              </a:rPr>
-              <a:t>Prototype</a:t>
-            </a:r>
-            <a:endParaRPr lang="en-US" sz="1400" b="1" dirty="0">
-              <a:solidFill>
-                <a:schemeClr val="tx2"/>
-              </a:solidFill>
-            </a:endParaRPr>
-          </a:p>
-        </p:txBody>
-      </p:sp>
-    </p:spTree>
-    <p:extLst>
-      <p:ext uri="{BB962C8B-B14F-4D97-AF65-F5344CB8AC3E}">
-        <p14:creationId xmlns:p14="http://schemas.microsoft.com/office/powerpoint/2010/main" val="3116350148"/>
-      </p:ext>
-    </p:extLst>
-  </p:cSld>
-  <p:clrMapOvr>
-    <a:masterClrMapping/>
-  </p:clrMapOvr>
-  <p:timing>
-    <p:tnLst>
-      <p:par>
-        <p:cTn xmlns:p14="http://schemas.microsoft.com/office/powerpoint/2010/main" id="1" dur="indefinite" restart="never" nodeType="tmRoot"/>
-      </p:par>
-    </p:tnLst>
-  </p:timing>
-</p:sld>
-</file>
-
-<file path=ppt/slides/slide21.xml><?xml version="1.0" encoding="utf-8"?>
-<p:sld xmlns:a="http://schemas.openxmlformats.org/drawingml/2006/main" xmlns:r="http://schemas.openxmlformats.org/officeDocument/2006/relationships" xmlns:p="http://schemas.openxmlformats.org/presentationml/2006/main">
-  <p:cSld>
-    <p:spTree>
-      <p:nvGrpSpPr>
-        <p:cNvPr id="1" name=""/>
-        <p:cNvGrpSpPr/>
-        <p:nvPr/>
-      </p:nvGrpSpPr>
-      <p:grpSpPr>
-        <a:xfrm>
-          <a:off x="0" y="0"/>
-          <a:ext cx="0" cy="0"/>
-          <a:chOff x="0" y="0"/>
-          <a:chExt cx="0" cy="0"/>
-        </a:xfrm>
-      </p:grpSpPr>
-      <p:sp>
-        <p:nvSpPr>
-          <p:cNvPr id="2" name="Title 1"/>
-          <p:cNvSpPr>
-            <a:spLocks noGrp="1"/>
-          </p:cNvSpPr>
-          <p:nvPr>
-            <p:ph type="title"/>
-          </p:nvPr>
-        </p:nvSpPr>
-        <p:spPr>
-          <a:xfrm>
-            <a:off x="612648" y="198041"/>
-            <a:ext cx="8153400" cy="990600"/>
-          </a:xfrm>
-        </p:spPr>
-        <p:txBody>
-          <a:bodyPr/>
-          <a:lstStyle/>
-          <a:p>
-            <a:r>
-              <a:rPr lang="en-US" dirty="0" smtClean="0"/>
-              <a:t>Login</a:t>
-            </a:r>
-            <a:endParaRPr lang="en-US" dirty="0"/>
-          </a:p>
-        </p:txBody>
-      </p:sp>
-      <p:sp>
-        <p:nvSpPr>
-          <p:cNvPr id="6" name="TextBox 5"/>
-          <p:cNvSpPr txBox="1"/>
-          <p:nvPr/>
-        </p:nvSpPr>
-        <p:spPr>
-          <a:xfrm>
-            <a:off x="612648" y="6451650"/>
-            <a:ext cx="1438417" cy="307777"/>
-          </a:xfrm>
-          <a:prstGeom prst="rect">
-            <a:avLst/>
-          </a:prstGeom>
-          <a:noFill/>
-        </p:spPr>
-        <p:txBody>
-          <a:bodyPr wrap="square" rtlCol="0">
-            <a:spAutoFit/>
-          </a:bodyPr>
-          <a:lstStyle/>
-          <a:p>
-            <a:r>
-              <a:rPr lang="en-US" sz="1400" b="1" dirty="0" smtClean="0">
-                <a:solidFill>
-                  <a:schemeClr val="bg1"/>
-                </a:solidFill>
-              </a:rPr>
-              <a:t>Overview</a:t>
-            </a:r>
-            <a:endParaRPr lang="en-US" sz="1400" b="1" dirty="0">
-              <a:solidFill>
-                <a:schemeClr val="bg1"/>
-              </a:solidFill>
-            </a:endParaRPr>
-          </a:p>
-        </p:txBody>
-      </p:sp>
-      <p:sp>
-        <p:nvSpPr>
-          <p:cNvPr id="7" name="TextBox 6"/>
-          <p:cNvSpPr txBox="1"/>
-          <p:nvPr/>
-        </p:nvSpPr>
-        <p:spPr>
-          <a:xfrm>
-            <a:off x="2915713" y="6451650"/>
-            <a:ext cx="1438417" cy="307777"/>
-          </a:xfrm>
-          <a:prstGeom prst="rect">
-            <a:avLst/>
-          </a:prstGeom>
-          <a:noFill/>
-        </p:spPr>
-        <p:txBody>
-          <a:bodyPr wrap="square" rtlCol="0">
-            <a:spAutoFit/>
-          </a:bodyPr>
-          <a:lstStyle/>
-          <a:p>
-            <a:r>
-              <a:rPr lang="en-US" sz="1400" b="1" dirty="0" smtClean="0">
-                <a:solidFill>
-                  <a:schemeClr val="bg1"/>
-                </a:solidFill>
-              </a:rPr>
-              <a:t>Requirements</a:t>
-            </a:r>
-            <a:endParaRPr lang="en-US" sz="1400" b="1" dirty="0">
-              <a:solidFill>
-                <a:schemeClr val="bg1"/>
-              </a:solidFill>
-            </a:endParaRPr>
-          </a:p>
-        </p:txBody>
-      </p:sp>
-      <p:sp>
-        <p:nvSpPr>
-          <p:cNvPr id="8" name="TextBox 7"/>
-          <p:cNvSpPr txBox="1"/>
-          <p:nvPr/>
-        </p:nvSpPr>
-        <p:spPr>
-          <a:xfrm>
-            <a:off x="5546331" y="6450236"/>
-            <a:ext cx="1438417" cy="307777"/>
-          </a:xfrm>
-          <a:prstGeom prst="rect">
-            <a:avLst/>
-          </a:prstGeom>
-          <a:noFill/>
-        </p:spPr>
-        <p:txBody>
-          <a:bodyPr wrap="square" rtlCol="0">
-            <a:spAutoFit/>
-          </a:bodyPr>
-          <a:lstStyle/>
-          <a:p>
-            <a:r>
-              <a:rPr lang="en-US" sz="1400" b="1" dirty="0" smtClean="0">
-                <a:solidFill>
-                  <a:srgbClr val="FFFFFF"/>
-                </a:solidFill>
-              </a:rPr>
-              <a:t>Risks</a:t>
-            </a:r>
-            <a:endParaRPr lang="en-US" sz="1400" b="1" dirty="0">
-              <a:solidFill>
-                <a:srgbClr val="FFFFFF"/>
-              </a:solidFill>
-            </a:endParaRPr>
-          </a:p>
-        </p:txBody>
-      </p:sp>
-      <p:sp>
-        <p:nvSpPr>
-          <p:cNvPr id="9" name="TextBox 8"/>
-          <p:cNvSpPr txBox="1"/>
-          <p:nvPr/>
-        </p:nvSpPr>
-        <p:spPr>
-          <a:xfrm>
-            <a:off x="7327631" y="6448747"/>
-            <a:ext cx="1438417" cy="307777"/>
-          </a:xfrm>
-          <a:prstGeom prst="rect">
-            <a:avLst/>
-          </a:prstGeom>
-          <a:noFill/>
-        </p:spPr>
-        <p:txBody>
-          <a:bodyPr wrap="square" rtlCol="0">
-            <a:spAutoFit/>
-          </a:bodyPr>
-          <a:lstStyle/>
-          <a:p>
-            <a:r>
-              <a:rPr lang="en-US" sz="1400" b="1" dirty="0" smtClean="0">
-                <a:solidFill>
-                  <a:schemeClr val="tx2"/>
-                </a:solidFill>
-              </a:rPr>
-              <a:t>Prototype</a:t>
-            </a:r>
-            <a:endParaRPr lang="en-US" sz="1400" b="1" dirty="0">
-              <a:solidFill>
-                <a:schemeClr val="tx2"/>
-              </a:solidFill>
-            </a:endParaRPr>
-          </a:p>
-        </p:txBody>
-      </p:sp>
-      <p:pic>
-        <p:nvPicPr>
-          <p:cNvPr id="11" name="Content Placeholder 7"/>
-          <p:cNvPicPr>
-            <a:picLocks noGrp="1" noChangeAspect="1"/>
-          </p:cNvPicPr>
-          <p:nvPr>
-            <p:ph idx="1"/>
-          </p:nvPr>
-        </p:nvPicPr>
-        <p:blipFill rotWithShape="1">
-          <a:blip r:embed="rId2"/>
-          <a:srcRect l="516" r="516"/>
-          <a:stretch/>
-        </p:blipFill>
-        <p:spPr>
-          <a:xfrm>
-            <a:off x="2694439" y="1219200"/>
-            <a:ext cx="3319381" cy="5025787"/>
-          </a:xfrm>
-        </p:spPr>
-      </p:pic>
-    </p:spTree>
-    <p:extLst>
-      <p:ext uri="{BB962C8B-B14F-4D97-AF65-F5344CB8AC3E}">
-        <p14:creationId xmlns:p14="http://schemas.microsoft.com/office/powerpoint/2010/main" val="4120464254"/>
-      </p:ext>
-    </p:extLst>
-  </p:cSld>
-  <p:clrMapOvr>
-    <a:masterClrMapping/>
-  </p:clrMapOvr>
-  <p:timing>
-    <p:tnLst>
-      <p:par>
-        <p:cTn xmlns:p14="http://schemas.microsoft.com/office/powerpoint/2010/main" id="1" dur="indefinite" restart="never" nodeType="tmRoot"/>
-      </p:par>
-    </p:tnLst>
-  </p:timing>
-</p:sld>
-</file>
-
-<file path=ppt/slides/slide22.xml><?xml version="1.0" encoding="utf-8"?>
-<p:sld xmlns:a="http://schemas.openxmlformats.org/drawingml/2006/main" xmlns:r="http://schemas.openxmlformats.org/officeDocument/2006/relationships" xmlns:p="http://schemas.openxmlformats.org/presentationml/2006/main">
-  <p:cSld>
-    <p:spTree>
-      <p:nvGrpSpPr>
-        <p:cNvPr id="1" name=""/>
-        <p:cNvGrpSpPr/>
-        <p:nvPr/>
-      </p:nvGrpSpPr>
-      <p:grpSpPr>
-        <a:xfrm>
-          <a:off x="0" y="0"/>
-          <a:ext cx="0" cy="0"/>
-          <a:chOff x="0" y="0"/>
-          <a:chExt cx="0" cy="0"/>
-        </a:xfrm>
-      </p:grpSpPr>
-      <p:sp>
-        <p:nvSpPr>
-          <p:cNvPr id="2" name="Title 1"/>
-          <p:cNvSpPr>
-            <a:spLocks noGrp="1"/>
-          </p:cNvSpPr>
-          <p:nvPr>
-            <p:ph type="title"/>
-          </p:nvPr>
-        </p:nvSpPr>
-        <p:spPr>
-          <a:xfrm>
-            <a:off x="612648" y="198041"/>
-            <a:ext cx="8153400" cy="990600"/>
-          </a:xfrm>
-        </p:spPr>
-        <p:txBody>
-          <a:bodyPr/>
-          <a:lstStyle/>
-          <a:p>
-            <a:r>
-              <a:rPr lang="en-US" dirty="0" smtClean="0"/>
-              <a:t>Create an Account</a:t>
-            </a:r>
-            <a:endParaRPr lang="en-US" dirty="0"/>
-          </a:p>
-        </p:txBody>
-      </p:sp>
-      <p:sp>
-        <p:nvSpPr>
-          <p:cNvPr id="6" name="TextBox 5"/>
-          <p:cNvSpPr txBox="1"/>
-          <p:nvPr/>
-        </p:nvSpPr>
-        <p:spPr>
-          <a:xfrm>
-            <a:off x="612648" y="6451650"/>
-            <a:ext cx="1438417" cy="307777"/>
-          </a:xfrm>
-          <a:prstGeom prst="rect">
-            <a:avLst/>
-          </a:prstGeom>
-          <a:noFill/>
-        </p:spPr>
-        <p:txBody>
-          <a:bodyPr wrap="square" rtlCol="0">
-            <a:spAutoFit/>
-          </a:bodyPr>
-          <a:lstStyle/>
-          <a:p>
-            <a:r>
-              <a:rPr lang="en-US" sz="1400" b="1" dirty="0" smtClean="0">
-                <a:solidFill>
-                  <a:schemeClr val="bg1"/>
-                </a:solidFill>
-              </a:rPr>
-              <a:t>Overview</a:t>
-            </a:r>
-            <a:endParaRPr lang="en-US" sz="1400" b="1" dirty="0">
-              <a:solidFill>
-                <a:schemeClr val="bg1"/>
-              </a:solidFill>
-            </a:endParaRPr>
-          </a:p>
-        </p:txBody>
-      </p:sp>
-      <p:sp>
-        <p:nvSpPr>
-          <p:cNvPr id="7" name="TextBox 6"/>
-          <p:cNvSpPr txBox="1"/>
-          <p:nvPr/>
-        </p:nvSpPr>
-        <p:spPr>
-          <a:xfrm>
-            <a:off x="2915713" y="6451650"/>
-            <a:ext cx="1438417" cy="307777"/>
-          </a:xfrm>
-          <a:prstGeom prst="rect">
-            <a:avLst/>
-          </a:prstGeom>
-          <a:noFill/>
-        </p:spPr>
-        <p:txBody>
-          <a:bodyPr wrap="square" rtlCol="0">
-            <a:spAutoFit/>
-          </a:bodyPr>
-          <a:lstStyle/>
-          <a:p>
-            <a:r>
-              <a:rPr lang="en-US" sz="1400" b="1" dirty="0" smtClean="0">
-                <a:solidFill>
-                  <a:schemeClr val="bg1"/>
-                </a:solidFill>
-              </a:rPr>
-              <a:t>Requirements</a:t>
-            </a:r>
-            <a:endParaRPr lang="en-US" sz="1400" b="1" dirty="0">
-              <a:solidFill>
-                <a:schemeClr val="bg1"/>
-              </a:solidFill>
-            </a:endParaRPr>
-          </a:p>
-        </p:txBody>
-      </p:sp>
-      <p:sp>
-        <p:nvSpPr>
-          <p:cNvPr id="8" name="TextBox 7"/>
-          <p:cNvSpPr txBox="1"/>
-          <p:nvPr/>
-        </p:nvSpPr>
-        <p:spPr>
-          <a:xfrm>
-            <a:off x="5546331" y="6450236"/>
-            <a:ext cx="1438417" cy="307777"/>
-          </a:xfrm>
-          <a:prstGeom prst="rect">
-            <a:avLst/>
-          </a:prstGeom>
-          <a:noFill/>
-        </p:spPr>
-        <p:txBody>
-          <a:bodyPr wrap="square" rtlCol="0">
-            <a:spAutoFit/>
-          </a:bodyPr>
-          <a:lstStyle/>
-          <a:p>
-            <a:r>
-              <a:rPr lang="en-US" sz="1400" b="1" dirty="0" smtClean="0">
-                <a:solidFill>
-                  <a:srgbClr val="FFFFFF"/>
-                </a:solidFill>
-              </a:rPr>
-              <a:t>Risks</a:t>
-            </a:r>
-            <a:endParaRPr lang="en-US" sz="1400" b="1" dirty="0">
-              <a:solidFill>
-                <a:srgbClr val="FFFFFF"/>
-              </a:solidFill>
-            </a:endParaRPr>
-          </a:p>
-        </p:txBody>
-      </p:sp>
-      <p:sp>
-        <p:nvSpPr>
-          <p:cNvPr id="9" name="TextBox 8"/>
-          <p:cNvSpPr txBox="1"/>
-          <p:nvPr/>
-        </p:nvSpPr>
-        <p:spPr>
-          <a:xfrm>
-            <a:off x="7327631" y="6448747"/>
-            <a:ext cx="1438417" cy="307777"/>
-          </a:xfrm>
-          <a:prstGeom prst="rect">
-            <a:avLst/>
-          </a:prstGeom>
-          <a:noFill/>
-        </p:spPr>
-        <p:txBody>
-          <a:bodyPr wrap="square" rtlCol="0">
-            <a:spAutoFit/>
-          </a:bodyPr>
-          <a:lstStyle/>
-          <a:p>
-            <a:r>
-              <a:rPr lang="en-US" sz="1400" b="1" dirty="0" smtClean="0">
-                <a:solidFill>
-                  <a:schemeClr val="tx2"/>
-                </a:solidFill>
-              </a:rPr>
-              <a:t>Prototype</a:t>
-            </a:r>
-            <a:endParaRPr lang="en-US" sz="1400" b="1" dirty="0">
-              <a:solidFill>
-                <a:schemeClr val="tx2"/>
-              </a:solidFill>
-            </a:endParaRPr>
-          </a:p>
-        </p:txBody>
-      </p:sp>
-      <p:pic>
-        <p:nvPicPr>
-          <p:cNvPr id="10" name="Picture 9"/>
-          <p:cNvPicPr>
-            <a:picLocks noChangeAspect="1"/>
-          </p:cNvPicPr>
-          <p:nvPr/>
-        </p:nvPicPr>
-        <p:blipFill>
-          <a:blip r:embed="rId2"/>
-          <a:stretch>
-            <a:fillRect/>
-          </a:stretch>
-        </p:blipFill>
-        <p:spPr>
-          <a:xfrm>
-            <a:off x="416287" y="1757449"/>
-            <a:ext cx="2786765" cy="4171493"/>
-          </a:xfrm>
-          <a:prstGeom prst="rect">
-            <a:avLst/>
-          </a:prstGeom>
-        </p:spPr>
-      </p:pic>
-      <p:pic>
-        <p:nvPicPr>
-          <p:cNvPr id="12" name="Picture 11"/>
-          <p:cNvPicPr>
-            <a:picLocks noChangeAspect="1"/>
-          </p:cNvPicPr>
-          <p:nvPr/>
-        </p:nvPicPr>
-        <p:blipFill>
-          <a:blip r:embed="rId3"/>
-          <a:stretch>
-            <a:fillRect/>
-          </a:stretch>
-        </p:blipFill>
-        <p:spPr>
-          <a:xfrm>
-            <a:off x="3219129" y="1757449"/>
-            <a:ext cx="2783870" cy="4171494"/>
-          </a:xfrm>
-          <a:prstGeom prst="rect">
-            <a:avLst/>
-          </a:prstGeom>
-        </p:spPr>
-      </p:pic>
-      <p:pic>
-        <p:nvPicPr>
-          <p:cNvPr id="13" name="Picture 12"/>
-          <p:cNvPicPr>
-            <a:picLocks noChangeAspect="1"/>
-          </p:cNvPicPr>
-          <p:nvPr/>
-        </p:nvPicPr>
-        <p:blipFill>
-          <a:blip r:embed="rId4"/>
-          <a:stretch>
-            <a:fillRect/>
-          </a:stretch>
-        </p:blipFill>
-        <p:spPr>
-          <a:xfrm>
-            <a:off x="5983316" y="1757449"/>
-            <a:ext cx="2783869" cy="4171493"/>
-          </a:xfrm>
-          <a:prstGeom prst="rect">
-            <a:avLst/>
-          </a:prstGeom>
-        </p:spPr>
-      </p:pic>
-    </p:spTree>
-    <p:extLst>
-      <p:ext uri="{BB962C8B-B14F-4D97-AF65-F5344CB8AC3E}">
-        <p14:creationId xmlns:p14="http://schemas.microsoft.com/office/powerpoint/2010/main" val="4080863094"/>
-      </p:ext>
-    </p:extLst>
-  </p:cSld>
-  <p:clrMapOvr>
-    <a:masterClrMapping/>
-  </p:clrMapOvr>
-  <p:timing>
-    <p:tnLst>
-      <p:par>
-        <p:cTn xmlns:p14="http://schemas.microsoft.com/office/powerpoint/2010/main" id="1" dur="indefinite" restart="never" nodeType="tmRoot"/>
-      </p:par>
-    </p:tnLst>
-  </p:timing>
-</p:sld>
-</file>
-
-<file path=ppt/slides/slide23.xml><?xml version="1.0" encoding="utf-8"?>
-<p:sld xmlns:a="http://schemas.openxmlformats.org/drawingml/2006/main" xmlns:r="http://schemas.openxmlformats.org/officeDocument/2006/relationships" xmlns:p="http://schemas.openxmlformats.org/presentationml/2006/main">
-  <p:cSld>
-    <p:spTree>
-      <p:nvGrpSpPr>
-        <p:cNvPr id="1" name=""/>
-        <p:cNvGrpSpPr/>
-        <p:nvPr/>
-      </p:nvGrpSpPr>
-      <p:grpSpPr>
-        <a:xfrm>
-          <a:off x="0" y="0"/>
-          <a:ext cx="0" cy="0"/>
-          <a:chOff x="0" y="0"/>
-          <a:chExt cx="0" cy="0"/>
-        </a:xfrm>
-      </p:grpSpPr>
-      <p:sp>
-        <p:nvSpPr>
-          <p:cNvPr id="2" name="Title 1"/>
-          <p:cNvSpPr>
-            <a:spLocks noGrp="1"/>
-          </p:cNvSpPr>
-          <p:nvPr>
-            <p:ph type="title"/>
-          </p:nvPr>
-        </p:nvSpPr>
-        <p:spPr/>
-        <p:txBody>
-          <a:bodyPr/>
-          <a:lstStyle/>
-          <a:p>
-            <a:r>
-              <a:rPr lang="en-US" dirty="0" smtClean="0"/>
-              <a:t>Store Credit Card Information</a:t>
-            </a:r>
-            <a:endParaRPr lang="en-US" dirty="0"/>
-          </a:p>
-        </p:txBody>
-      </p:sp>
-      <p:pic>
-        <p:nvPicPr>
-          <p:cNvPr id="3" name="Picture 2"/>
-          <p:cNvPicPr>
-            <a:picLocks noChangeAspect="1"/>
-          </p:cNvPicPr>
-          <p:nvPr/>
-        </p:nvPicPr>
-        <p:blipFill>
-          <a:blip r:embed="rId2"/>
-          <a:stretch>
-            <a:fillRect/>
-          </a:stretch>
-        </p:blipFill>
-        <p:spPr>
-          <a:xfrm>
-            <a:off x="4909623" y="1598144"/>
-            <a:ext cx="2935627" cy="4398896"/>
-          </a:xfrm>
-          <a:prstGeom prst="rect">
-            <a:avLst/>
-          </a:prstGeom>
-        </p:spPr>
-      </p:pic>
-      <p:pic>
-        <p:nvPicPr>
-          <p:cNvPr id="6" name="Picture 5"/>
-          <p:cNvPicPr>
-            <a:picLocks noChangeAspect="1"/>
-          </p:cNvPicPr>
-          <p:nvPr/>
-        </p:nvPicPr>
-        <p:blipFill>
-          <a:blip r:embed="rId3"/>
-          <a:stretch>
-            <a:fillRect/>
-          </a:stretch>
-        </p:blipFill>
-        <p:spPr>
-          <a:xfrm>
-            <a:off x="1496450" y="1598144"/>
-            <a:ext cx="2935626" cy="4398895"/>
-          </a:xfrm>
-          <a:prstGeom prst="rect">
-            <a:avLst/>
-          </a:prstGeom>
-        </p:spPr>
-      </p:pic>
-      <p:sp>
-        <p:nvSpPr>
-          <p:cNvPr id="5" name="TextBox 4"/>
-          <p:cNvSpPr txBox="1"/>
-          <p:nvPr/>
-        </p:nvSpPr>
-        <p:spPr>
-          <a:xfrm>
-            <a:off x="612648" y="6451650"/>
-            <a:ext cx="1438417" cy="307777"/>
-          </a:xfrm>
-          <a:prstGeom prst="rect">
-            <a:avLst/>
-          </a:prstGeom>
-          <a:noFill/>
-        </p:spPr>
-        <p:txBody>
-          <a:bodyPr wrap="square" rtlCol="0">
-            <a:spAutoFit/>
-          </a:bodyPr>
-          <a:lstStyle/>
-          <a:p>
-            <a:r>
-              <a:rPr lang="en-US" sz="1400" b="1" dirty="0" smtClean="0">
-                <a:solidFill>
-                  <a:schemeClr val="bg1"/>
-                </a:solidFill>
-              </a:rPr>
-              <a:t>Overview</a:t>
-            </a:r>
-            <a:endParaRPr lang="en-US" sz="1400" b="1" dirty="0">
-              <a:solidFill>
-                <a:schemeClr val="bg1"/>
-              </a:solidFill>
-            </a:endParaRPr>
-          </a:p>
-        </p:txBody>
-      </p:sp>
-      <p:sp>
-        <p:nvSpPr>
-          <p:cNvPr id="7" name="TextBox 6"/>
-          <p:cNvSpPr txBox="1"/>
-          <p:nvPr/>
-        </p:nvSpPr>
-        <p:spPr>
-          <a:xfrm>
-            <a:off x="2915713" y="6451650"/>
-            <a:ext cx="1438417" cy="307777"/>
-          </a:xfrm>
-          <a:prstGeom prst="rect">
-            <a:avLst/>
-          </a:prstGeom>
-          <a:noFill/>
-        </p:spPr>
-        <p:txBody>
-          <a:bodyPr wrap="square" rtlCol="0">
-            <a:spAutoFit/>
-          </a:bodyPr>
-          <a:lstStyle/>
-          <a:p>
-            <a:r>
-              <a:rPr lang="en-US" sz="1400" b="1" dirty="0" smtClean="0">
-                <a:solidFill>
-                  <a:schemeClr val="bg1"/>
-                </a:solidFill>
-              </a:rPr>
-              <a:t>Requirements</a:t>
-            </a:r>
-            <a:endParaRPr lang="en-US" sz="1400" b="1" dirty="0">
-              <a:solidFill>
-                <a:schemeClr val="bg1"/>
-              </a:solidFill>
-            </a:endParaRPr>
-          </a:p>
-        </p:txBody>
-      </p:sp>
-      <p:sp>
-        <p:nvSpPr>
-          <p:cNvPr id="8" name="TextBox 7"/>
-          <p:cNvSpPr txBox="1"/>
-          <p:nvPr/>
-        </p:nvSpPr>
-        <p:spPr>
-          <a:xfrm>
-            <a:off x="5546331" y="6450236"/>
-            <a:ext cx="1438417" cy="307777"/>
-          </a:xfrm>
-          <a:prstGeom prst="rect">
-            <a:avLst/>
-          </a:prstGeom>
-          <a:noFill/>
-        </p:spPr>
-        <p:txBody>
-          <a:bodyPr wrap="square" rtlCol="0">
-            <a:spAutoFit/>
-          </a:bodyPr>
-          <a:lstStyle/>
-          <a:p>
-            <a:r>
-              <a:rPr lang="en-US" sz="1400" b="1" dirty="0" smtClean="0">
-                <a:solidFill>
-                  <a:srgbClr val="FFFFFF"/>
-                </a:solidFill>
-              </a:rPr>
-              <a:t>Risks</a:t>
-            </a:r>
-            <a:endParaRPr lang="en-US" sz="1400" b="1" dirty="0">
-              <a:solidFill>
-                <a:srgbClr val="FFFFFF"/>
-              </a:solidFill>
-            </a:endParaRPr>
-          </a:p>
-        </p:txBody>
-      </p:sp>
-      <p:sp>
-        <p:nvSpPr>
-          <p:cNvPr id="9" name="TextBox 8"/>
-          <p:cNvSpPr txBox="1"/>
-          <p:nvPr/>
-        </p:nvSpPr>
-        <p:spPr>
-          <a:xfrm>
-            <a:off x="7327631" y="6448747"/>
-            <a:ext cx="1438417" cy="307777"/>
-          </a:xfrm>
-          <a:prstGeom prst="rect">
-            <a:avLst/>
-          </a:prstGeom>
-          <a:noFill/>
-        </p:spPr>
-        <p:txBody>
-          <a:bodyPr wrap="square" rtlCol="0">
-            <a:spAutoFit/>
-          </a:bodyPr>
-          <a:lstStyle/>
-          <a:p>
-            <a:r>
-              <a:rPr lang="en-US" sz="1400" b="1" dirty="0" smtClean="0">
-                <a:solidFill>
-                  <a:schemeClr val="tx2"/>
-                </a:solidFill>
-              </a:rPr>
-              <a:t>Prototype</a:t>
-            </a:r>
-            <a:endParaRPr lang="en-US" sz="1400" b="1" dirty="0">
-              <a:solidFill>
-                <a:schemeClr val="tx2"/>
-              </a:solidFill>
-            </a:endParaRPr>
-          </a:p>
-        </p:txBody>
-      </p:sp>
-    </p:spTree>
-    <p:extLst>
-      <p:ext uri="{BB962C8B-B14F-4D97-AF65-F5344CB8AC3E}">
-        <p14:creationId xmlns:p14="http://schemas.microsoft.com/office/powerpoint/2010/main" val="609194097"/>
-      </p:ext>
-    </p:extLst>
-  </p:cSld>
-  <p:clrMapOvr>
-    <a:masterClrMapping/>
-  </p:clrMapOvr>
-</p:sld>
-</file>
-
-<file path=ppt/slides/slide24.xml><?xml version="1.0" encoding="utf-8"?>
-<p:sld xmlns:a="http://schemas.openxmlformats.org/drawingml/2006/main" xmlns:r="http://schemas.openxmlformats.org/officeDocument/2006/relationships" xmlns:p="http://schemas.openxmlformats.org/presentationml/2006/main">
-  <p:cSld>
-    <p:spTree>
-      <p:nvGrpSpPr>
-        <p:cNvPr id="1" name=""/>
-        <p:cNvGrpSpPr/>
-        <p:nvPr/>
-      </p:nvGrpSpPr>
-      <p:grpSpPr>
-        <a:xfrm>
-          <a:off x="0" y="0"/>
-          <a:ext cx="0" cy="0"/>
-          <a:chOff x="0" y="0"/>
-          <a:chExt cx="0" cy="0"/>
-        </a:xfrm>
-      </p:grpSpPr>
-      <p:sp>
-        <p:nvSpPr>
-          <p:cNvPr id="2" name="Title 1"/>
-          <p:cNvSpPr>
-            <a:spLocks noGrp="1"/>
-          </p:cNvSpPr>
-          <p:nvPr>
-            <p:ph type="title"/>
-          </p:nvPr>
-        </p:nvSpPr>
-        <p:spPr/>
-        <p:txBody>
-          <a:bodyPr/>
-          <a:lstStyle/>
-          <a:p>
-            <a:r>
-              <a:rPr lang="en-US" dirty="0" smtClean="0"/>
-              <a:t>View Balance &amp; Tickets</a:t>
-            </a:r>
-            <a:endParaRPr lang="en-US" dirty="0"/>
-          </a:p>
-        </p:txBody>
-      </p:sp>
-      <p:pic>
-        <p:nvPicPr>
-          <p:cNvPr id="4" name="Picture 3"/>
-          <p:cNvPicPr>
-            <a:picLocks noChangeAspect="1"/>
-          </p:cNvPicPr>
-          <p:nvPr/>
-        </p:nvPicPr>
-        <p:blipFill>
-          <a:blip r:embed="rId2"/>
-          <a:stretch>
-            <a:fillRect/>
-          </a:stretch>
-        </p:blipFill>
-        <p:spPr>
-          <a:xfrm>
-            <a:off x="2875328" y="1219200"/>
-            <a:ext cx="3393344" cy="5084762"/>
-          </a:xfrm>
-          <a:prstGeom prst="rect">
-            <a:avLst/>
-          </a:prstGeom>
-        </p:spPr>
-      </p:pic>
-      <p:sp>
-        <p:nvSpPr>
-          <p:cNvPr id="5" name="TextBox 4"/>
-          <p:cNvSpPr txBox="1"/>
-          <p:nvPr/>
-        </p:nvSpPr>
-        <p:spPr>
-          <a:xfrm>
-            <a:off x="612648" y="6451650"/>
-            <a:ext cx="1438417" cy="307777"/>
-          </a:xfrm>
-          <a:prstGeom prst="rect">
-            <a:avLst/>
-          </a:prstGeom>
-          <a:noFill/>
-        </p:spPr>
-        <p:txBody>
-          <a:bodyPr wrap="square" rtlCol="0">
-            <a:spAutoFit/>
-          </a:bodyPr>
-          <a:lstStyle/>
-          <a:p>
-            <a:r>
-              <a:rPr lang="en-US" sz="1400" b="1" dirty="0" smtClean="0">
-                <a:solidFill>
-                  <a:schemeClr val="bg1"/>
-                </a:solidFill>
-              </a:rPr>
-              <a:t>Overview</a:t>
-            </a:r>
-            <a:endParaRPr lang="en-US" sz="1400" b="1" dirty="0">
-              <a:solidFill>
-                <a:schemeClr val="bg1"/>
-              </a:solidFill>
-            </a:endParaRPr>
-          </a:p>
-        </p:txBody>
-      </p:sp>
-      <p:sp>
-        <p:nvSpPr>
-          <p:cNvPr id="6" name="TextBox 5"/>
-          <p:cNvSpPr txBox="1"/>
-          <p:nvPr/>
-        </p:nvSpPr>
-        <p:spPr>
-          <a:xfrm>
-            <a:off x="2915713" y="6451650"/>
-            <a:ext cx="1438417" cy="307777"/>
-          </a:xfrm>
-          <a:prstGeom prst="rect">
-            <a:avLst/>
-          </a:prstGeom>
-          <a:noFill/>
-        </p:spPr>
-        <p:txBody>
-          <a:bodyPr wrap="square" rtlCol="0">
-            <a:spAutoFit/>
-          </a:bodyPr>
-          <a:lstStyle/>
-          <a:p>
-            <a:r>
-              <a:rPr lang="en-US" sz="1400" b="1" dirty="0" smtClean="0">
-                <a:solidFill>
-                  <a:schemeClr val="bg1"/>
-                </a:solidFill>
-              </a:rPr>
-              <a:t>Requirements</a:t>
-            </a:r>
-            <a:endParaRPr lang="en-US" sz="1400" b="1" dirty="0">
-              <a:solidFill>
-                <a:schemeClr val="bg1"/>
-              </a:solidFill>
-            </a:endParaRPr>
-          </a:p>
-        </p:txBody>
-      </p:sp>
-      <p:sp>
-        <p:nvSpPr>
-          <p:cNvPr id="7" name="TextBox 6"/>
-          <p:cNvSpPr txBox="1"/>
-          <p:nvPr/>
-        </p:nvSpPr>
-        <p:spPr>
-          <a:xfrm>
-            <a:off x="5546331" y="6450236"/>
-            <a:ext cx="1438417" cy="307777"/>
-          </a:xfrm>
-          <a:prstGeom prst="rect">
-            <a:avLst/>
-          </a:prstGeom>
-          <a:noFill/>
-        </p:spPr>
-        <p:txBody>
-          <a:bodyPr wrap="square" rtlCol="0">
-            <a:spAutoFit/>
-          </a:bodyPr>
-          <a:lstStyle/>
-          <a:p>
-            <a:r>
-              <a:rPr lang="en-US" sz="1400" b="1" dirty="0" smtClean="0">
-                <a:solidFill>
-                  <a:srgbClr val="FFFFFF"/>
-                </a:solidFill>
-              </a:rPr>
-              <a:t>Risks</a:t>
-            </a:r>
-            <a:endParaRPr lang="en-US" sz="1400" b="1" dirty="0">
-              <a:solidFill>
-                <a:srgbClr val="FFFFFF"/>
-              </a:solidFill>
-            </a:endParaRPr>
-          </a:p>
-        </p:txBody>
-      </p:sp>
-      <p:sp>
-        <p:nvSpPr>
-          <p:cNvPr id="8" name="TextBox 7"/>
-          <p:cNvSpPr txBox="1"/>
-          <p:nvPr/>
-        </p:nvSpPr>
-        <p:spPr>
-          <a:xfrm>
-            <a:off x="7327631" y="6448747"/>
-            <a:ext cx="1438417" cy="307777"/>
-          </a:xfrm>
-          <a:prstGeom prst="rect">
-            <a:avLst/>
-          </a:prstGeom>
-          <a:noFill/>
-        </p:spPr>
-        <p:txBody>
-          <a:bodyPr wrap="square" rtlCol="0">
-            <a:spAutoFit/>
-          </a:bodyPr>
-          <a:lstStyle/>
-          <a:p>
-            <a:r>
-              <a:rPr lang="en-US" sz="1400" b="1" dirty="0" smtClean="0">
-                <a:solidFill>
-                  <a:schemeClr val="tx2"/>
-                </a:solidFill>
-              </a:rPr>
-              <a:t>Prototype</a:t>
-            </a:r>
-            <a:endParaRPr lang="en-US" sz="1400" b="1" dirty="0">
-              <a:solidFill>
-                <a:schemeClr val="tx2"/>
-              </a:solidFill>
-            </a:endParaRPr>
-          </a:p>
-        </p:txBody>
-      </p:sp>
-    </p:spTree>
-    <p:extLst>
-      <p:ext uri="{BB962C8B-B14F-4D97-AF65-F5344CB8AC3E}">
-        <p14:creationId xmlns:p14="http://schemas.microsoft.com/office/powerpoint/2010/main" val="2610831758"/>
-      </p:ext>
-    </p:extLst>
-  </p:cSld>
-  <p:clrMapOvr>
-    <a:masterClrMapping/>
-  </p:clrMapOvr>
-</p:sld>
-</file>
-
-<file path=ppt/slides/slide25.xml><?xml version="1.0" encoding="utf-8"?>
-<p:sld xmlns:a="http://schemas.openxmlformats.org/drawingml/2006/main" xmlns:r="http://schemas.openxmlformats.org/officeDocument/2006/relationships" xmlns:p="http://schemas.openxmlformats.org/presentationml/2006/main">
-  <p:cSld>
-    <p:spTree>
-      <p:nvGrpSpPr>
-        <p:cNvPr id="1" name=""/>
-        <p:cNvGrpSpPr/>
-        <p:nvPr/>
-      </p:nvGrpSpPr>
-      <p:grpSpPr>
-        <a:xfrm>
-          <a:off x="0" y="0"/>
-          <a:ext cx="0" cy="0"/>
-          <a:chOff x="0" y="0"/>
-          <a:chExt cx="0" cy="0"/>
-        </a:xfrm>
-      </p:grpSpPr>
-      <p:sp>
-        <p:nvSpPr>
-          <p:cNvPr id="2" name="Title 1"/>
-          <p:cNvSpPr>
-            <a:spLocks noGrp="1"/>
-          </p:cNvSpPr>
-          <p:nvPr>
-            <p:ph type="title"/>
-          </p:nvPr>
-        </p:nvSpPr>
-        <p:spPr/>
-        <p:txBody>
-          <a:bodyPr>
-            <a:normAutofit/>
-          </a:bodyPr>
-          <a:lstStyle/>
-          <a:p>
-            <a:r>
-              <a:rPr lang="en-US" dirty="0" smtClean="0"/>
-              <a:t>Edit/Delete Account</a:t>
-            </a:r>
-            <a:endParaRPr lang="en-US" dirty="0"/>
-          </a:p>
-        </p:txBody>
-      </p:sp>
-      <p:pic>
-        <p:nvPicPr>
-          <p:cNvPr id="4" name="Picture 3"/>
-          <p:cNvPicPr>
-            <a:picLocks noChangeAspect="1"/>
-          </p:cNvPicPr>
-          <p:nvPr/>
-        </p:nvPicPr>
-        <p:blipFill>
-          <a:blip r:embed="rId2"/>
-          <a:stretch>
-            <a:fillRect/>
-          </a:stretch>
-        </p:blipFill>
-        <p:spPr>
-          <a:xfrm>
-            <a:off x="903987" y="1219200"/>
-            <a:ext cx="3404746" cy="5101848"/>
-          </a:xfrm>
-          <a:prstGeom prst="rect">
-            <a:avLst/>
-          </a:prstGeom>
-        </p:spPr>
-      </p:pic>
-      <p:pic>
-        <p:nvPicPr>
-          <p:cNvPr id="5" name="Picture 4"/>
-          <p:cNvPicPr>
-            <a:picLocks noChangeAspect="1"/>
-          </p:cNvPicPr>
-          <p:nvPr/>
-        </p:nvPicPr>
-        <p:blipFill>
-          <a:blip r:embed="rId3"/>
-          <a:stretch>
-            <a:fillRect/>
-          </a:stretch>
-        </p:blipFill>
-        <p:spPr>
-          <a:xfrm>
-            <a:off x="4766756" y="1219200"/>
-            <a:ext cx="3404746" cy="5101848"/>
-          </a:xfrm>
-          <a:prstGeom prst="rect">
-            <a:avLst/>
-          </a:prstGeom>
-        </p:spPr>
-      </p:pic>
-      <p:sp>
-        <p:nvSpPr>
-          <p:cNvPr id="6" name="TextBox 5"/>
-          <p:cNvSpPr txBox="1"/>
-          <p:nvPr/>
-        </p:nvSpPr>
-        <p:spPr>
-          <a:xfrm>
-            <a:off x="612648" y="6451650"/>
-            <a:ext cx="1438417" cy="307777"/>
-          </a:xfrm>
-          <a:prstGeom prst="rect">
-            <a:avLst/>
-          </a:prstGeom>
-          <a:noFill/>
-        </p:spPr>
-        <p:txBody>
-          <a:bodyPr wrap="square" rtlCol="0">
-            <a:spAutoFit/>
-          </a:bodyPr>
-          <a:lstStyle/>
-          <a:p>
-            <a:r>
-              <a:rPr lang="en-US" sz="1400" b="1" dirty="0" smtClean="0">
-                <a:solidFill>
-                  <a:schemeClr val="bg1"/>
-                </a:solidFill>
-              </a:rPr>
-              <a:t>Overview</a:t>
-            </a:r>
-            <a:endParaRPr lang="en-US" sz="1400" b="1" dirty="0">
-              <a:solidFill>
-                <a:schemeClr val="bg1"/>
-              </a:solidFill>
-            </a:endParaRPr>
-          </a:p>
-        </p:txBody>
-      </p:sp>
-      <p:sp>
-        <p:nvSpPr>
-          <p:cNvPr id="7" name="TextBox 6"/>
-          <p:cNvSpPr txBox="1"/>
-          <p:nvPr/>
-        </p:nvSpPr>
-        <p:spPr>
-          <a:xfrm>
-            <a:off x="2915713" y="6451650"/>
-            <a:ext cx="1438417" cy="307777"/>
-          </a:xfrm>
-          <a:prstGeom prst="rect">
-            <a:avLst/>
-          </a:prstGeom>
-          <a:noFill/>
-        </p:spPr>
-        <p:txBody>
-          <a:bodyPr wrap="square" rtlCol="0">
-            <a:spAutoFit/>
-          </a:bodyPr>
-          <a:lstStyle/>
-          <a:p>
-            <a:r>
-              <a:rPr lang="en-US" sz="1400" b="1" dirty="0" smtClean="0">
-                <a:solidFill>
-                  <a:schemeClr val="bg1"/>
-                </a:solidFill>
-              </a:rPr>
-              <a:t>Requirements</a:t>
-            </a:r>
-            <a:endParaRPr lang="en-US" sz="1400" b="1" dirty="0">
-              <a:solidFill>
-                <a:schemeClr val="bg1"/>
-              </a:solidFill>
-            </a:endParaRPr>
-          </a:p>
-        </p:txBody>
-      </p:sp>
-      <p:sp>
-        <p:nvSpPr>
-          <p:cNvPr id="8" name="TextBox 7"/>
-          <p:cNvSpPr txBox="1"/>
-          <p:nvPr/>
-        </p:nvSpPr>
-        <p:spPr>
-          <a:xfrm>
-            <a:off x="5546331" y="6450236"/>
-            <a:ext cx="1438417" cy="307777"/>
-          </a:xfrm>
-          <a:prstGeom prst="rect">
-            <a:avLst/>
-          </a:prstGeom>
-          <a:noFill/>
-        </p:spPr>
-        <p:txBody>
-          <a:bodyPr wrap="square" rtlCol="0">
-            <a:spAutoFit/>
-          </a:bodyPr>
-          <a:lstStyle/>
-          <a:p>
-            <a:r>
-              <a:rPr lang="en-US" sz="1400" b="1" dirty="0" smtClean="0">
-                <a:solidFill>
-                  <a:srgbClr val="FFFFFF"/>
-                </a:solidFill>
-              </a:rPr>
-              <a:t>Risks</a:t>
-            </a:r>
-            <a:endParaRPr lang="en-US" sz="1400" b="1" dirty="0">
-              <a:solidFill>
-                <a:srgbClr val="FFFFFF"/>
-              </a:solidFill>
-            </a:endParaRPr>
-          </a:p>
-        </p:txBody>
-      </p:sp>
-      <p:sp>
-        <p:nvSpPr>
-          <p:cNvPr id="9" name="TextBox 8"/>
-          <p:cNvSpPr txBox="1"/>
-          <p:nvPr/>
-        </p:nvSpPr>
-        <p:spPr>
-          <a:xfrm>
-            <a:off x="7327631" y="6448747"/>
-            <a:ext cx="1438417" cy="307777"/>
-          </a:xfrm>
-          <a:prstGeom prst="rect">
-            <a:avLst/>
-          </a:prstGeom>
-          <a:noFill/>
-        </p:spPr>
-        <p:txBody>
-          <a:bodyPr wrap="square" rtlCol="0">
-            <a:spAutoFit/>
-          </a:bodyPr>
-          <a:lstStyle/>
-          <a:p>
-            <a:r>
-              <a:rPr lang="en-US" sz="1400" b="1" dirty="0" smtClean="0">
-                <a:solidFill>
-                  <a:schemeClr val="tx2"/>
-                </a:solidFill>
-              </a:rPr>
-              <a:t>Prototype</a:t>
-            </a:r>
-            <a:endParaRPr lang="en-US" sz="1400" b="1" dirty="0">
-              <a:solidFill>
-                <a:schemeClr val="tx2"/>
-              </a:solidFill>
-            </a:endParaRPr>
-          </a:p>
-        </p:txBody>
-      </p:sp>
-    </p:spTree>
-    <p:extLst>
-      <p:ext uri="{BB962C8B-B14F-4D97-AF65-F5344CB8AC3E}">
-        <p14:creationId xmlns:p14="http://schemas.microsoft.com/office/powerpoint/2010/main" val="3258015006"/>
-      </p:ext>
-    </p:extLst>
-  </p:cSld>
-  <p:clrMapOvr>
-    <a:masterClrMapping/>
-  </p:clrMapOvr>
-</p:sld>
-</file>
-
-<file path=ppt/slides/slide26.xml><?xml version="1.0" encoding="utf-8"?>
-<p:sld xmlns:a="http://schemas.openxmlformats.org/drawingml/2006/main" xmlns:r="http://schemas.openxmlformats.org/officeDocument/2006/relationships" xmlns:p="http://schemas.openxmlformats.org/presentationml/2006/main">
-  <p:cSld>
-    <p:spTree>
-      <p:nvGrpSpPr>
-        <p:cNvPr id="1" name=""/>
-        <p:cNvGrpSpPr/>
-        <p:nvPr/>
-      </p:nvGrpSpPr>
-      <p:grpSpPr>
-        <a:xfrm>
-          <a:off x="0" y="0"/>
-          <a:ext cx="0" cy="0"/>
-          <a:chOff x="0" y="0"/>
-          <a:chExt cx="0" cy="0"/>
-        </a:xfrm>
-      </p:grpSpPr>
-      <p:sp>
-        <p:nvSpPr>
-          <p:cNvPr id="2" name="Title 1"/>
-          <p:cNvSpPr>
-            <a:spLocks noGrp="1"/>
-          </p:cNvSpPr>
-          <p:nvPr>
-            <p:ph type="title"/>
-          </p:nvPr>
-        </p:nvSpPr>
-        <p:spPr/>
-        <p:txBody>
-          <a:bodyPr/>
-          <a:lstStyle/>
-          <a:p>
-            <a:r>
-              <a:rPr lang="en-US" dirty="0" smtClean="0"/>
-              <a:t>Log Out</a:t>
-            </a:r>
-            <a:endParaRPr lang="en-US" dirty="0"/>
-          </a:p>
-        </p:txBody>
-      </p:sp>
-      <p:pic>
-        <p:nvPicPr>
-          <p:cNvPr id="3" name="Picture 2"/>
-          <p:cNvPicPr>
-            <a:picLocks noChangeAspect="1"/>
-          </p:cNvPicPr>
-          <p:nvPr/>
-        </p:nvPicPr>
-        <p:blipFill>
-          <a:blip r:embed="rId2"/>
-          <a:stretch>
-            <a:fillRect/>
-          </a:stretch>
-        </p:blipFill>
-        <p:spPr>
-          <a:xfrm>
-            <a:off x="2879355" y="1219200"/>
-            <a:ext cx="3385290" cy="5072695"/>
-          </a:xfrm>
-          <a:prstGeom prst="rect">
-            <a:avLst/>
-          </a:prstGeom>
-        </p:spPr>
-      </p:pic>
-      <p:sp>
-        <p:nvSpPr>
-          <p:cNvPr id="4" name="TextBox 3"/>
-          <p:cNvSpPr txBox="1"/>
-          <p:nvPr/>
-        </p:nvSpPr>
-        <p:spPr>
-          <a:xfrm>
-            <a:off x="612648" y="6451650"/>
-            <a:ext cx="1438417" cy="307777"/>
-          </a:xfrm>
-          <a:prstGeom prst="rect">
-            <a:avLst/>
-          </a:prstGeom>
-          <a:noFill/>
-        </p:spPr>
-        <p:txBody>
-          <a:bodyPr wrap="square" rtlCol="0">
-            <a:spAutoFit/>
-          </a:bodyPr>
-          <a:lstStyle/>
-          <a:p>
-            <a:r>
-              <a:rPr lang="en-US" sz="1400" b="1" dirty="0" smtClean="0">
-                <a:solidFill>
-                  <a:schemeClr val="bg1"/>
-                </a:solidFill>
-              </a:rPr>
-              <a:t>Overview</a:t>
-            </a:r>
-            <a:endParaRPr lang="en-US" sz="1400" b="1" dirty="0">
-              <a:solidFill>
-                <a:schemeClr val="bg1"/>
-              </a:solidFill>
-            </a:endParaRPr>
-          </a:p>
-        </p:txBody>
-      </p:sp>
-      <p:sp>
-        <p:nvSpPr>
-          <p:cNvPr id="5" name="TextBox 4"/>
-          <p:cNvSpPr txBox="1"/>
-          <p:nvPr/>
-        </p:nvSpPr>
-        <p:spPr>
-          <a:xfrm>
-            <a:off x="2915713" y="6451650"/>
-            <a:ext cx="1438417" cy="307777"/>
-          </a:xfrm>
-          <a:prstGeom prst="rect">
-            <a:avLst/>
-          </a:prstGeom>
-          <a:noFill/>
-        </p:spPr>
-        <p:txBody>
-          <a:bodyPr wrap="square" rtlCol="0">
-            <a:spAutoFit/>
-          </a:bodyPr>
-          <a:lstStyle/>
-          <a:p>
-            <a:r>
-              <a:rPr lang="en-US" sz="1400" b="1" dirty="0" smtClean="0">
-                <a:solidFill>
-                  <a:schemeClr val="bg1"/>
-                </a:solidFill>
-              </a:rPr>
-              <a:t>Requirements</a:t>
-            </a:r>
-            <a:endParaRPr lang="en-US" sz="1400" b="1" dirty="0">
-              <a:solidFill>
-                <a:schemeClr val="bg1"/>
-              </a:solidFill>
-            </a:endParaRPr>
-          </a:p>
-        </p:txBody>
-      </p:sp>
-      <p:sp>
-        <p:nvSpPr>
-          <p:cNvPr id="6" name="TextBox 5"/>
-          <p:cNvSpPr txBox="1"/>
-          <p:nvPr/>
-        </p:nvSpPr>
-        <p:spPr>
-          <a:xfrm>
-            <a:off x="5546331" y="6450236"/>
-            <a:ext cx="1438417" cy="307777"/>
-          </a:xfrm>
-          <a:prstGeom prst="rect">
-            <a:avLst/>
-          </a:prstGeom>
-          <a:noFill/>
-        </p:spPr>
-        <p:txBody>
-          <a:bodyPr wrap="square" rtlCol="0">
-            <a:spAutoFit/>
-          </a:bodyPr>
-          <a:lstStyle/>
-          <a:p>
-            <a:r>
-              <a:rPr lang="en-US" sz="1400" b="1" dirty="0" smtClean="0">
-                <a:solidFill>
-                  <a:srgbClr val="FFFFFF"/>
-                </a:solidFill>
-              </a:rPr>
-              <a:t>Risks</a:t>
-            </a:r>
-            <a:endParaRPr lang="en-US" sz="1400" b="1" dirty="0">
-              <a:solidFill>
-                <a:srgbClr val="FFFFFF"/>
-              </a:solidFill>
-            </a:endParaRPr>
-          </a:p>
-        </p:txBody>
-      </p:sp>
-      <p:sp>
-        <p:nvSpPr>
-          <p:cNvPr id="7" name="TextBox 6"/>
-          <p:cNvSpPr txBox="1"/>
-          <p:nvPr/>
-        </p:nvSpPr>
-        <p:spPr>
-          <a:xfrm>
-            <a:off x="7327631" y="6448747"/>
-            <a:ext cx="1438417" cy="307777"/>
-          </a:xfrm>
-          <a:prstGeom prst="rect">
-            <a:avLst/>
-          </a:prstGeom>
-          <a:noFill/>
-        </p:spPr>
-        <p:txBody>
-          <a:bodyPr wrap="square" rtlCol="0">
-            <a:spAutoFit/>
-          </a:bodyPr>
-          <a:lstStyle/>
-          <a:p>
-            <a:r>
-              <a:rPr lang="en-US" sz="1400" b="1" dirty="0" smtClean="0">
-                <a:solidFill>
-                  <a:schemeClr val="tx2"/>
-                </a:solidFill>
-              </a:rPr>
-              <a:t>Prototype</a:t>
-            </a:r>
-            <a:endParaRPr lang="en-US" sz="1400" b="1" dirty="0">
-              <a:solidFill>
-                <a:schemeClr val="tx2"/>
-              </a:solidFill>
-            </a:endParaRPr>
-          </a:p>
-        </p:txBody>
-      </p:sp>
-    </p:spTree>
-    <p:extLst>
-      <p:ext uri="{BB962C8B-B14F-4D97-AF65-F5344CB8AC3E}">
-        <p14:creationId xmlns:p14="http://schemas.microsoft.com/office/powerpoint/2010/main" val="2011779919"/>
-      </p:ext>
-    </p:extLst>
-  </p:cSld>
-  <p:clrMapOvr>
-    <a:masterClrMapping/>
-  </p:clrMapOvr>
-</p:sld>
-</file>
-
-<file path=ppt/slides/slide27.xml><?xml version="1.0" encoding="utf-8"?>
-<p:sld xmlns:a="http://schemas.openxmlformats.org/drawingml/2006/main" xmlns:r="http://schemas.openxmlformats.org/officeDocument/2006/relationships" xmlns:p="http://schemas.openxmlformats.org/presentationml/2006/main">
-  <p:cSld>
-    <p:spTree>
-      <p:nvGrpSpPr>
-        <p:cNvPr id="1" name=""/>
-        <p:cNvGrpSpPr/>
-        <p:nvPr/>
-      </p:nvGrpSpPr>
-      <p:grpSpPr>
-        <a:xfrm>
-          <a:off x="0" y="0"/>
-          <a:ext cx="0" cy="0"/>
-          <a:chOff x="0" y="0"/>
-          <a:chExt cx="0" cy="0"/>
-        </a:xfrm>
-      </p:grpSpPr>
-      <p:sp>
-        <p:nvSpPr>
-          <p:cNvPr id="4" name="TextBox 3"/>
-          <p:cNvSpPr txBox="1"/>
-          <p:nvPr/>
-        </p:nvSpPr>
-        <p:spPr>
-          <a:xfrm>
-            <a:off x="612648" y="6451650"/>
-            <a:ext cx="1438417" cy="307777"/>
-          </a:xfrm>
-          <a:prstGeom prst="rect">
-            <a:avLst/>
-          </a:prstGeom>
-          <a:noFill/>
-        </p:spPr>
-        <p:txBody>
-          <a:bodyPr wrap="square" rtlCol="0">
-            <a:spAutoFit/>
-          </a:bodyPr>
-          <a:lstStyle/>
-          <a:p>
-            <a:r>
-              <a:rPr lang="en-US" sz="1400" b="1" dirty="0" smtClean="0">
-                <a:solidFill>
-                  <a:schemeClr val="bg1"/>
-                </a:solidFill>
-              </a:rPr>
-              <a:t>Overview</a:t>
-            </a:r>
-            <a:endParaRPr lang="en-US" sz="1400" b="1" dirty="0">
-              <a:solidFill>
-                <a:schemeClr val="bg1"/>
-              </a:solidFill>
-            </a:endParaRPr>
-          </a:p>
-        </p:txBody>
-      </p:sp>
-      <p:sp>
-        <p:nvSpPr>
-          <p:cNvPr id="5" name="TextBox 4"/>
-          <p:cNvSpPr txBox="1"/>
-          <p:nvPr/>
-        </p:nvSpPr>
-        <p:spPr>
-          <a:xfrm>
-            <a:off x="2915713" y="6451650"/>
-            <a:ext cx="1438417" cy="307777"/>
-          </a:xfrm>
-          <a:prstGeom prst="rect">
-            <a:avLst/>
-          </a:prstGeom>
-          <a:noFill/>
-        </p:spPr>
-        <p:txBody>
-          <a:bodyPr wrap="square" rtlCol="0">
-            <a:spAutoFit/>
-          </a:bodyPr>
-          <a:lstStyle/>
-          <a:p>
-            <a:r>
-              <a:rPr lang="en-US" sz="1400" b="1" dirty="0" smtClean="0">
-                <a:solidFill>
-                  <a:schemeClr val="bg1"/>
-                </a:solidFill>
-              </a:rPr>
-              <a:t>Requirements</a:t>
-            </a:r>
-            <a:endParaRPr lang="en-US" sz="1400" b="1" dirty="0">
-              <a:solidFill>
-                <a:schemeClr val="bg1"/>
-              </a:solidFill>
-            </a:endParaRPr>
-          </a:p>
-        </p:txBody>
-      </p:sp>
-      <p:sp>
-        <p:nvSpPr>
-          <p:cNvPr id="6" name="TextBox 5"/>
-          <p:cNvSpPr txBox="1"/>
-          <p:nvPr/>
-        </p:nvSpPr>
-        <p:spPr>
-          <a:xfrm>
-            <a:off x="5546331" y="6450236"/>
-            <a:ext cx="1438417" cy="307777"/>
-          </a:xfrm>
-          <a:prstGeom prst="rect">
-            <a:avLst/>
-          </a:prstGeom>
-          <a:noFill/>
-        </p:spPr>
-        <p:txBody>
-          <a:bodyPr wrap="square" rtlCol="0">
-            <a:spAutoFit/>
-          </a:bodyPr>
-          <a:lstStyle/>
-          <a:p>
-            <a:r>
-              <a:rPr lang="en-US" sz="1400" b="1" dirty="0" smtClean="0">
-                <a:solidFill>
-                  <a:srgbClr val="FFFFFF"/>
-                </a:solidFill>
-              </a:rPr>
-              <a:t>Risks</a:t>
-            </a:r>
-            <a:endParaRPr lang="en-US" sz="1400" b="1" dirty="0">
-              <a:solidFill>
-                <a:srgbClr val="FFFFFF"/>
-              </a:solidFill>
-            </a:endParaRPr>
-          </a:p>
-        </p:txBody>
-      </p:sp>
-      <p:sp>
-        <p:nvSpPr>
-          <p:cNvPr id="7" name="TextBox 6"/>
-          <p:cNvSpPr txBox="1"/>
-          <p:nvPr/>
-        </p:nvSpPr>
-        <p:spPr>
-          <a:xfrm>
-            <a:off x="7327631" y="6448747"/>
-            <a:ext cx="1438417" cy="307777"/>
-          </a:xfrm>
-          <a:prstGeom prst="rect">
-            <a:avLst/>
-          </a:prstGeom>
-          <a:noFill/>
-        </p:spPr>
-        <p:txBody>
-          <a:bodyPr wrap="square" rtlCol="0">
-            <a:spAutoFit/>
-          </a:bodyPr>
-          <a:lstStyle/>
-          <a:p>
-            <a:r>
-              <a:rPr lang="en-US" sz="1400" b="1" dirty="0" smtClean="0">
-                <a:solidFill>
-                  <a:schemeClr val="tx2"/>
-                </a:solidFill>
-              </a:rPr>
-              <a:t>Prototype</a:t>
-            </a:r>
-            <a:endParaRPr lang="en-US" sz="1400" b="1" dirty="0">
-              <a:solidFill>
-                <a:schemeClr val="tx2"/>
-              </a:solidFill>
-            </a:endParaRPr>
-          </a:p>
-        </p:txBody>
-      </p:sp>
-      <p:sp>
-        <p:nvSpPr>
-          <p:cNvPr id="2" name="Title 1"/>
-          <p:cNvSpPr>
-            <a:spLocks noGrp="1"/>
-          </p:cNvSpPr>
-          <p:nvPr>
-            <p:ph type="title"/>
-          </p:nvPr>
-        </p:nvSpPr>
-        <p:spPr>
-          <a:xfrm>
-            <a:off x="277430" y="2677655"/>
-            <a:ext cx="8153400" cy="990600"/>
-          </a:xfrm>
-          <a:solidFill>
-            <a:schemeClr val="accent1"/>
-          </a:solidFill>
-        </p:spPr>
-        <p:txBody>
-          <a:bodyPr/>
-          <a:lstStyle/>
-          <a:p>
-            <a:r>
-              <a:rPr lang="en-US" dirty="0" smtClean="0"/>
-              <a:t>QR Code Generation</a:t>
-            </a:r>
-            <a:endParaRPr lang="en-US" dirty="0"/>
-          </a:p>
-        </p:txBody>
-      </p:sp>
-    </p:spTree>
-    <p:extLst>
-      <p:ext uri="{BB962C8B-B14F-4D97-AF65-F5344CB8AC3E}">
-        <p14:creationId xmlns:p14="http://schemas.microsoft.com/office/powerpoint/2010/main" val="3570480250"/>
-      </p:ext>
-    </p:extLst>
-  </p:cSld>
-  <p:clrMapOvr>
-    <a:masterClrMapping/>
-  </p:clrMapOvr>
-  <p:timing>
-    <p:tnLst>
-      <p:par>
-        <p:cTn xmlns:p14="http://schemas.microsoft.com/office/powerpoint/2010/main" id="1" dur="indefinite" restart="never" nodeType="tmRoot"/>
-      </p:par>
-    </p:tnLst>
-  </p:timing>
-</p:sld>
-</file>
-
-<file path=ppt/slides/slide28.xml><?xml version="1.0" encoding="utf-8"?>
-<p:sld xmlns:a="http://schemas.openxmlformats.org/drawingml/2006/main" xmlns:r="http://schemas.openxmlformats.org/officeDocument/2006/relationships" xmlns:p="http://schemas.openxmlformats.org/presentationml/2006/main">
-  <p:cSld>
-    <p:spTree>
-      <p:nvGrpSpPr>
-        <p:cNvPr id="1" name=""/>
-        <p:cNvGrpSpPr/>
-        <p:nvPr/>
-      </p:nvGrpSpPr>
-      <p:grpSpPr>
-        <a:xfrm>
-          <a:off x="0" y="0"/>
-          <a:ext cx="0" cy="0"/>
-          <a:chOff x="0" y="0"/>
-          <a:chExt cx="0" cy="0"/>
-        </a:xfrm>
-      </p:grpSpPr>
-      <p:sp>
-        <p:nvSpPr>
-          <p:cNvPr id="2" name="Title 1"/>
-          <p:cNvSpPr>
-            <a:spLocks noGrp="1"/>
-          </p:cNvSpPr>
-          <p:nvPr>
-            <p:ph type="title"/>
-          </p:nvPr>
-        </p:nvSpPr>
-        <p:spPr/>
-        <p:txBody>
-          <a:bodyPr/>
-          <a:lstStyle/>
-          <a:p>
-            <a:r>
-              <a:rPr lang="en-US" dirty="0" smtClean="0"/>
-              <a:t>Risk Based Rationale</a:t>
-            </a:r>
-            <a:endParaRPr lang="en-US" dirty="0"/>
-          </a:p>
-        </p:txBody>
-      </p:sp>
-      <p:sp>
-        <p:nvSpPr>
-          <p:cNvPr id="4" name="TextBox 3"/>
-          <p:cNvSpPr txBox="1"/>
-          <p:nvPr/>
-        </p:nvSpPr>
-        <p:spPr>
-          <a:xfrm>
-            <a:off x="612648" y="6451650"/>
-            <a:ext cx="1438417" cy="307777"/>
-          </a:xfrm>
-          <a:prstGeom prst="rect">
-            <a:avLst/>
-          </a:prstGeom>
-          <a:noFill/>
-        </p:spPr>
-        <p:txBody>
-          <a:bodyPr wrap="square" rtlCol="0">
-            <a:spAutoFit/>
-          </a:bodyPr>
-          <a:lstStyle/>
-          <a:p>
-            <a:r>
-              <a:rPr lang="en-US" sz="1400" b="1" dirty="0" smtClean="0">
-                <a:solidFill>
-                  <a:schemeClr val="bg1"/>
-                </a:solidFill>
-              </a:rPr>
-              <a:t>Overview</a:t>
-            </a:r>
-            <a:endParaRPr lang="en-US" sz="1400" b="1" dirty="0">
-              <a:solidFill>
-                <a:schemeClr val="bg1"/>
-              </a:solidFill>
-            </a:endParaRPr>
-          </a:p>
-        </p:txBody>
-      </p:sp>
-      <p:sp>
-        <p:nvSpPr>
-          <p:cNvPr id="6" name="TextBox 5"/>
-          <p:cNvSpPr txBox="1"/>
-          <p:nvPr/>
-        </p:nvSpPr>
-        <p:spPr>
-          <a:xfrm>
-            <a:off x="2915713" y="6451650"/>
-            <a:ext cx="1438417" cy="307777"/>
-          </a:xfrm>
-          <a:prstGeom prst="rect">
-            <a:avLst/>
-          </a:prstGeom>
-          <a:noFill/>
-        </p:spPr>
-        <p:txBody>
-          <a:bodyPr wrap="square" rtlCol="0">
-            <a:spAutoFit/>
-          </a:bodyPr>
-          <a:lstStyle/>
-          <a:p>
-            <a:r>
-              <a:rPr lang="en-US" sz="1400" b="1" dirty="0" smtClean="0">
-                <a:solidFill>
-                  <a:schemeClr val="bg1"/>
-                </a:solidFill>
-              </a:rPr>
-              <a:t>Requirements</a:t>
-            </a:r>
-            <a:endParaRPr lang="en-US" sz="1400" b="1" dirty="0">
-              <a:solidFill>
-                <a:schemeClr val="bg1"/>
-              </a:solidFill>
-            </a:endParaRPr>
-          </a:p>
-        </p:txBody>
-      </p:sp>
-      <p:sp>
-        <p:nvSpPr>
-          <p:cNvPr id="7" name="TextBox 6"/>
-          <p:cNvSpPr txBox="1"/>
-          <p:nvPr/>
-        </p:nvSpPr>
-        <p:spPr>
-          <a:xfrm>
-            <a:off x="5546331" y="6450236"/>
-            <a:ext cx="1438417" cy="307777"/>
-          </a:xfrm>
-          <a:prstGeom prst="rect">
-            <a:avLst/>
-          </a:prstGeom>
-          <a:noFill/>
-        </p:spPr>
-        <p:txBody>
-          <a:bodyPr wrap="square" rtlCol="0">
-            <a:spAutoFit/>
-          </a:bodyPr>
-          <a:lstStyle/>
-          <a:p>
-            <a:r>
-              <a:rPr lang="en-US" sz="1400" b="1" dirty="0" smtClean="0">
-                <a:solidFill>
-                  <a:srgbClr val="FFFFFF"/>
-                </a:solidFill>
-              </a:rPr>
-              <a:t>Risks</a:t>
-            </a:r>
-            <a:endParaRPr lang="en-US" sz="1400" b="1" dirty="0">
-              <a:solidFill>
-                <a:srgbClr val="FFFFFF"/>
-              </a:solidFill>
-            </a:endParaRPr>
-          </a:p>
-        </p:txBody>
-      </p:sp>
-      <p:sp>
-        <p:nvSpPr>
-          <p:cNvPr id="8" name="TextBox 7"/>
-          <p:cNvSpPr txBox="1"/>
-          <p:nvPr/>
-        </p:nvSpPr>
-        <p:spPr>
-          <a:xfrm>
-            <a:off x="7327631" y="6448747"/>
-            <a:ext cx="1438417" cy="307777"/>
-          </a:xfrm>
-          <a:prstGeom prst="rect">
-            <a:avLst/>
-          </a:prstGeom>
-          <a:noFill/>
-        </p:spPr>
-        <p:txBody>
-          <a:bodyPr wrap="square" rtlCol="0">
-            <a:spAutoFit/>
-          </a:bodyPr>
-          <a:lstStyle/>
-          <a:p>
-            <a:r>
-              <a:rPr lang="en-US" sz="1400" b="1" dirty="0" smtClean="0">
-                <a:solidFill>
-                  <a:schemeClr val="tx2"/>
-                </a:solidFill>
-              </a:rPr>
-              <a:t>Prototype</a:t>
-            </a:r>
-            <a:endParaRPr lang="en-US" sz="1400" b="1" dirty="0">
-              <a:solidFill>
-                <a:schemeClr val="tx2"/>
-              </a:solidFill>
-            </a:endParaRPr>
-          </a:p>
-        </p:txBody>
-      </p:sp>
-      <p:sp>
-        <p:nvSpPr>
-          <p:cNvPr id="10" name="Content Placeholder 2"/>
-          <p:cNvSpPr>
-            <a:spLocks noGrp="1"/>
-          </p:cNvSpPr>
-          <p:nvPr>
-            <p:ph idx="1"/>
-          </p:nvPr>
-        </p:nvSpPr>
-        <p:spPr>
-          <a:xfrm>
-            <a:off x="457200" y="1600200"/>
-            <a:ext cx="8229600" cy="4826948"/>
-          </a:xfrm>
-        </p:spPr>
-        <p:txBody>
-          <a:bodyPr>
-            <a:normAutofit/>
-          </a:bodyPr>
-          <a:lstStyle/>
-          <a:p>
-            <a:r>
-              <a:rPr lang="en-US" dirty="0" smtClean="0"/>
-              <a:t>Fundamental method of communication between smartphone and metro officials/turnstiles. </a:t>
-            </a:r>
-          </a:p>
-          <a:p>
-            <a:r>
-              <a:rPr lang="en-US" dirty="0" smtClean="0"/>
-              <a:t>Failure of QR code generation will cause the rest of the system to become non functional.</a:t>
-            </a:r>
-          </a:p>
-          <a:p>
-            <a:r>
-              <a:rPr lang="en-US" dirty="0" smtClean="0"/>
-              <a:t>Security risks</a:t>
-            </a:r>
-          </a:p>
-          <a:p>
-            <a:pPr lvl="1"/>
-            <a:r>
-              <a:rPr lang="en-US" dirty="0" smtClean="0"/>
-              <a:t>Risk </a:t>
-            </a:r>
-            <a:r>
-              <a:rPr lang="en-US" dirty="0" smtClean="0"/>
-              <a:t>of duplication and production of counterfeit </a:t>
-            </a:r>
-            <a:r>
-              <a:rPr lang="en-US" dirty="0" smtClean="0"/>
-              <a:t>tickets.</a:t>
-            </a:r>
-            <a:endParaRPr lang="en-US" dirty="0" smtClean="0"/>
-          </a:p>
-          <a:p>
-            <a:pPr lvl="1"/>
-            <a:r>
-              <a:rPr lang="en-US" dirty="0" smtClean="0"/>
-              <a:t>Potential for compromise of personal information through “hacked” QR codes.</a:t>
-            </a:r>
-          </a:p>
-          <a:p>
-            <a:endParaRPr lang="en-US" dirty="0" smtClean="0"/>
-          </a:p>
-          <a:p>
-            <a:pPr lvl="1"/>
-            <a:endParaRPr lang="en-US" dirty="0"/>
-          </a:p>
-        </p:txBody>
-      </p:sp>
-    </p:spTree>
-    <p:extLst>
-      <p:ext uri="{BB962C8B-B14F-4D97-AF65-F5344CB8AC3E}">
-        <p14:creationId xmlns:p14="http://schemas.microsoft.com/office/powerpoint/2010/main" val="1106223947"/>
-      </p:ext>
-    </p:extLst>
-  </p:cSld>
-  <p:clrMapOvr>
-    <a:masterClrMapping/>
-  </p:clrMapOvr>
-  <p:timing>
-    <p:tnLst>
-      <p:par>
-        <p:cTn xmlns:p14="http://schemas.microsoft.com/office/powerpoint/2010/main" id="1" dur="indefinite" restart="never" nodeType="tmRoot"/>
-      </p:par>
-    </p:tnLst>
-  </p:timing>
-</p:sld>
-</file>
-
-<file path=ppt/slides/slide29.xml><?xml version="1.0" encoding="utf-8"?>
-<p:sld xmlns:a="http://schemas.openxmlformats.org/drawingml/2006/main" xmlns:r="http://schemas.openxmlformats.org/officeDocument/2006/relationships" xmlns:p="http://schemas.openxmlformats.org/presentationml/2006/main">
-  <p:cSld>
-    <p:spTree>
-      <p:nvGrpSpPr>
-        <p:cNvPr id="1" name=""/>
-        <p:cNvGrpSpPr/>
-        <p:nvPr/>
-      </p:nvGrpSpPr>
-      <p:grpSpPr>
-        <a:xfrm>
-          <a:off x="0" y="0"/>
-          <a:ext cx="0" cy="0"/>
-          <a:chOff x="0" y="0"/>
-          <a:chExt cx="0" cy="0"/>
-        </a:xfrm>
-      </p:grpSpPr>
-      <p:sp>
-        <p:nvSpPr>
-          <p:cNvPr id="2" name="Title 1"/>
-          <p:cNvSpPr>
-            <a:spLocks noGrp="1"/>
-          </p:cNvSpPr>
-          <p:nvPr>
-            <p:ph type="title"/>
-          </p:nvPr>
-        </p:nvSpPr>
-        <p:spPr>
-          <a:xfrm>
-            <a:off x="277430" y="136912"/>
-            <a:ext cx="8153400" cy="990600"/>
-          </a:xfrm>
-        </p:spPr>
-        <p:txBody>
-          <a:bodyPr>
-            <a:normAutofit/>
-          </a:bodyPr>
-          <a:lstStyle/>
-          <a:p>
-            <a:r>
-              <a:rPr lang="en-US" dirty="0" smtClean="0"/>
-              <a:t>QR Code Prototype</a:t>
-            </a:r>
-            <a:endParaRPr lang="en-US" dirty="0"/>
-          </a:p>
-        </p:txBody>
-      </p:sp>
-      <p:sp>
-        <p:nvSpPr>
-          <p:cNvPr id="4" name="TextBox 3"/>
-          <p:cNvSpPr txBox="1"/>
-          <p:nvPr/>
-        </p:nvSpPr>
-        <p:spPr>
-          <a:xfrm>
-            <a:off x="612648" y="6451650"/>
-            <a:ext cx="1438417" cy="307777"/>
-          </a:xfrm>
-          <a:prstGeom prst="rect">
-            <a:avLst/>
-          </a:prstGeom>
-          <a:noFill/>
-        </p:spPr>
-        <p:txBody>
-          <a:bodyPr wrap="square" rtlCol="0">
-            <a:spAutoFit/>
-          </a:bodyPr>
-          <a:lstStyle/>
-          <a:p>
-            <a:r>
-              <a:rPr lang="en-US" sz="1400" b="1" dirty="0" smtClean="0">
-                <a:solidFill>
-                  <a:schemeClr val="bg1"/>
-                </a:solidFill>
-              </a:rPr>
-              <a:t>Overview</a:t>
-            </a:r>
-            <a:endParaRPr lang="en-US" sz="1400" b="1" dirty="0">
-              <a:solidFill>
-                <a:schemeClr val="bg1"/>
-              </a:solidFill>
-            </a:endParaRPr>
-          </a:p>
-        </p:txBody>
-      </p:sp>
-      <p:sp>
-        <p:nvSpPr>
-          <p:cNvPr id="6" name="TextBox 5"/>
-          <p:cNvSpPr txBox="1"/>
-          <p:nvPr/>
-        </p:nvSpPr>
-        <p:spPr>
-          <a:xfrm>
-            <a:off x="2915713" y="6451650"/>
-            <a:ext cx="1438417" cy="307777"/>
-          </a:xfrm>
-          <a:prstGeom prst="rect">
-            <a:avLst/>
-          </a:prstGeom>
-          <a:noFill/>
-        </p:spPr>
-        <p:txBody>
-          <a:bodyPr wrap="square" rtlCol="0">
-            <a:spAutoFit/>
-          </a:bodyPr>
-          <a:lstStyle/>
-          <a:p>
-            <a:r>
-              <a:rPr lang="en-US" sz="1400" b="1" dirty="0" smtClean="0">
-                <a:solidFill>
-                  <a:schemeClr val="bg1"/>
-                </a:solidFill>
-              </a:rPr>
-              <a:t>Requirements</a:t>
-            </a:r>
-            <a:endParaRPr lang="en-US" sz="1400" b="1" dirty="0">
-              <a:solidFill>
-                <a:schemeClr val="bg1"/>
-              </a:solidFill>
-            </a:endParaRPr>
-          </a:p>
-        </p:txBody>
-      </p:sp>
-      <p:sp>
-        <p:nvSpPr>
-          <p:cNvPr id="7" name="TextBox 6"/>
-          <p:cNvSpPr txBox="1"/>
-          <p:nvPr/>
-        </p:nvSpPr>
-        <p:spPr>
-          <a:xfrm>
-            <a:off x="5546331" y="6450236"/>
-            <a:ext cx="1438417" cy="307777"/>
-          </a:xfrm>
-          <a:prstGeom prst="rect">
-            <a:avLst/>
-          </a:prstGeom>
-          <a:noFill/>
-        </p:spPr>
-        <p:txBody>
-          <a:bodyPr wrap="square" rtlCol="0">
-            <a:spAutoFit/>
-          </a:bodyPr>
-          <a:lstStyle/>
-          <a:p>
-            <a:r>
-              <a:rPr lang="en-US" sz="1400" b="1" dirty="0" smtClean="0">
-                <a:solidFill>
-                  <a:srgbClr val="FFFFFF"/>
-                </a:solidFill>
-              </a:rPr>
-              <a:t>Risks</a:t>
-            </a:r>
-            <a:endParaRPr lang="en-US" sz="1400" b="1" dirty="0">
-              <a:solidFill>
-                <a:srgbClr val="FFFFFF"/>
-              </a:solidFill>
-            </a:endParaRPr>
-          </a:p>
-        </p:txBody>
-      </p:sp>
-      <p:sp>
-        <p:nvSpPr>
-          <p:cNvPr id="8" name="TextBox 7"/>
-          <p:cNvSpPr txBox="1"/>
-          <p:nvPr/>
-        </p:nvSpPr>
-        <p:spPr>
-          <a:xfrm>
-            <a:off x="7327631" y="6448747"/>
-            <a:ext cx="1438417" cy="307777"/>
-          </a:xfrm>
-          <a:prstGeom prst="rect">
-            <a:avLst/>
-          </a:prstGeom>
-          <a:noFill/>
-        </p:spPr>
-        <p:txBody>
-          <a:bodyPr wrap="square" rtlCol="0">
-            <a:spAutoFit/>
-          </a:bodyPr>
-          <a:lstStyle/>
-          <a:p>
-            <a:r>
-              <a:rPr lang="en-US" sz="1400" b="1" dirty="0" smtClean="0">
-                <a:solidFill>
-                  <a:schemeClr val="tx2"/>
-                </a:solidFill>
-              </a:rPr>
-              <a:t>Prototype</a:t>
-            </a:r>
-            <a:endParaRPr lang="en-US" sz="1400" b="1" dirty="0">
-              <a:solidFill>
-                <a:schemeClr val="tx2"/>
-              </a:solidFill>
-            </a:endParaRPr>
-          </a:p>
-        </p:txBody>
-      </p:sp>
-      <p:pic>
-        <p:nvPicPr>
-          <p:cNvPr id="9" name="Picture 8" descr="Screen Shot 2013-10-01 at 1.52.03 AM.png"/>
-          <p:cNvPicPr>
-            <a:picLocks noChangeAspect="1"/>
-          </p:cNvPicPr>
-          <p:nvPr/>
-        </p:nvPicPr>
-        <p:blipFill>
-          <a:blip r:embed="rId2">
-            <a:extLst>
-              <a:ext uri="{28A0092B-C50C-407E-A947-70E740481C1C}">
-                <a14:useLocalDpi xmlns:a14="http://schemas.microsoft.com/office/drawing/2010/main" val="0"/>
-              </a:ext>
-            </a:extLst>
-          </a:blip>
-          <a:stretch>
-            <a:fillRect/>
-          </a:stretch>
-        </p:blipFill>
-        <p:spPr>
-          <a:xfrm>
-            <a:off x="612648" y="1153428"/>
-            <a:ext cx="3234901" cy="4884981"/>
-          </a:xfrm>
-          <a:prstGeom prst="rect">
-            <a:avLst/>
-          </a:prstGeom>
-        </p:spPr>
-      </p:pic>
-      <p:pic>
-        <p:nvPicPr>
-          <p:cNvPr id="11" name="Picture 10" descr="Screen Shot 2013-10-01 at 1.51.56 AM.png"/>
-          <p:cNvPicPr>
-            <a:picLocks noChangeAspect="1"/>
-          </p:cNvPicPr>
-          <p:nvPr/>
-        </p:nvPicPr>
-        <p:blipFill>
-          <a:blip r:embed="rId3">
-            <a:extLst>
-              <a:ext uri="{28A0092B-C50C-407E-A947-70E740481C1C}">
-                <a14:useLocalDpi xmlns:a14="http://schemas.microsoft.com/office/drawing/2010/main" val="0"/>
-              </a:ext>
-            </a:extLst>
-          </a:blip>
-          <a:stretch>
-            <a:fillRect/>
-          </a:stretch>
-        </p:blipFill>
-        <p:spPr>
-          <a:xfrm>
-            <a:off x="5280947" y="1153428"/>
-            <a:ext cx="3555630" cy="5338510"/>
-          </a:xfrm>
-          <a:prstGeom prst="rect">
-            <a:avLst/>
-          </a:prstGeom>
-        </p:spPr>
-      </p:pic>
-    </p:spTree>
-    <p:extLst>
-      <p:ext uri="{BB962C8B-B14F-4D97-AF65-F5344CB8AC3E}">
-        <p14:creationId xmlns:p14="http://schemas.microsoft.com/office/powerpoint/2010/main" val="3601297503"/>
-      </p:ext>
-    </p:extLst>
-  </p:cSld>
-  <p:clrMapOvr>
-    <a:masterClrMapping/>
-  </p:clrMapOvr>
-  <p:timing>
-    <p:tnLst>
-      <p:par>
-        <p:cTn xmlns:p14="http://schemas.microsoft.com/office/powerpoint/2010/main" id="1" dur="indefinite" restart="never" nodeType="tmRoot"/>
-      </p:par>
-    </p:tnLst>
-  </p:timing>
-</p:sld>
-</file>
-
-<file path=ppt/slides/slide3.xml><?xml version="1.0" encoding="utf-8"?>
 <p:sld xmlns:a="http://schemas.openxmlformats.org/drawingml/2006/main" xmlns:r="http://schemas.openxmlformats.org/officeDocument/2006/relationships" xmlns:p="http://schemas.openxmlformats.org/presentationml/2006/main">
   <p:cSld>
     <p:spTree>
@@ -11784,6 +8944,2893 @@
 </p:sld>
 </file>
 
+<file path=ppt/slides/slide20.xml><?xml version="1.0" encoding="utf-8"?>
+<p:sld xmlns:a="http://schemas.openxmlformats.org/drawingml/2006/main" xmlns:r="http://schemas.openxmlformats.org/officeDocument/2006/relationships" xmlns:p="http://schemas.openxmlformats.org/presentationml/2006/main">
+  <p:cSld>
+    <p:spTree>
+      <p:nvGrpSpPr>
+        <p:cNvPr id="1" name=""/>
+        <p:cNvGrpSpPr/>
+        <p:nvPr/>
+      </p:nvGrpSpPr>
+      <p:grpSpPr>
+        <a:xfrm>
+          <a:off x="0" y="0"/>
+          <a:ext cx="0" cy="0"/>
+          <a:chOff x="0" y="0"/>
+          <a:chExt cx="0" cy="0"/>
+        </a:xfrm>
+      </p:grpSpPr>
+      <p:sp>
+        <p:nvSpPr>
+          <p:cNvPr id="2" name="Title 1"/>
+          <p:cNvSpPr>
+            <a:spLocks noGrp="1"/>
+          </p:cNvSpPr>
+          <p:nvPr>
+            <p:ph type="title"/>
+          </p:nvPr>
+        </p:nvSpPr>
+        <p:spPr/>
+        <p:txBody>
+          <a:bodyPr/>
+          <a:lstStyle/>
+          <a:p>
+            <a:r>
+              <a:rPr lang="en-US" dirty="0" smtClean="0"/>
+              <a:t>Rationale for Prototype</a:t>
+            </a:r>
+            <a:endParaRPr lang="en-US" dirty="0"/>
+          </a:p>
+        </p:txBody>
+      </p:sp>
+      <p:sp>
+        <p:nvSpPr>
+          <p:cNvPr id="5" name="Content Placeholder 2"/>
+          <p:cNvSpPr>
+            <a:spLocks noGrp="1"/>
+          </p:cNvSpPr>
+          <p:nvPr>
+            <p:ph idx="1"/>
+          </p:nvPr>
+        </p:nvSpPr>
+        <p:spPr>
+          <a:xfrm>
+            <a:off x="457200" y="1600200"/>
+            <a:ext cx="8229600" cy="4525963"/>
+          </a:xfrm>
+        </p:spPr>
+        <p:txBody>
+          <a:bodyPr>
+            <a:normAutofit lnSpcReduction="10000"/>
+          </a:bodyPr>
+          <a:lstStyle/>
+          <a:p>
+            <a:r>
+              <a:rPr lang="en-US" dirty="0" smtClean="0"/>
+              <a:t>Basis of rapid access authentication system</a:t>
+            </a:r>
+          </a:p>
+          <a:p>
+            <a:pPr lvl="1"/>
+            <a:r>
+              <a:rPr lang="en-US" dirty="0" smtClean="0"/>
+              <a:t>Electronic tickets and credits are stored via account identifiers</a:t>
+            </a:r>
+          </a:p>
+          <a:p>
+            <a:r>
+              <a:rPr lang="en-US" dirty="0" smtClean="0"/>
+              <a:t>User account malfunction will cause the rest of the system to malfunction.</a:t>
+            </a:r>
+          </a:p>
+          <a:p>
+            <a:r>
+              <a:rPr lang="en-US" dirty="0" smtClean="0"/>
+              <a:t>Essential to integration with the current tap card system.</a:t>
+            </a:r>
+          </a:p>
+          <a:p>
+            <a:r>
+              <a:rPr lang="en-US" dirty="0" smtClean="0"/>
+              <a:t>Authentication security is essential for protection of personal information.</a:t>
+            </a:r>
+          </a:p>
+          <a:p>
+            <a:pPr lvl="1"/>
+            <a:r>
+              <a:rPr lang="en-US" dirty="0" smtClean="0"/>
+              <a:t>Credit Card Payment and Authentication</a:t>
+            </a:r>
+          </a:p>
+          <a:p>
+            <a:endParaRPr lang="en-US" dirty="0" smtClean="0"/>
+          </a:p>
+          <a:p>
+            <a:endParaRPr lang="en-US" dirty="0"/>
+          </a:p>
+        </p:txBody>
+      </p:sp>
+      <p:sp>
+        <p:nvSpPr>
+          <p:cNvPr id="6" name="TextBox 5"/>
+          <p:cNvSpPr txBox="1"/>
+          <p:nvPr/>
+        </p:nvSpPr>
+        <p:spPr>
+          <a:xfrm>
+            <a:off x="612648" y="6451650"/>
+            <a:ext cx="1438417" cy="307777"/>
+          </a:xfrm>
+          <a:prstGeom prst="rect">
+            <a:avLst/>
+          </a:prstGeom>
+          <a:noFill/>
+        </p:spPr>
+        <p:txBody>
+          <a:bodyPr wrap="square" rtlCol="0">
+            <a:spAutoFit/>
+          </a:bodyPr>
+          <a:lstStyle/>
+          <a:p>
+            <a:r>
+              <a:rPr lang="en-US" sz="1400" b="1" dirty="0" smtClean="0">
+                <a:solidFill>
+                  <a:schemeClr val="bg1"/>
+                </a:solidFill>
+              </a:rPr>
+              <a:t>Overview</a:t>
+            </a:r>
+            <a:endParaRPr lang="en-US" sz="1400" b="1" dirty="0">
+              <a:solidFill>
+                <a:schemeClr val="bg1"/>
+              </a:solidFill>
+            </a:endParaRPr>
+          </a:p>
+        </p:txBody>
+      </p:sp>
+      <p:sp>
+        <p:nvSpPr>
+          <p:cNvPr id="7" name="TextBox 6"/>
+          <p:cNvSpPr txBox="1"/>
+          <p:nvPr/>
+        </p:nvSpPr>
+        <p:spPr>
+          <a:xfrm>
+            <a:off x="2915713" y="6451650"/>
+            <a:ext cx="1438417" cy="307777"/>
+          </a:xfrm>
+          <a:prstGeom prst="rect">
+            <a:avLst/>
+          </a:prstGeom>
+          <a:noFill/>
+        </p:spPr>
+        <p:txBody>
+          <a:bodyPr wrap="square" rtlCol="0">
+            <a:spAutoFit/>
+          </a:bodyPr>
+          <a:lstStyle/>
+          <a:p>
+            <a:r>
+              <a:rPr lang="en-US" sz="1400" b="1" dirty="0" smtClean="0">
+                <a:solidFill>
+                  <a:schemeClr val="bg1"/>
+                </a:solidFill>
+              </a:rPr>
+              <a:t>Requirements</a:t>
+            </a:r>
+            <a:endParaRPr lang="en-US" sz="1400" b="1" dirty="0">
+              <a:solidFill>
+                <a:schemeClr val="bg1"/>
+              </a:solidFill>
+            </a:endParaRPr>
+          </a:p>
+        </p:txBody>
+      </p:sp>
+      <p:sp>
+        <p:nvSpPr>
+          <p:cNvPr id="8" name="TextBox 7"/>
+          <p:cNvSpPr txBox="1"/>
+          <p:nvPr/>
+        </p:nvSpPr>
+        <p:spPr>
+          <a:xfrm>
+            <a:off x="5546331" y="6450236"/>
+            <a:ext cx="1438417" cy="307777"/>
+          </a:xfrm>
+          <a:prstGeom prst="rect">
+            <a:avLst/>
+          </a:prstGeom>
+          <a:noFill/>
+        </p:spPr>
+        <p:txBody>
+          <a:bodyPr wrap="square" rtlCol="0">
+            <a:spAutoFit/>
+          </a:bodyPr>
+          <a:lstStyle/>
+          <a:p>
+            <a:r>
+              <a:rPr lang="en-US" sz="1400" b="1" dirty="0" smtClean="0">
+                <a:solidFill>
+                  <a:srgbClr val="FFFFFF"/>
+                </a:solidFill>
+              </a:rPr>
+              <a:t>Risks</a:t>
+            </a:r>
+            <a:endParaRPr lang="en-US" sz="1400" b="1" dirty="0">
+              <a:solidFill>
+                <a:srgbClr val="FFFFFF"/>
+              </a:solidFill>
+            </a:endParaRPr>
+          </a:p>
+        </p:txBody>
+      </p:sp>
+      <p:sp>
+        <p:nvSpPr>
+          <p:cNvPr id="9" name="TextBox 8"/>
+          <p:cNvSpPr txBox="1"/>
+          <p:nvPr/>
+        </p:nvSpPr>
+        <p:spPr>
+          <a:xfrm>
+            <a:off x="7327631" y="6448747"/>
+            <a:ext cx="1438417" cy="307777"/>
+          </a:xfrm>
+          <a:prstGeom prst="rect">
+            <a:avLst/>
+          </a:prstGeom>
+          <a:noFill/>
+        </p:spPr>
+        <p:txBody>
+          <a:bodyPr wrap="square" rtlCol="0">
+            <a:spAutoFit/>
+          </a:bodyPr>
+          <a:lstStyle/>
+          <a:p>
+            <a:r>
+              <a:rPr lang="en-US" sz="1400" b="1" dirty="0" smtClean="0">
+                <a:solidFill>
+                  <a:schemeClr val="tx2"/>
+                </a:solidFill>
+              </a:rPr>
+              <a:t>Prototype</a:t>
+            </a:r>
+            <a:endParaRPr lang="en-US" sz="1400" b="1" dirty="0">
+              <a:solidFill>
+                <a:schemeClr val="tx2"/>
+              </a:solidFill>
+            </a:endParaRPr>
+          </a:p>
+        </p:txBody>
+      </p:sp>
+    </p:spTree>
+    <p:extLst>
+      <p:ext uri="{BB962C8B-B14F-4D97-AF65-F5344CB8AC3E}">
+        <p14:creationId xmlns:p14="http://schemas.microsoft.com/office/powerpoint/2010/main" val="3116350148"/>
+      </p:ext>
+    </p:extLst>
+  </p:cSld>
+  <p:clrMapOvr>
+    <a:masterClrMapping/>
+  </p:clrMapOvr>
+  <p:timing>
+    <p:tnLst>
+      <p:par>
+        <p:cTn xmlns:p14="http://schemas.microsoft.com/office/powerpoint/2010/main" id="1" dur="indefinite" restart="never" nodeType="tmRoot"/>
+      </p:par>
+    </p:tnLst>
+  </p:timing>
+</p:sld>
+</file>
+
+<file path=ppt/slides/slide21.xml><?xml version="1.0" encoding="utf-8"?>
+<p:sld xmlns:a="http://schemas.openxmlformats.org/drawingml/2006/main" xmlns:r="http://schemas.openxmlformats.org/officeDocument/2006/relationships" xmlns:p="http://schemas.openxmlformats.org/presentationml/2006/main">
+  <p:cSld>
+    <p:spTree>
+      <p:nvGrpSpPr>
+        <p:cNvPr id="1" name=""/>
+        <p:cNvGrpSpPr/>
+        <p:nvPr/>
+      </p:nvGrpSpPr>
+      <p:grpSpPr>
+        <a:xfrm>
+          <a:off x="0" y="0"/>
+          <a:ext cx="0" cy="0"/>
+          <a:chOff x="0" y="0"/>
+          <a:chExt cx="0" cy="0"/>
+        </a:xfrm>
+      </p:grpSpPr>
+      <p:sp>
+        <p:nvSpPr>
+          <p:cNvPr id="2" name="Title 1"/>
+          <p:cNvSpPr>
+            <a:spLocks noGrp="1"/>
+          </p:cNvSpPr>
+          <p:nvPr>
+            <p:ph type="title"/>
+          </p:nvPr>
+        </p:nvSpPr>
+        <p:spPr>
+          <a:xfrm>
+            <a:off x="612648" y="198041"/>
+            <a:ext cx="8153400" cy="990600"/>
+          </a:xfrm>
+        </p:spPr>
+        <p:txBody>
+          <a:bodyPr/>
+          <a:lstStyle/>
+          <a:p>
+            <a:r>
+              <a:rPr lang="en-US" dirty="0" smtClean="0"/>
+              <a:t>Login</a:t>
+            </a:r>
+            <a:endParaRPr lang="en-US" dirty="0"/>
+          </a:p>
+        </p:txBody>
+      </p:sp>
+      <p:sp>
+        <p:nvSpPr>
+          <p:cNvPr id="6" name="TextBox 5"/>
+          <p:cNvSpPr txBox="1"/>
+          <p:nvPr/>
+        </p:nvSpPr>
+        <p:spPr>
+          <a:xfrm>
+            <a:off x="612648" y="6451650"/>
+            <a:ext cx="1438417" cy="307777"/>
+          </a:xfrm>
+          <a:prstGeom prst="rect">
+            <a:avLst/>
+          </a:prstGeom>
+          <a:noFill/>
+        </p:spPr>
+        <p:txBody>
+          <a:bodyPr wrap="square" rtlCol="0">
+            <a:spAutoFit/>
+          </a:bodyPr>
+          <a:lstStyle/>
+          <a:p>
+            <a:r>
+              <a:rPr lang="en-US" sz="1400" b="1" dirty="0" smtClean="0">
+                <a:solidFill>
+                  <a:schemeClr val="bg1"/>
+                </a:solidFill>
+              </a:rPr>
+              <a:t>Overview</a:t>
+            </a:r>
+            <a:endParaRPr lang="en-US" sz="1400" b="1" dirty="0">
+              <a:solidFill>
+                <a:schemeClr val="bg1"/>
+              </a:solidFill>
+            </a:endParaRPr>
+          </a:p>
+        </p:txBody>
+      </p:sp>
+      <p:sp>
+        <p:nvSpPr>
+          <p:cNvPr id="7" name="TextBox 6"/>
+          <p:cNvSpPr txBox="1"/>
+          <p:nvPr/>
+        </p:nvSpPr>
+        <p:spPr>
+          <a:xfrm>
+            <a:off x="2915713" y="6451650"/>
+            <a:ext cx="1438417" cy="307777"/>
+          </a:xfrm>
+          <a:prstGeom prst="rect">
+            <a:avLst/>
+          </a:prstGeom>
+          <a:noFill/>
+        </p:spPr>
+        <p:txBody>
+          <a:bodyPr wrap="square" rtlCol="0">
+            <a:spAutoFit/>
+          </a:bodyPr>
+          <a:lstStyle/>
+          <a:p>
+            <a:r>
+              <a:rPr lang="en-US" sz="1400" b="1" dirty="0" smtClean="0">
+                <a:solidFill>
+                  <a:schemeClr val="bg1"/>
+                </a:solidFill>
+              </a:rPr>
+              <a:t>Requirements</a:t>
+            </a:r>
+            <a:endParaRPr lang="en-US" sz="1400" b="1" dirty="0">
+              <a:solidFill>
+                <a:schemeClr val="bg1"/>
+              </a:solidFill>
+            </a:endParaRPr>
+          </a:p>
+        </p:txBody>
+      </p:sp>
+      <p:sp>
+        <p:nvSpPr>
+          <p:cNvPr id="8" name="TextBox 7"/>
+          <p:cNvSpPr txBox="1"/>
+          <p:nvPr/>
+        </p:nvSpPr>
+        <p:spPr>
+          <a:xfrm>
+            <a:off x="5546331" y="6450236"/>
+            <a:ext cx="1438417" cy="307777"/>
+          </a:xfrm>
+          <a:prstGeom prst="rect">
+            <a:avLst/>
+          </a:prstGeom>
+          <a:noFill/>
+        </p:spPr>
+        <p:txBody>
+          <a:bodyPr wrap="square" rtlCol="0">
+            <a:spAutoFit/>
+          </a:bodyPr>
+          <a:lstStyle/>
+          <a:p>
+            <a:r>
+              <a:rPr lang="en-US" sz="1400" b="1" dirty="0" smtClean="0">
+                <a:solidFill>
+                  <a:srgbClr val="FFFFFF"/>
+                </a:solidFill>
+              </a:rPr>
+              <a:t>Risks</a:t>
+            </a:r>
+            <a:endParaRPr lang="en-US" sz="1400" b="1" dirty="0">
+              <a:solidFill>
+                <a:srgbClr val="FFFFFF"/>
+              </a:solidFill>
+            </a:endParaRPr>
+          </a:p>
+        </p:txBody>
+      </p:sp>
+      <p:sp>
+        <p:nvSpPr>
+          <p:cNvPr id="9" name="TextBox 8"/>
+          <p:cNvSpPr txBox="1"/>
+          <p:nvPr/>
+        </p:nvSpPr>
+        <p:spPr>
+          <a:xfrm>
+            <a:off x="7327631" y="6448747"/>
+            <a:ext cx="1438417" cy="307777"/>
+          </a:xfrm>
+          <a:prstGeom prst="rect">
+            <a:avLst/>
+          </a:prstGeom>
+          <a:noFill/>
+        </p:spPr>
+        <p:txBody>
+          <a:bodyPr wrap="square" rtlCol="0">
+            <a:spAutoFit/>
+          </a:bodyPr>
+          <a:lstStyle/>
+          <a:p>
+            <a:r>
+              <a:rPr lang="en-US" sz="1400" b="1" dirty="0" smtClean="0">
+                <a:solidFill>
+                  <a:schemeClr val="tx2"/>
+                </a:solidFill>
+              </a:rPr>
+              <a:t>Prototype</a:t>
+            </a:r>
+            <a:endParaRPr lang="en-US" sz="1400" b="1" dirty="0">
+              <a:solidFill>
+                <a:schemeClr val="tx2"/>
+              </a:solidFill>
+            </a:endParaRPr>
+          </a:p>
+        </p:txBody>
+      </p:sp>
+      <p:pic>
+        <p:nvPicPr>
+          <p:cNvPr id="11" name="Content Placeholder 7"/>
+          <p:cNvPicPr>
+            <a:picLocks noGrp="1" noChangeAspect="1"/>
+          </p:cNvPicPr>
+          <p:nvPr>
+            <p:ph idx="1"/>
+          </p:nvPr>
+        </p:nvPicPr>
+        <p:blipFill rotWithShape="1">
+          <a:blip r:embed="rId2"/>
+          <a:srcRect l="516" r="516"/>
+          <a:stretch/>
+        </p:blipFill>
+        <p:spPr>
+          <a:xfrm>
+            <a:off x="2694439" y="1219200"/>
+            <a:ext cx="3319381" cy="5025787"/>
+          </a:xfrm>
+        </p:spPr>
+      </p:pic>
+    </p:spTree>
+    <p:extLst>
+      <p:ext uri="{BB962C8B-B14F-4D97-AF65-F5344CB8AC3E}">
+        <p14:creationId xmlns:p14="http://schemas.microsoft.com/office/powerpoint/2010/main" val="4120464254"/>
+      </p:ext>
+    </p:extLst>
+  </p:cSld>
+  <p:clrMapOvr>
+    <a:masterClrMapping/>
+  </p:clrMapOvr>
+  <p:timing>
+    <p:tnLst>
+      <p:par>
+        <p:cTn xmlns:p14="http://schemas.microsoft.com/office/powerpoint/2010/main" id="1" dur="indefinite" restart="never" nodeType="tmRoot"/>
+      </p:par>
+    </p:tnLst>
+  </p:timing>
+</p:sld>
+</file>
+
+<file path=ppt/slides/slide22.xml><?xml version="1.0" encoding="utf-8"?>
+<p:sld xmlns:a="http://schemas.openxmlformats.org/drawingml/2006/main" xmlns:r="http://schemas.openxmlformats.org/officeDocument/2006/relationships" xmlns:p="http://schemas.openxmlformats.org/presentationml/2006/main">
+  <p:cSld>
+    <p:spTree>
+      <p:nvGrpSpPr>
+        <p:cNvPr id="1" name=""/>
+        <p:cNvGrpSpPr/>
+        <p:nvPr/>
+      </p:nvGrpSpPr>
+      <p:grpSpPr>
+        <a:xfrm>
+          <a:off x="0" y="0"/>
+          <a:ext cx="0" cy="0"/>
+          <a:chOff x="0" y="0"/>
+          <a:chExt cx="0" cy="0"/>
+        </a:xfrm>
+      </p:grpSpPr>
+      <p:sp>
+        <p:nvSpPr>
+          <p:cNvPr id="2" name="Title 1"/>
+          <p:cNvSpPr>
+            <a:spLocks noGrp="1"/>
+          </p:cNvSpPr>
+          <p:nvPr>
+            <p:ph type="title"/>
+          </p:nvPr>
+        </p:nvSpPr>
+        <p:spPr>
+          <a:xfrm>
+            <a:off x="612648" y="198041"/>
+            <a:ext cx="8153400" cy="990600"/>
+          </a:xfrm>
+        </p:spPr>
+        <p:txBody>
+          <a:bodyPr/>
+          <a:lstStyle/>
+          <a:p>
+            <a:r>
+              <a:rPr lang="en-US" dirty="0" smtClean="0"/>
+              <a:t>Create an Account</a:t>
+            </a:r>
+            <a:endParaRPr lang="en-US" dirty="0"/>
+          </a:p>
+        </p:txBody>
+      </p:sp>
+      <p:sp>
+        <p:nvSpPr>
+          <p:cNvPr id="6" name="TextBox 5"/>
+          <p:cNvSpPr txBox="1"/>
+          <p:nvPr/>
+        </p:nvSpPr>
+        <p:spPr>
+          <a:xfrm>
+            <a:off x="612648" y="6451650"/>
+            <a:ext cx="1438417" cy="307777"/>
+          </a:xfrm>
+          <a:prstGeom prst="rect">
+            <a:avLst/>
+          </a:prstGeom>
+          <a:noFill/>
+        </p:spPr>
+        <p:txBody>
+          <a:bodyPr wrap="square" rtlCol="0">
+            <a:spAutoFit/>
+          </a:bodyPr>
+          <a:lstStyle/>
+          <a:p>
+            <a:r>
+              <a:rPr lang="en-US" sz="1400" b="1" dirty="0" smtClean="0">
+                <a:solidFill>
+                  <a:schemeClr val="bg1"/>
+                </a:solidFill>
+              </a:rPr>
+              <a:t>Overview</a:t>
+            </a:r>
+            <a:endParaRPr lang="en-US" sz="1400" b="1" dirty="0">
+              <a:solidFill>
+                <a:schemeClr val="bg1"/>
+              </a:solidFill>
+            </a:endParaRPr>
+          </a:p>
+        </p:txBody>
+      </p:sp>
+      <p:sp>
+        <p:nvSpPr>
+          <p:cNvPr id="7" name="TextBox 6"/>
+          <p:cNvSpPr txBox="1"/>
+          <p:nvPr/>
+        </p:nvSpPr>
+        <p:spPr>
+          <a:xfrm>
+            <a:off x="2915713" y="6451650"/>
+            <a:ext cx="1438417" cy="307777"/>
+          </a:xfrm>
+          <a:prstGeom prst="rect">
+            <a:avLst/>
+          </a:prstGeom>
+          <a:noFill/>
+        </p:spPr>
+        <p:txBody>
+          <a:bodyPr wrap="square" rtlCol="0">
+            <a:spAutoFit/>
+          </a:bodyPr>
+          <a:lstStyle/>
+          <a:p>
+            <a:r>
+              <a:rPr lang="en-US" sz="1400" b="1" dirty="0" smtClean="0">
+                <a:solidFill>
+                  <a:schemeClr val="bg1"/>
+                </a:solidFill>
+              </a:rPr>
+              <a:t>Requirements</a:t>
+            </a:r>
+            <a:endParaRPr lang="en-US" sz="1400" b="1" dirty="0">
+              <a:solidFill>
+                <a:schemeClr val="bg1"/>
+              </a:solidFill>
+            </a:endParaRPr>
+          </a:p>
+        </p:txBody>
+      </p:sp>
+      <p:sp>
+        <p:nvSpPr>
+          <p:cNvPr id="8" name="TextBox 7"/>
+          <p:cNvSpPr txBox="1"/>
+          <p:nvPr/>
+        </p:nvSpPr>
+        <p:spPr>
+          <a:xfrm>
+            <a:off x="5546331" y="6450236"/>
+            <a:ext cx="1438417" cy="307777"/>
+          </a:xfrm>
+          <a:prstGeom prst="rect">
+            <a:avLst/>
+          </a:prstGeom>
+          <a:noFill/>
+        </p:spPr>
+        <p:txBody>
+          <a:bodyPr wrap="square" rtlCol="0">
+            <a:spAutoFit/>
+          </a:bodyPr>
+          <a:lstStyle/>
+          <a:p>
+            <a:r>
+              <a:rPr lang="en-US" sz="1400" b="1" dirty="0" smtClean="0">
+                <a:solidFill>
+                  <a:srgbClr val="FFFFFF"/>
+                </a:solidFill>
+              </a:rPr>
+              <a:t>Risks</a:t>
+            </a:r>
+            <a:endParaRPr lang="en-US" sz="1400" b="1" dirty="0">
+              <a:solidFill>
+                <a:srgbClr val="FFFFFF"/>
+              </a:solidFill>
+            </a:endParaRPr>
+          </a:p>
+        </p:txBody>
+      </p:sp>
+      <p:sp>
+        <p:nvSpPr>
+          <p:cNvPr id="9" name="TextBox 8"/>
+          <p:cNvSpPr txBox="1"/>
+          <p:nvPr/>
+        </p:nvSpPr>
+        <p:spPr>
+          <a:xfrm>
+            <a:off x="7327631" y="6448747"/>
+            <a:ext cx="1438417" cy="307777"/>
+          </a:xfrm>
+          <a:prstGeom prst="rect">
+            <a:avLst/>
+          </a:prstGeom>
+          <a:noFill/>
+        </p:spPr>
+        <p:txBody>
+          <a:bodyPr wrap="square" rtlCol="0">
+            <a:spAutoFit/>
+          </a:bodyPr>
+          <a:lstStyle/>
+          <a:p>
+            <a:r>
+              <a:rPr lang="en-US" sz="1400" b="1" dirty="0" smtClean="0">
+                <a:solidFill>
+                  <a:schemeClr val="tx2"/>
+                </a:solidFill>
+              </a:rPr>
+              <a:t>Prototype</a:t>
+            </a:r>
+            <a:endParaRPr lang="en-US" sz="1400" b="1" dirty="0">
+              <a:solidFill>
+                <a:schemeClr val="tx2"/>
+              </a:solidFill>
+            </a:endParaRPr>
+          </a:p>
+        </p:txBody>
+      </p:sp>
+      <p:pic>
+        <p:nvPicPr>
+          <p:cNvPr id="10" name="Picture 9"/>
+          <p:cNvPicPr>
+            <a:picLocks noChangeAspect="1"/>
+          </p:cNvPicPr>
+          <p:nvPr/>
+        </p:nvPicPr>
+        <p:blipFill>
+          <a:blip r:embed="rId2"/>
+          <a:stretch>
+            <a:fillRect/>
+          </a:stretch>
+        </p:blipFill>
+        <p:spPr>
+          <a:xfrm>
+            <a:off x="416287" y="1757449"/>
+            <a:ext cx="2786765" cy="4171493"/>
+          </a:xfrm>
+          <a:prstGeom prst="rect">
+            <a:avLst/>
+          </a:prstGeom>
+        </p:spPr>
+      </p:pic>
+      <p:pic>
+        <p:nvPicPr>
+          <p:cNvPr id="12" name="Picture 11"/>
+          <p:cNvPicPr>
+            <a:picLocks noChangeAspect="1"/>
+          </p:cNvPicPr>
+          <p:nvPr/>
+        </p:nvPicPr>
+        <p:blipFill>
+          <a:blip r:embed="rId3"/>
+          <a:stretch>
+            <a:fillRect/>
+          </a:stretch>
+        </p:blipFill>
+        <p:spPr>
+          <a:xfrm>
+            <a:off x="3219129" y="1757449"/>
+            <a:ext cx="2783870" cy="4171494"/>
+          </a:xfrm>
+          <a:prstGeom prst="rect">
+            <a:avLst/>
+          </a:prstGeom>
+        </p:spPr>
+      </p:pic>
+      <p:pic>
+        <p:nvPicPr>
+          <p:cNvPr id="13" name="Picture 12"/>
+          <p:cNvPicPr>
+            <a:picLocks noChangeAspect="1"/>
+          </p:cNvPicPr>
+          <p:nvPr/>
+        </p:nvPicPr>
+        <p:blipFill>
+          <a:blip r:embed="rId4"/>
+          <a:stretch>
+            <a:fillRect/>
+          </a:stretch>
+        </p:blipFill>
+        <p:spPr>
+          <a:xfrm>
+            <a:off x="5983316" y="1757449"/>
+            <a:ext cx="2783869" cy="4171493"/>
+          </a:xfrm>
+          <a:prstGeom prst="rect">
+            <a:avLst/>
+          </a:prstGeom>
+        </p:spPr>
+      </p:pic>
+    </p:spTree>
+    <p:extLst>
+      <p:ext uri="{BB962C8B-B14F-4D97-AF65-F5344CB8AC3E}">
+        <p14:creationId xmlns:p14="http://schemas.microsoft.com/office/powerpoint/2010/main" val="4080863094"/>
+      </p:ext>
+    </p:extLst>
+  </p:cSld>
+  <p:clrMapOvr>
+    <a:masterClrMapping/>
+  </p:clrMapOvr>
+  <p:timing>
+    <p:tnLst>
+      <p:par>
+        <p:cTn xmlns:p14="http://schemas.microsoft.com/office/powerpoint/2010/main" id="1" dur="indefinite" restart="never" nodeType="tmRoot"/>
+      </p:par>
+    </p:tnLst>
+  </p:timing>
+</p:sld>
+</file>
+
+<file path=ppt/slides/slide23.xml><?xml version="1.0" encoding="utf-8"?>
+<p:sld xmlns:a="http://schemas.openxmlformats.org/drawingml/2006/main" xmlns:r="http://schemas.openxmlformats.org/officeDocument/2006/relationships" xmlns:p="http://schemas.openxmlformats.org/presentationml/2006/main">
+  <p:cSld>
+    <p:spTree>
+      <p:nvGrpSpPr>
+        <p:cNvPr id="1" name=""/>
+        <p:cNvGrpSpPr/>
+        <p:nvPr/>
+      </p:nvGrpSpPr>
+      <p:grpSpPr>
+        <a:xfrm>
+          <a:off x="0" y="0"/>
+          <a:ext cx="0" cy="0"/>
+          <a:chOff x="0" y="0"/>
+          <a:chExt cx="0" cy="0"/>
+        </a:xfrm>
+      </p:grpSpPr>
+      <p:sp>
+        <p:nvSpPr>
+          <p:cNvPr id="2" name="Title 1"/>
+          <p:cNvSpPr>
+            <a:spLocks noGrp="1"/>
+          </p:cNvSpPr>
+          <p:nvPr>
+            <p:ph type="title"/>
+          </p:nvPr>
+        </p:nvSpPr>
+        <p:spPr/>
+        <p:txBody>
+          <a:bodyPr/>
+          <a:lstStyle/>
+          <a:p>
+            <a:r>
+              <a:rPr lang="en-US" dirty="0" smtClean="0"/>
+              <a:t>Store Credit Card Information</a:t>
+            </a:r>
+            <a:endParaRPr lang="en-US" dirty="0"/>
+          </a:p>
+        </p:txBody>
+      </p:sp>
+      <p:pic>
+        <p:nvPicPr>
+          <p:cNvPr id="3" name="Picture 2"/>
+          <p:cNvPicPr>
+            <a:picLocks noChangeAspect="1"/>
+          </p:cNvPicPr>
+          <p:nvPr/>
+        </p:nvPicPr>
+        <p:blipFill>
+          <a:blip r:embed="rId2"/>
+          <a:stretch>
+            <a:fillRect/>
+          </a:stretch>
+        </p:blipFill>
+        <p:spPr>
+          <a:xfrm>
+            <a:off x="4909623" y="1598144"/>
+            <a:ext cx="2935627" cy="4398896"/>
+          </a:xfrm>
+          <a:prstGeom prst="rect">
+            <a:avLst/>
+          </a:prstGeom>
+        </p:spPr>
+      </p:pic>
+      <p:pic>
+        <p:nvPicPr>
+          <p:cNvPr id="6" name="Picture 5"/>
+          <p:cNvPicPr>
+            <a:picLocks noChangeAspect="1"/>
+          </p:cNvPicPr>
+          <p:nvPr/>
+        </p:nvPicPr>
+        <p:blipFill>
+          <a:blip r:embed="rId3"/>
+          <a:stretch>
+            <a:fillRect/>
+          </a:stretch>
+        </p:blipFill>
+        <p:spPr>
+          <a:xfrm>
+            <a:off x="1496450" y="1598144"/>
+            <a:ext cx="2935626" cy="4398895"/>
+          </a:xfrm>
+          <a:prstGeom prst="rect">
+            <a:avLst/>
+          </a:prstGeom>
+        </p:spPr>
+      </p:pic>
+      <p:sp>
+        <p:nvSpPr>
+          <p:cNvPr id="5" name="TextBox 4"/>
+          <p:cNvSpPr txBox="1"/>
+          <p:nvPr/>
+        </p:nvSpPr>
+        <p:spPr>
+          <a:xfrm>
+            <a:off x="612648" y="6451650"/>
+            <a:ext cx="1438417" cy="307777"/>
+          </a:xfrm>
+          <a:prstGeom prst="rect">
+            <a:avLst/>
+          </a:prstGeom>
+          <a:noFill/>
+        </p:spPr>
+        <p:txBody>
+          <a:bodyPr wrap="square" rtlCol="0">
+            <a:spAutoFit/>
+          </a:bodyPr>
+          <a:lstStyle/>
+          <a:p>
+            <a:r>
+              <a:rPr lang="en-US" sz="1400" b="1" dirty="0" smtClean="0">
+                <a:solidFill>
+                  <a:schemeClr val="bg1"/>
+                </a:solidFill>
+              </a:rPr>
+              <a:t>Overview</a:t>
+            </a:r>
+            <a:endParaRPr lang="en-US" sz="1400" b="1" dirty="0">
+              <a:solidFill>
+                <a:schemeClr val="bg1"/>
+              </a:solidFill>
+            </a:endParaRPr>
+          </a:p>
+        </p:txBody>
+      </p:sp>
+      <p:sp>
+        <p:nvSpPr>
+          <p:cNvPr id="7" name="TextBox 6"/>
+          <p:cNvSpPr txBox="1"/>
+          <p:nvPr/>
+        </p:nvSpPr>
+        <p:spPr>
+          <a:xfrm>
+            <a:off x="2915713" y="6451650"/>
+            <a:ext cx="1438417" cy="307777"/>
+          </a:xfrm>
+          <a:prstGeom prst="rect">
+            <a:avLst/>
+          </a:prstGeom>
+          <a:noFill/>
+        </p:spPr>
+        <p:txBody>
+          <a:bodyPr wrap="square" rtlCol="0">
+            <a:spAutoFit/>
+          </a:bodyPr>
+          <a:lstStyle/>
+          <a:p>
+            <a:r>
+              <a:rPr lang="en-US" sz="1400" b="1" dirty="0" smtClean="0">
+                <a:solidFill>
+                  <a:schemeClr val="bg1"/>
+                </a:solidFill>
+              </a:rPr>
+              <a:t>Requirements</a:t>
+            </a:r>
+            <a:endParaRPr lang="en-US" sz="1400" b="1" dirty="0">
+              <a:solidFill>
+                <a:schemeClr val="bg1"/>
+              </a:solidFill>
+            </a:endParaRPr>
+          </a:p>
+        </p:txBody>
+      </p:sp>
+      <p:sp>
+        <p:nvSpPr>
+          <p:cNvPr id="8" name="TextBox 7"/>
+          <p:cNvSpPr txBox="1"/>
+          <p:nvPr/>
+        </p:nvSpPr>
+        <p:spPr>
+          <a:xfrm>
+            <a:off x="5546331" y="6450236"/>
+            <a:ext cx="1438417" cy="307777"/>
+          </a:xfrm>
+          <a:prstGeom prst="rect">
+            <a:avLst/>
+          </a:prstGeom>
+          <a:noFill/>
+        </p:spPr>
+        <p:txBody>
+          <a:bodyPr wrap="square" rtlCol="0">
+            <a:spAutoFit/>
+          </a:bodyPr>
+          <a:lstStyle/>
+          <a:p>
+            <a:r>
+              <a:rPr lang="en-US" sz="1400" b="1" dirty="0" smtClean="0">
+                <a:solidFill>
+                  <a:srgbClr val="FFFFFF"/>
+                </a:solidFill>
+              </a:rPr>
+              <a:t>Risks</a:t>
+            </a:r>
+            <a:endParaRPr lang="en-US" sz="1400" b="1" dirty="0">
+              <a:solidFill>
+                <a:srgbClr val="FFFFFF"/>
+              </a:solidFill>
+            </a:endParaRPr>
+          </a:p>
+        </p:txBody>
+      </p:sp>
+      <p:sp>
+        <p:nvSpPr>
+          <p:cNvPr id="9" name="TextBox 8"/>
+          <p:cNvSpPr txBox="1"/>
+          <p:nvPr/>
+        </p:nvSpPr>
+        <p:spPr>
+          <a:xfrm>
+            <a:off x="7327631" y="6448747"/>
+            <a:ext cx="1438417" cy="307777"/>
+          </a:xfrm>
+          <a:prstGeom prst="rect">
+            <a:avLst/>
+          </a:prstGeom>
+          <a:noFill/>
+        </p:spPr>
+        <p:txBody>
+          <a:bodyPr wrap="square" rtlCol="0">
+            <a:spAutoFit/>
+          </a:bodyPr>
+          <a:lstStyle/>
+          <a:p>
+            <a:r>
+              <a:rPr lang="en-US" sz="1400" b="1" dirty="0" smtClean="0">
+                <a:solidFill>
+                  <a:schemeClr val="tx2"/>
+                </a:solidFill>
+              </a:rPr>
+              <a:t>Prototype</a:t>
+            </a:r>
+            <a:endParaRPr lang="en-US" sz="1400" b="1" dirty="0">
+              <a:solidFill>
+                <a:schemeClr val="tx2"/>
+              </a:solidFill>
+            </a:endParaRPr>
+          </a:p>
+        </p:txBody>
+      </p:sp>
+    </p:spTree>
+    <p:extLst>
+      <p:ext uri="{BB962C8B-B14F-4D97-AF65-F5344CB8AC3E}">
+        <p14:creationId xmlns:p14="http://schemas.microsoft.com/office/powerpoint/2010/main" val="609194097"/>
+      </p:ext>
+    </p:extLst>
+  </p:cSld>
+  <p:clrMapOvr>
+    <a:masterClrMapping/>
+  </p:clrMapOvr>
+  <p:timing>
+    <p:tnLst>
+      <p:par>
+        <p:cTn xmlns:p14="http://schemas.microsoft.com/office/powerpoint/2010/main" id="1" dur="indefinite" restart="never" nodeType="tmRoot"/>
+      </p:par>
+    </p:tnLst>
+  </p:timing>
+</p:sld>
+</file>
+
+<file path=ppt/slides/slide24.xml><?xml version="1.0" encoding="utf-8"?>
+<p:sld xmlns:a="http://schemas.openxmlformats.org/drawingml/2006/main" xmlns:r="http://schemas.openxmlformats.org/officeDocument/2006/relationships" xmlns:p="http://schemas.openxmlformats.org/presentationml/2006/main">
+  <p:cSld>
+    <p:spTree>
+      <p:nvGrpSpPr>
+        <p:cNvPr id="1" name=""/>
+        <p:cNvGrpSpPr/>
+        <p:nvPr/>
+      </p:nvGrpSpPr>
+      <p:grpSpPr>
+        <a:xfrm>
+          <a:off x="0" y="0"/>
+          <a:ext cx="0" cy="0"/>
+          <a:chOff x="0" y="0"/>
+          <a:chExt cx="0" cy="0"/>
+        </a:xfrm>
+      </p:grpSpPr>
+      <p:sp>
+        <p:nvSpPr>
+          <p:cNvPr id="2" name="Title 1"/>
+          <p:cNvSpPr>
+            <a:spLocks noGrp="1"/>
+          </p:cNvSpPr>
+          <p:nvPr>
+            <p:ph type="title"/>
+          </p:nvPr>
+        </p:nvSpPr>
+        <p:spPr/>
+        <p:txBody>
+          <a:bodyPr/>
+          <a:lstStyle/>
+          <a:p>
+            <a:r>
+              <a:rPr lang="en-US" dirty="0" smtClean="0"/>
+              <a:t>View Balance &amp; Tickets</a:t>
+            </a:r>
+            <a:endParaRPr lang="en-US" dirty="0"/>
+          </a:p>
+        </p:txBody>
+      </p:sp>
+      <p:pic>
+        <p:nvPicPr>
+          <p:cNvPr id="4" name="Picture 3"/>
+          <p:cNvPicPr>
+            <a:picLocks noChangeAspect="1"/>
+          </p:cNvPicPr>
+          <p:nvPr/>
+        </p:nvPicPr>
+        <p:blipFill>
+          <a:blip r:embed="rId2"/>
+          <a:stretch>
+            <a:fillRect/>
+          </a:stretch>
+        </p:blipFill>
+        <p:spPr>
+          <a:xfrm>
+            <a:off x="2875328" y="1219200"/>
+            <a:ext cx="3393344" cy="5084762"/>
+          </a:xfrm>
+          <a:prstGeom prst="rect">
+            <a:avLst/>
+          </a:prstGeom>
+        </p:spPr>
+      </p:pic>
+      <p:sp>
+        <p:nvSpPr>
+          <p:cNvPr id="5" name="TextBox 4"/>
+          <p:cNvSpPr txBox="1"/>
+          <p:nvPr/>
+        </p:nvSpPr>
+        <p:spPr>
+          <a:xfrm>
+            <a:off x="612648" y="6451650"/>
+            <a:ext cx="1438417" cy="307777"/>
+          </a:xfrm>
+          <a:prstGeom prst="rect">
+            <a:avLst/>
+          </a:prstGeom>
+          <a:noFill/>
+        </p:spPr>
+        <p:txBody>
+          <a:bodyPr wrap="square" rtlCol="0">
+            <a:spAutoFit/>
+          </a:bodyPr>
+          <a:lstStyle/>
+          <a:p>
+            <a:r>
+              <a:rPr lang="en-US" sz="1400" b="1" dirty="0" smtClean="0">
+                <a:solidFill>
+                  <a:schemeClr val="bg1"/>
+                </a:solidFill>
+              </a:rPr>
+              <a:t>Overview</a:t>
+            </a:r>
+            <a:endParaRPr lang="en-US" sz="1400" b="1" dirty="0">
+              <a:solidFill>
+                <a:schemeClr val="bg1"/>
+              </a:solidFill>
+            </a:endParaRPr>
+          </a:p>
+        </p:txBody>
+      </p:sp>
+      <p:sp>
+        <p:nvSpPr>
+          <p:cNvPr id="6" name="TextBox 5"/>
+          <p:cNvSpPr txBox="1"/>
+          <p:nvPr/>
+        </p:nvSpPr>
+        <p:spPr>
+          <a:xfrm>
+            <a:off x="2915713" y="6451650"/>
+            <a:ext cx="1438417" cy="307777"/>
+          </a:xfrm>
+          <a:prstGeom prst="rect">
+            <a:avLst/>
+          </a:prstGeom>
+          <a:noFill/>
+        </p:spPr>
+        <p:txBody>
+          <a:bodyPr wrap="square" rtlCol="0">
+            <a:spAutoFit/>
+          </a:bodyPr>
+          <a:lstStyle/>
+          <a:p>
+            <a:r>
+              <a:rPr lang="en-US" sz="1400" b="1" dirty="0" smtClean="0">
+                <a:solidFill>
+                  <a:schemeClr val="bg1"/>
+                </a:solidFill>
+              </a:rPr>
+              <a:t>Requirements</a:t>
+            </a:r>
+            <a:endParaRPr lang="en-US" sz="1400" b="1" dirty="0">
+              <a:solidFill>
+                <a:schemeClr val="bg1"/>
+              </a:solidFill>
+            </a:endParaRPr>
+          </a:p>
+        </p:txBody>
+      </p:sp>
+      <p:sp>
+        <p:nvSpPr>
+          <p:cNvPr id="7" name="TextBox 6"/>
+          <p:cNvSpPr txBox="1"/>
+          <p:nvPr/>
+        </p:nvSpPr>
+        <p:spPr>
+          <a:xfrm>
+            <a:off x="5546331" y="6450236"/>
+            <a:ext cx="1438417" cy="307777"/>
+          </a:xfrm>
+          <a:prstGeom prst="rect">
+            <a:avLst/>
+          </a:prstGeom>
+          <a:noFill/>
+        </p:spPr>
+        <p:txBody>
+          <a:bodyPr wrap="square" rtlCol="0">
+            <a:spAutoFit/>
+          </a:bodyPr>
+          <a:lstStyle/>
+          <a:p>
+            <a:r>
+              <a:rPr lang="en-US" sz="1400" b="1" dirty="0" smtClean="0">
+                <a:solidFill>
+                  <a:srgbClr val="FFFFFF"/>
+                </a:solidFill>
+              </a:rPr>
+              <a:t>Risks</a:t>
+            </a:r>
+            <a:endParaRPr lang="en-US" sz="1400" b="1" dirty="0">
+              <a:solidFill>
+                <a:srgbClr val="FFFFFF"/>
+              </a:solidFill>
+            </a:endParaRPr>
+          </a:p>
+        </p:txBody>
+      </p:sp>
+      <p:sp>
+        <p:nvSpPr>
+          <p:cNvPr id="8" name="TextBox 7"/>
+          <p:cNvSpPr txBox="1"/>
+          <p:nvPr/>
+        </p:nvSpPr>
+        <p:spPr>
+          <a:xfrm>
+            <a:off x="7327631" y="6448747"/>
+            <a:ext cx="1438417" cy="307777"/>
+          </a:xfrm>
+          <a:prstGeom prst="rect">
+            <a:avLst/>
+          </a:prstGeom>
+          <a:noFill/>
+        </p:spPr>
+        <p:txBody>
+          <a:bodyPr wrap="square" rtlCol="0">
+            <a:spAutoFit/>
+          </a:bodyPr>
+          <a:lstStyle/>
+          <a:p>
+            <a:r>
+              <a:rPr lang="en-US" sz="1400" b="1" dirty="0" smtClean="0">
+                <a:solidFill>
+                  <a:schemeClr val="tx2"/>
+                </a:solidFill>
+              </a:rPr>
+              <a:t>Prototype</a:t>
+            </a:r>
+            <a:endParaRPr lang="en-US" sz="1400" b="1" dirty="0">
+              <a:solidFill>
+                <a:schemeClr val="tx2"/>
+              </a:solidFill>
+            </a:endParaRPr>
+          </a:p>
+        </p:txBody>
+      </p:sp>
+    </p:spTree>
+    <p:extLst>
+      <p:ext uri="{BB962C8B-B14F-4D97-AF65-F5344CB8AC3E}">
+        <p14:creationId xmlns:p14="http://schemas.microsoft.com/office/powerpoint/2010/main" val="2610831758"/>
+      </p:ext>
+    </p:extLst>
+  </p:cSld>
+  <p:clrMapOvr>
+    <a:masterClrMapping/>
+  </p:clrMapOvr>
+  <p:timing>
+    <p:tnLst>
+      <p:par>
+        <p:cTn xmlns:p14="http://schemas.microsoft.com/office/powerpoint/2010/main" id="1" dur="indefinite" restart="never" nodeType="tmRoot"/>
+      </p:par>
+    </p:tnLst>
+  </p:timing>
+</p:sld>
+</file>
+
+<file path=ppt/slides/slide25.xml><?xml version="1.0" encoding="utf-8"?>
+<p:sld xmlns:a="http://schemas.openxmlformats.org/drawingml/2006/main" xmlns:r="http://schemas.openxmlformats.org/officeDocument/2006/relationships" xmlns:p="http://schemas.openxmlformats.org/presentationml/2006/main">
+  <p:cSld>
+    <p:spTree>
+      <p:nvGrpSpPr>
+        <p:cNvPr id="1" name=""/>
+        <p:cNvGrpSpPr/>
+        <p:nvPr/>
+      </p:nvGrpSpPr>
+      <p:grpSpPr>
+        <a:xfrm>
+          <a:off x="0" y="0"/>
+          <a:ext cx="0" cy="0"/>
+          <a:chOff x="0" y="0"/>
+          <a:chExt cx="0" cy="0"/>
+        </a:xfrm>
+      </p:grpSpPr>
+      <p:sp>
+        <p:nvSpPr>
+          <p:cNvPr id="2" name="Title 1"/>
+          <p:cNvSpPr>
+            <a:spLocks noGrp="1"/>
+          </p:cNvSpPr>
+          <p:nvPr>
+            <p:ph type="title"/>
+          </p:nvPr>
+        </p:nvSpPr>
+        <p:spPr/>
+        <p:txBody>
+          <a:bodyPr>
+            <a:normAutofit/>
+          </a:bodyPr>
+          <a:lstStyle/>
+          <a:p>
+            <a:r>
+              <a:rPr lang="en-US" dirty="0" smtClean="0"/>
+              <a:t>Edit/Delete Account</a:t>
+            </a:r>
+            <a:endParaRPr lang="en-US" dirty="0"/>
+          </a:p>
+        </p:txBody>
+      </p:sp>
+      <p:pic>
+        <p:nvPicPr>
+          <p:cNvPr id="4" name="Picture 3"/>
+          <p:cNvPicPr>
+            <a:picLocks noChangeAspect="1"/>
+          </p:cNvPicPr>
+          <p:nvPr/>
+        </p:nvPicPr>
+        <p:blipFill>
+          <a:blip r:embed="rId2"/>
+          <a:stretch>
+            <a:fillRect/>
+          </a:stretch>
+        </p:blipFill>
+        <p:spPr>
+          <a:xfrm>
+            <a:off x="903987" y="1219200"/>
+            <a:ext cx="3404746" cy="5101848"/>
+          </a:xfrm>
+          <a:prstGeom prst="rect">
+            <a:avLst/>
+          </a:prstGeom>
+        </p:spPr>
+      </p:pic>
+      <p:pic>
+        <p:nvPicPr>
+          <p:cNvPr id="5" name="Picture 4"/>
+          <p:cNvPicPr>
+            <a:picLocks noChangeAspect="1"/>
+          </p:cNvPicPr>
+          <p:nvPr/>
+        </p:nvPicPr>
+        <p:blipFill>
+          <a:blip r:embed="rId3"/>
+          <a:stretch>
+            <a:fillRect/>
+          </a:stretch>
+        </p:blipFill>
+        <p:spPr>
+          <a:xfrm>
+            <a:off x="4766756" y="1219200"/>
+            <a:ext cx="3404746" cy="5101848"/>
+          </a:xfrm>
+          <a:prstGeom prst="rect">
+            <a:avLst/>
+          </a:prstGeom>
+        </p:spPr>
+      </p:pic>
+      <p:sp>
+        <p:nvSpPr>
+          <p:cNvPr id="6" name="TextBox 5"/>
+          <p:cNvSpPr txBox="1"/>
+          <p:nvPr/>
+        </p:nvSpPr>
+        <p:spPr>
+          <a:xfrm>
+            <a:off x="612648" y="6451650"/>
+            <a:ext cx="1438417" cy="307777"/>
+          </a:xfrm>
+          <a:prstGeom prst="rect">
+            <a:avLst/>
+          </a:prstGeom>
+          <a:noFill/>
+        </p:spPr>
+        <p:txBody>
+          <a:bodyPr wrap="square" rtlCol="0">
+            <a:spAutoFit/>
+          </a:bodyPr>
+          <a:lstStyle/>
+          <a:p>
+            <a:r>
+              <a:rPr lang="en-US" sz="1400" b="1" dirty="0" smtClean="0">
+                <a:solidFill>
+                  <a:schemeClr val="bg1"/>
+                </a:solidFill>
+              </a:rPr>
+              <a:t>Overview</a:t>
+            </a:r>
+            <a:endParaRPr lang="en-US" sz="1400" b="1" dirty="0">
+              <a:solidFill>
+                <a:schemeClr val="bg1"/>
+              </a:solidFill>
+            </a:endParaRPr>
+          </a:p>
+        </p:txBody>
+      </p:sp>
+      <p:sp>
+        <p:nvSpPr>
+          <p:cNvPr id="7" name="TextBox 6"/>
+          <p:cNvSpPr txBox="1"/>
+          <p:nvPr/>
+        </p:nvSpPr>
+        <p:spPr>
+          <a:xfrm>
+            <a:off x="2915713" y="6451650"/>
+            <a:ext cx="1438417" cy="307777"/>
+          </a:xfrm>
+          <a:prstGeom prst="rect">
+            <a:avLst/>
+          </a:prstGeom>
+          <a:noFill/>
+        </p:spPr>
+        <p:txBody>
+          <a:bodyPr wrap="square" rtlCol="0">
+            <a:spAutoFit/>
+          </a:bodyPr>
+          <a:lstStyle/>
+          <a:p>
+            <a:r>
+              <a:rPr lang="en-US" sz="1400" b="1" dirty="0" smtClean="0">
+                <a:solidFill>
+                  <a:schemeClr val="bg1"/>
+                </a:solidFill>
+              </a:rPr>
+              <a:t>Requirements</a:t>
+            </a:r>
+            <a:endParaRPr lang="en-US" sz="1400" b="1" dirty="0">
+              <a:solidFill>
+                <a:schemeClr val="bg1"/>
+              </a:solidFill>
+            </a:endParaRPr>
+          </a:p>
+        </p:txBody>
+      </p:sp>
+      <p:sp>
+        <p:nvSpPr>
+          <p:cNvPr id="8" name="TextBox 7"/>
+          <p:cNvSpPr txBox="1"/>
+          <p:nvPr/>
+        </p:nvSpPr>
+        <p:spPr>
+          <a:xfrm>
+            <a:off x="5546331" y="6450236"/>
+            <a:ext cx="1438417" cy="307777"/>
+          </a:xfrm>
+          <a:prstGeom prst="rect">
+            <a:avLst/>
+          </a:prstGeom>
+          <a:noFill/>
+        </p:spPr>
+        <p:txBody>
+          <a:bodyPr wrap="square" rtlCol="0">
+            <a:spAutoFit/>
+          </a:bodyPr>
+          <a:lstStyle/>
+          <a:p>
+            <a:r>
+              <a:rPr lang="en-US" sz="1400" b="1" dirty="0" smtClean="0">
+                <a:solidFill>
+                  <a:srgbClr val="FFFFFF"/>
+                </a:solidFill>
+              </a:rPr>
+              <a:t>Risks</a:t>
+            </a:r>
+            <a:endParaRPr lang="en-US" sz="1400" b="1" dirty="0">
+              <a:solidFill>
+                <a:srgbClr val="FFFFFF"/>
+              </a:solidFill>
+            </a:endParaRPr>
+          </a:p>
+        </p:txBody>
+      </p:sp>
+      <p:sp>
+        <p:nvSpPr>
+          <p:cNvPr id="9" name="TextBox 8"/>
+          <p:cNvSpPr txBox="1"/>
+          <p:nvPr/>
+        </p:nvSpPr>
+        <p:spPr>
+          <a:xfrm>
+            <a:off x="7327631" y="6448747"/>
+            <a:ext cx="1438417" cy="307777"/>
+          </a:xfrm>
+          <a:prstGeom prst="rect">
+            <a:avLst/>
+          </a:prstGeom>
+          <a:noFill/>
+        </p:spPr>
+        <p:txBody>
+          <a:bodyPr wrap="square" rtlCol="0">
+            <a:spAutoFit/>
+          </a:bodyPr>
+          <a:lstStyle/>
+          <a:p>
+            <a:r>
+              <a:rPr lang="en-US" sz="1400" b="1" dirty="0" smtClean="0">
+                <a:solidFill>
+                  <a:schemeClr val="tx2"/>
+                </a:solidFill>
+              </a:rPr>
+              <a:t>Prototype</a:t>
+            </a:r>
+            <a:endParaRPr lang="en-US" sz="1400" b="1" dirty="0">
+              <a:solidFill>
+                <a:schemeClr val="tx2"/>
+              </a:solidFill>
+            </a:endParaRPr>
+          </a:p>
+        </p:txBody>
+      </p:sp>
+    </p:spTree>
+    <p:extLst>
+      <p:ext uri="{BB962C8B-B14F-4D97-AF65-F5344CB8AC3E}">
+        <p14:creationId xmlns:p14="http://schemas.microsoft.com/office/powerpoint/2010/main" val="3258015006"/>
+      </p:ext>
+    </p:extLst>
+  </p:cSld>
+  <p:clrMapOvr>
+    <a:masterClrMapping/>
+  </p:clrMapOvr>
+  <p:timing>
+    <p:tnLst>
+      <p:par>
+        <p:cTn xmlns:p14="http://schemas.microsoft.com/office/powerpoint/2010/main" id="1" dur="indefinite" restart="never" nodeType="tmRoot"/>
+      </p:par>
+    </p:tnLst>
+  </p:timing>
+</p:sld>
+</file>
+
+<file path=ppt/slides/slide26.xml><?xml version="1.0" encoding="utf-8"?>
+<p:sld xmlns:a="http://schemas.openxmlformats.org/drawingml/2006/main" xmlns:r="http://schemas.openxmlformats.org/officeDocument/2006/relationships" xmlns:p="http://schemas.openxmlformats.org/presentationml/2006/main">
+  <p:cSld>
+    <p:spTree>
+      <p:nvGrpSpPr>
+        <p:cNvPr id="1" name=""/>
+        <p:cNvGrpSpPr/>
+        <p:nvPr/>
+      </p:nvGrpSpPr>
+      <p:grpSpPr>
+        <a:xfrm>
+          <a:off x="0" y="0"/>
+          <a:ext cx="0" cy="0"/>
+          <a:chOff x="0" y="0"/>
+          <a:chExt cx="0" cy="0"/>
+        </a:xfrm>
+      </p:grpSpPr>
+      <p:sp>
+        <p:nvSpPr>
+          <p:cNvPr id="2" name="Title 1"/>
+          <p:cNvSpPr>
+            <a:spLocks noGrp="1"/>
+          </p:cNvSpPr>
+          <p:nvPr>
+            <p:ph type="title"/>
+          </p:nvPr>
+        </p:nvSpPr>
+        <p:spPr/>
+        <p:txBody>
+          <a:bodyPr/>
+          <a:lstStyle/>
+          <a:p>
+            <a:r>
+              <a:rPr lang="en-US" dirty="0" smtClean="0"/>
+              <a:t>Log Out</a:t>
+            </a:r>
+            <a:endParaRPr lang="en-US" dirty="0"/>
+          </a:p>
+        </p:txBody>
+      </p:sp>
+      <p:pic>
+        <p:nvPicPr>
+          <p:cNvPr id="3" name="Picture 2"/>
+          <p:cNvPicPr>
+            <a:picLocks noChangeAspect="1"/>
+          </p:cNvPicPr>
+          <p:nvPr/>
+        </p:nvPicPr>
+        <p:blipFill>
+          <a:blip r:embed="rId2"/>
+          <a:stretch>
+            <a:fillRect/>
+          </a:stretch>
+        </p:blipFill>
+        <p:spPr>
+          <a:xfrm>
+            <a:off x="2879355" y="1219200"/>
+            <a:ext cx="3385290" cy="5072695"/>
+          </a:xfrm>
+          <a:prstGeom prst="rect">
+            <a:avLst/>
+          </a:prstGeom>
+        </p:spPr>
+      </p:pic>
+      <p:sp>
+        <p:nvSpPr>
+          <p:cNvPr id="4" name="TextBox 3"/>
+          <p:cNvSpPr txBox="1"/>
+          <p:nvPr/>
+        </p:nvSpPr>
+        <p:spPr>
+          <a:xfrm>
+            <a:off x="612648" y="6451650"/>
+            <a:ext cx="1438417" cy="307777"/>
+          </a:xfrm>
+          <a:prstGeom prst="rect">
+            <a:avLst/>
+          </a:prstGeom>
+          <a:noFill/>
+        </p:spPr>
+        <p:txBody>
+          <a:bodyPr wrap="square" rtlCol="0">
+            <a:spAutoFit/>
+          </a:bodyPr>
+          <a:lstStyle/>
+          <a:p>
+            <a:r>
+              <a:rPr lang="en-US" sz="1400" b="1" dirty="0" smtClean="0">
+                <a:solidFill>
+                  <a:schemeClr val="bg1"/>
+                </a:solidFill>
+              </a:rPr>
+              <a:t>Overview</a:t>
+            </a:r>
+            <a:endParaRPr lang="en-US" sz="1400" b="1" dirty="0">
+              <a:solidFill>
+                <a:schemeClr val="bg1"/>
+              </a:solidFill>
+            </a:endParaRPr>
+          </a:p>
+        </p:txBody>
+      </p:sp>
+      <p:sp>
+        <p:nvSpPr>
+          <p:cNvPr id="5" name="TextBox 4"/>
+          <p:cNvSpPr txBox="1"/>
+          <p:nvPr/>
+        </p:nvSpPr>
+        <p:spPr>
+          <a:xfrm>
+            <a:off x="2915713" y="6451650"/>
+            <a:ext cx="1438417" cy="307777"/>
+          </a:xfrm>
+          <a:prstGeom prst="rect">
+            <a:avLst/>
+          </a:prstGeom>
+          <a:noFill/>
+        </p:spPr>
+        <p:txBody>
+          <a:bodyPr wrap="square" rtlCol="0">
+            <a:spAutoFit/>
+          </a:bodyPr>
+          <a:lstStyle/>
+          <a:p>
+            <a:r>
+              <a:rPr lang="en-US" sz="1400" b="1" dirty="0" smtClean="0">
+                <a:solidFill>
+                  <a:schemeClr val="bg1"/>
+                </a:solidFill>
+              </a:rPr>
+              <a:t>Requirements</a:t>
+            </a:r>
+            <a:endParaRPr lang="en-US" sz="1400" b="1" dirty="0">
+              <a:solidFill>
+                <a:schemeClr val="bg1"/>
+              </a:solidFill>
+            </a:endParaRPr>
+          </a:p>
+        </p:txBody>
+      </p:sp>
+      <p:sp>
+        <p:nvSpPr>
+          <p:cNvPr id="6" name="TextBox 5"/>
+          <p:cNvSpPr txBox="1"/>
+          <p:nvPr/>
+        </p:nvSpPr>
+        <p:spPr>
+          <a:xfrm>
+            <a:off x="5546331" y="6450236"/>
+            <a:ext cx="1438417" cy="307777"/>
+          </a:xfrm>
+          <a:prstGeom prst="rect">
+            <a:avLst/>
+          </a:prstGeom>
+          <a:noFill/>
+        </p:spPr>
+        <p:txBody>
+          <a:bodyPr wrap="square" rtlCol="0">
+            <a:spAutoFit/>
+          </a:bodyPr>
+          <a:lstStyle/>
+          <a:p>
+            <a:r>
+              <a:rPr lang="en-US" sz="1400" b="1" dirty="0" smtClean="0">
+                <a:solidFill>
+                  <a:srgbClr val="FFFFFF"/>
+                </a:solidFill>
+              </a:rPr>
+              <a:t>Risks</a:t>
+            </a:r>
+            <a:endParaRPr lang="en-US" sz="1400" b="1" dirty="0">
+              <a:solidFill>
+                <a:srgbClr val="FFFFFF"/>
+              </a:solidFill>
+            </a:endParaRPr>
+          </a:p>
+        </p:txBody>
+      </p:sp>
+      <p:sp>
+        <p:nvSpPr>
+          <p:cNvPr id="7" name="TextBox 6"/>
+          <p:cNvSpPr txBox="1"/>
+          <p:nvPr/>
+        </p:nvSpPr>
+        <p:spPr>
+          <a:xfrm>
+            <a:off x="7327631" y="6448747"/>
+            <a:ext cx="1438417" cy="307777"/>
+          </a:xfrm>
+          <a:prstGeom prst="rect">
+            <a:avLst/>
+          </a:prstGeom>
+          <a:noFill/>
+        </p:spPr>
+        <p:txBody>
+          <a:bodyPr wrap="square" rtlCol="0">
+            <a:spAutoFit/>
+          </a:bodyPr>
+          <a:lstStyle/>
+          <a:p>
+            <a:r>
+              <a:rPr lang="en-US" sz="1400" b="1" dirty="0" smtClean="0">
+                <a:solidFill>
+                  <a:schemeClr val="tx2"/>
+                </a:solidFill>
+              </a:rPr>
+              <a:t>Prototype</a:t>
+            </a:r>
+            <a:endParaRPr lang="en-US" sz="1400" b="1" dirty="0">
+              <a:solidFill>
+                <a:schemeClr val="tx2"/>
+              </a:solidFill>
+            </a:endParaRPr>
+          </a:p>
+        </p:txBody>
+      </p:sp>
+    </p:spTree>
+    <p:extLst>
+      <p:ext uri="{BB962C8B-B14F-4D97-AF65-F5344CB8AC3E}">
+        <p14:creationId xmlns:p14="http://schemas.microsoft.com/office/powerpoint/2010/main" val="2011779919"/>
+      </p:ext>
+    </p:extLst>
+  </p:cSld>
+  <p:clrMapOvr>
+    <a:masterClrMapping/>
+  </p:clrMapOvr>
+  <p:timing>
+    <p:tnLst>
+      <p:par>
+        <p:cTn xmlns:p14="http://schemas.microsoft.com/office/powerpoint/2010/main" id="1" dur="indefinite" restart="never" nodeType="tmRoot"/>
+      </p:par>
+    </p:tnLst>
+  </p:timing>
+</p:sld>
+</file>
+
+<file path=ppt/slides/slide27.xml><?xml version="1.0" encoding="utf-8"?>
+<p:sld xmlns:a="http://schemas.openxmlformats.org/drawingml/2006/main" xmlns:r="http://schemas.openxmlformats.org/officeDocument/2006/relationships" xmlns:p="http://schemas.openxmlformats.org/presentationml/2006/main">
+  <p:cSld>
+    <p:spTree>
+      <p:nvGrpSpPr>
+        <p:cNvPr id="1" name=""/>
+        <p:cNvGrpSpPr/>
+        <p:nvPr/>
+      </p:nvGrpSpPr>
+      <p:grpSpPr>
+        <a:xfrm>
+          <a:off x="0" y="0"/>
+          <a:ext cx="0" cy="0"/>
+          <a:chOff x="0" y="0"/>
+          <a:chExt cx="0" cy="0"/>
+        </a:xfrm>
+      </p:grpSpPr>
+      <p:sp>
+        <p:nvSpPr>
+          <p:cNvPr id="4" name="TextBox 3"/>
+          <p:cNvSpPr txBox="1"/>
+          <p:nvPr/>
+        </p:nvSpPr>
+        <p:spPr>
+          <a:xfrm>
+            <a:off x="612648" y="6451650"/>
+            <a:ext cx="1438417" cy="307777"/>
+          </a:xfrm>
+          <a:prstGeom prst="rect">
+            <a:avLst/>
+          </a:prstGeom>
+          <a:noFill/>
+        </p:spPr>
+        <p:txBody>
+          <a:bodyPr wrap="square" rtlCol="0">
+            <a:spAutoFit/>
+          </a:bodyPr>
+          <a:lstStyle/>
+          <a:p>
+            <a:r>
+              <a:rPr lang="en-US" sz="1400" b="1" dirty="0" smtClean="0">
+                <a:solidFill>
+                  <a:schemeClr val="bg1"/>
+                </a:solidFill>
+              </a:rPr>
+              <a:t>Overview</a:t>
+            </a:r>
+            <a:endParaRPr lang="en-US" sz="1400" b="1" dirty="0">
+              <a:solidFill>
+                <a:schemeClr val="bg1"/>
+              </a:solidFill>
+            </a:endParaRPr>
+          </a:p>
+        </p:txBody>
+      </p:sp>
+      <p:sp>
+        <p:nvSpPr>
+          <p:cNvPr id="5" name="TextBox 4"/>
+          <p:cNvSpPr txBox="1"/>
+          <p:nvPr/>
+        </p:nvSpPr>
+        <p:spPr>
+          <a:xfrm>
+            <a:off x="2915713" y="6451650"/>
+            <a:ext cx="1438417" cy="307777"/>
+          </a:xfrm>
+          <a:prstGeom prst="rect">
+            <a:avLst/>
+          </a:prstGeom>
+          <a:noFill/>
+        </p:spPr>
+        <p:txBody>
+          <a:bodyPr wrap="square" rtlCol="0">
+            <a:spAutoFit/>
+          </a:bodyPr>
+          <a:lstStyle/>
+          <a:p>
+            <a:r>
+              <a:rPr lang="en-US" sz="1400" b="1" dirty="0" smtClean="0">
+                <a:solidFill>
+                  <a:schemeClr val="bg1"/>
+                </a:solidFill>
+              </a:rPr>
+              <a:t>Requirements</a:t>
+            </a:r>
+            <a:endParaRPr lang="en-US" sz="1400" b="1" dirty="0">
+              <a:solidFill>
+                <a:schemeClr val="bg1"/>
+              </a:solidFill>
+            </a:endParaRPr>
+          </a:p>
+        </p:txBody>
+      </p:sp>
+      <p:sp>
+        <p:nvSpPr>
+          <p:cNvPr id="6" name="TextBox 5"/>
+          <p:cNvSpPr txBox="1"/>
+          <p:nvPr/>
+        </p:nvSpPr>
+        <p:spPr>
+          <a:xfrm>
+            <a:off x="5546331" y="6450236"/>
+            <a:ext cx="1438417" cy="307777"/>
+          </a:xfrm>
+          <a:prstGeom prst="rect">
+            <a:avLst/>
+          </a:prstGeom>
+          <a:noFill/>
+        </p:spPr>
+        <p:txBody>
+          <a:bodyPr wrap="square" rtlCol="0">
+            <a:spAutoFit/>
+          </a:bodyPr>
+          <a:lstStyle/>
+          <a:p>
+            <a:r>
+              <a:rPr lang="en-US" sz="1400" b="1" dirty="0" smtClean="0">
+                <a:solidFill>
+                  <a:srgbClr val="FFFFFF"/>
+                </a:solidFill>
+              </a:rPr>
+              <a:t>Risks</a:t>
+            </a:r>
+            <a:endParaRPr lang="en-US" sz="1400" b="1" dirty="0">
+              <a:solidFill>
+                <a:srgbClr val="FFFFFF"/>
+              </a:solidFill>
+            </a:endParaRPr>
+          </a:p>
+        </p:txBody>
+      </p:sp>
+      <p:sp>
+        <p:nvSpPr>
+          <p:cNvPr id="7" name="TextBox 6"/>
+          <p:cNvSpPr txBox="1"/>
+          <p:nvPr/>
+        </p:nvSpPr>
+        <p:spPr>
+          <a:xfrm>
+            <a:off x="7327631" y="6448747"/>
+            <a:ext cx="1438417" cy="307777"/>
+          </a:xfrm>
+          <a:prstGeom prst="rect">
+            <a:avLst/>
+          </a:prstGeom>
+          <a:noFill/>
+        </p:spPr>
+        <p:txBody>
+          <a:bodyPr wrap="square" rtlCol="0">
+            <a:spAutoFit/>
+          </a:bodyPr>
+          <a:lstStyle/>
+          <a:p>
+            <a:r>
+              <a:rPr lang="en-US" sz="1400" b="1" dirty="0" smtClean="0">
+                <a:solidFill>
+                  <a:schemeClr val="tx2"/>
+                </a:solidFill>
+              </a:rPr>
+              <a:t>Prototype</a:t>
+            </a:r>
+            <a:endParaRPr lang="en-US" sz="1400" b="1" dirty="0">
+              <a:solidFill>
+                <a:schemeClr val="tx2"/>
+              </a:solidFill>
+            </a:endParaRPr>
+          </a:p>
+        </p:txBody>
+      </p:sp>
+      <p:sp>
+        <p:nvSpPr>
+          <p:cNvPr id="2" name="Title 1"/>
+          <p:cNvSpPr>
+            <a:spLocks noGrp="1"/>
+          </p:cNvSpPr>
+          <p:nvPr>
+            <p:ph type="title"/>
+          </p:nvPr>
+        </p:nvSpPr>
+        <p:spPr>
+          <a:xfrm>
+            <a:off x="277430" y="2677655"/>
+            <a:ext cx="8153400" cy="990600"/>
+          </a:xfrm>
+          <a:solidFill>
+            <a:schemeClr val="accent1"/>
+          </a:solidFill>
+        </p:spPr>
+        <p:txBody>
+          <a:bodyPr/>
+          <a:lstStyle/>
+          <a:p>
+            <a:r>
+              <a:rPr lang="en-US" dirty="0" smtClean="0"/>
+              <a:t>QR Code Generation</a:t>
+            </a:r>
+            <a:endParaRPr lang="en-US" dirty="0"/>
+          </a:p>
+        </p:txBody>
+      </p:sp>
+    </p:spTree>
+    <p:extLst>
+      <p:ext uri="{BB962C8B-B14F-4D97-AF65-F5344CB8AC3E}">
+        <p14:creationId xmlns:p14="http://schemas.microsoft.com/office/powerpoint/2010/main" val="3570480250"/>
+      </p:ext>
+    </p:extLst>
+  </p:cSld>
+  <p:clrMapOvr>
+    <a:masterClrMapping/>
+  </p:clrMapOvr>
+  <p:timing>
+    <p:tnLst>
+      <p:par>
+        <p:cTn xmlns:p14="http://schemas.microsoft.com/office/powerpoint/2010/main" id="1" dur="indefinite" restart="never" nodeType="tmRoot"/>
+      </p:par>
+    </p:tnLst>
+  </p:timing>
+</p:sld>
+</file>
+
+<file path=ppt/slides/slide28.xml><?xml version="1.0" encoding="utf-8"?>
+<p:sld xmlns:a="http://schemas.openxmlformats.org/drawingml/2006/main" xmlns:r="http://schemas.openxmlformats.org/officeDocument/2006/relationships" xmlns:p="http://schemas.openxmlformats.org/presentationml/2006/main">
+  <p:cSld>
+    <p:spTree>
+      <p:nvGrpSpPr>
+        <p:cNvPr id="1" name=""/>
+        <p:cNvGrpSpPr/>
+        <p:nvPr/>
+      </p:nvGrpSpPr>
+      <p:grpSpPr>
+        <a:xfrm>
+          <a:off x="0" y="0"/>
+          <a:ext cx="0" cy="0"/>
+          <a:chOff x="0" y="0"/>
+          <a:chExt cx="0" cy="0"/>
+        </a:xfrm>
+      </p:grpSpPr>
+      <p:sp>
+        <p:nvSpPr>
+          <p:cNvPr id="2" name="Title 1"/>
+          <p:cNvSpPr>
+            <a:spLocks noGrp="1"/>
+          </p:cNvSpPr>
+          <p:nvPr>
+            <p:ph type="title"/>
+          </p:nvPr>
+        </p:nvSpPr>
+        <p:spPr/>
+        <p:txBody>
+          <a:bodyPr/>
+          <a:lstStyle/>
+          <a:p>
+            <a:r>
+              <a:rPr lang="en-US" dirty="0" smtClean="0"/>
+              <a:t>Risk Based Rationale</a:t>
+            </a:r>
+            <a:endParaRPr lang="en-US" dirty="0"/>
+          </a:p>
+        </p:txBody>
+      </p:sp>
+      <p:sp>
+        <p:nvSpPr>
+          <p:cNvPr id="4" name="TextBox 3"/>
+          <p:cNvSpPr txBox="1"/>
+          <p:nvPr/>
+        </p:nvSpPr>
+        <p:spPr>
+          <a:xfrm>
+            <a:off x="612648" y="6451650"/>
+            <a:ext cx="1438417" cy="307777"/>
+          </a:xfrm>
+          <a:prstGeom prst="rect">
+            <a:avLst/>
+          </a:prstGeom>
+          <a:noFill/>
+        </p:spPr>
+        <p:txBody>
+          <a:bodyPr wrap="square" rtlCol="0">
+            <a:spAutoFit/>
+          </a:bodyPr>
+          <a:lstStyle/>
+          <a:p>
+            <a:r>
+              <a:rPr lang="en-US" sz="1400" b="1" dirty="0" smtClean="0">
+                <a:solidFill>
+                  <a:schemeClr val="bg1"/>
+                </a:solidFill>
+              </a:rPr>
+              <a:t>Overview</a:t>
+            </a:r>
+            <a:endParaRPr lang="en-US" sz="1400" b="1" dirty="0">
+              <a:solidFill>
+                <a:schemeClr val="bg1"/>
+              </a:solidFill>
+            </a:endParaRPr>
+          </a:p>
+        </p:txBody>
+      </p:sp>
+      <p:sp>
+        <p:nvSpPr>
+          <p:cNvPr id="6" name="TextBox 5"/>
+          <p:cNvSpPr txBox="1"/>
+          <p:nvPr/>
+        </p:nvSpPr>
+        <p:spPr>
+          <a:xfrm>
+            <a:off x="2915713" y="6451650"/>
+            <a:ext cx="1438417" cy="307777"/>
+          </a:xfrm>
+          <a:prstGeom prst="rect">
+            <a:avLst/>
+          </a:prstGeom>
+          <a:noFill/>
+        </p:spPr>
+        <p:txBody>
+          <a:bodyPr wrap="square" rtlCol="0">
+            <a:spAutoFit/>
+          </a:bodyPr>
+          <a:lstStyle/>
+          <a:p>
+            <a:r>
+              <a:rPr lang="en-US" sz="1400" b="1" dirty="0" smtClean="0">
+                <a:solidFill>
+                  <a:schemeClr val="bg1"/>
+                </a:solidFill>
+              </a:rPr>
+              <a:t>Requirements</a:t>
+            </a:r>
+            <a:endParaRPr lang="en-US" sz="1400" b="1" dirty="0">
+              <a:solidFill>
+                <a:schemeClr val="bg1"/>
+              </a:solidFill>
+            </a:endParaRPr>
+          </a:p>
+        </p:txBody>
+      </p:sp>
+      <p:sp>
+        <p:nvSpPr>
+          <p:cNvPr id="7" name="TextBox 6"/>
+          <p:cNvSpPr txBox="1"/>
+          <p:nvPr/>
+        </p:nvSpPr>
+        <p:spPr>
+          <a:xfrm>
+            <a:off x="5546331" y="6450236"/>
+            <a:ext cx="1438417" cy="307777"/>
+          </a:xfrm>
+          <a:prstGeom prst="rect">
+            <a:avLst/>
+          </a:prstGeom>
+          <a:noFill/>
+        </p:spPr>
+        <p:txBody>
+          <a:bodyPr wrap="square" rtlCol="0">
+            <a:spAutoFit/>
+          </a:bodyPr>
+          <a:lstStyle/>
+          <a:p>
+            <a:r>
+              <a:rPr lang="en-US" sz="1400" b="1" dirty="0" smtClean="0">
+                <a:solidFill>
+                  <a:srgbClr val="FFFFFF"/>
+                </a:solidFill>
+              </a:rPr>
+              <a:t>Risks</a:t>
+            </a:r>
+            <a:endParaRPr lang="en-US" sz="1400" b="1" dirty="0">
+              <a:solidFill>
+                <a:srgbClr val="FFFFFF"/>
+              </a:solidFill>
+            </a:endParaRPr>
+          </a:p>
+        </p:txBody>
+      </p:sp>
+      <p:sp>
+        <p:nvSpPr>
+          <p:cNvPr id="8" name="TextBox 7"/>
+          <p:cNvSpPr txBox="1"/>
+          <p:nvPr/>
+        </p:nvSpPr>
+        <p:spPr>
+          <a:xfrm>
+            <a:off x="7327631" y="6448747"/>
+            <a:ext cx="1438417" cy="307777"/>
+          </a:xfrm>
+          <a:prstGeom prst="rect">
+            <a:avLst/>
+          </a:prstGeom>
+          <a:noFill/>
+        </p:spPr>
+        <p:txBody>
+          <a:bodyPr wrap="square" rtlCol="0">
+            <a:spAutoFit/>
+          </a:bodyPr>
+          <a:lstStyle/>
+          <a:p>
+            <a:r>
+              <a:rPr lang="en-US" sz="1400" b="1" dirty="0" smtClean="0">
+                <a:solidFill>
+                  <a:schemeClr val="tx2"/>
+                </a:solidFill>
+              </a:rPr>
+              <a:t>Prototype</a:t>
+            </a:r>
+            <a:endParaRPr lang="en-US" sz="1400" b="1" dirty="0">
+              <a:solidFill>
+                <a:schemeClr val="tx2"/>
+              </a:solidFill>
+            </a:endParaRPr>
+          </a:p>
+        </p:txBody>
+      </p:sp>
+      <p:sp>
+        <p:nvSpPr>
+          <p:cNvPr id="10" name="Content Placeholder 2"/>
+          <p:cNvSpPr>
+            <a:spLocks noGrp="1"/>
+          </p:cNvSpPr>
+          <p:nvPr>
+            <p:ph idx="1"/>
+          </p:nvPr>
+        </p:nvSpPr>
+        <p:spPr>
+          <a:xfrm>
+            <a:off x="457200" y="1600200"/>
+            <a:ext cx="8229600" cy="4826948"/>
+          </a:xfrm>
+        </p:spPr>
+        <p:txBody>
+          <a:bodyPr>
+            <a:normAutofit/>
+          </a:bodyPr>
+          <a:lstStyle/>
+          <a:p>
+            <a:r>
+              <a:rPr lang="en-US" dirty="0" smtClean="0"/>
+              <a:t>Fundamental method of communication between smartphone and metro officials/turnstiles. </a:t>
+            </a:r>
+          </a:p>
+          <a:p>
+            <a:r>
+              <a:rPr lang="en-US" dirty="0" smtClean="0"/>
+              <a:t>Failure of QR code generation will cause the rest of the system to become non functional.</a:t>
+            </a:r>
+          </a:p>
+          <a:p>
+            <a:r>
+              <a:rPr lang="en-US" dirty="0" smtClean="0"/>
+              <a:t>Security risks</a:t>
+            </a:r>
+          </a:p>
+          <a:p>
+            <a:pPr lvl="1"/>
+            <a:r>
+              <a:rPr lang="en-US" dirty="0" smtClean="0"/>
+              <a:t>Risk of duplication and production of counterfeit tickets.</a:t>
+            </a:r>
+          </a:p>
+          <a:p>
+            <a:pPr lvl="1"/>
+            <a:r>
+              <a:rPr lang="en-US" dirty="0" smtClean="0"/>
+              <a:t>Potential for compromise of personal information through “hacked” QR codes.</a:t>
+            </a:r>
+          </a:p>
+          <a:p>
+            <a:endParaRPr lang="en-US" dirty="0" smtClean="0"/>
+          </a:p>
+          <a:p>
+            <a:pPr lvl="1"/>
+            <a:endParaRPr lang="en-US" dirty="0"/>
+          </a:p>
+        </p:txBody>
+      </p:sp>
+    </p:spTree>
+    <p:extLst>
+      <p:ext uri="{BB962C8B-B14F-4D97-AF65-F5344CB8AC3E}">
+        <p14:creationId xmlns:p14="http://schemas.microsoft.com/office/powerpoint/2010/main" val="1106223947"/>
+      </p:ext>
+    </p:extLst>
+  </p:cSld>
+  <p:clrMapOvr>
+    <a:masterClrMapping/>
+  </p:clrMapOvr>
+  <p:timing>
+    <p:tnLst>
+      <p:par>
+        <p:cTn xmlns:p14="http://schemas.microsoft.com/office/powerpoint/2010/main" id="1" dur="indefinite" restart="never" nodeType="tmRoot"/>
+      </p:par>
+    </p:tnLst>
+  </p:timing>
+</p:sld>
+</file>
+
+<file path=ppt/slides/slide29.xml><?xml version="1.0" encoding="utf-8"?>
+<p:sld xmlns:a="http://schemas.openxmlformats.org/drawingml/2006/main" xmlns:r="http://schemas.openxmlformats.org/officeDocument/2006/relationships" xmlns:p="http://schemas.openxmlformats.org/presentationml/2006/main">
+  <p:cSld>
+    <p:spTree>
+      <p:nvGrpSpPr>
+        <p:cNvPr id="1" name=""/>
+        <p:cNvGrpSpPr/>
+        <p:nvPr/>
+      </p:nvGrpSpPr>
+      <p:grpSpPr>
+        <a:xfrm>
+          <a:off x="0" y="0"/>
+          <a:ext cx="0" cy="0"/>
+          <a:chOff x="0" y="0"/>
+          <a:chExt cx="0" cy="0"/>
+        </a:xfrm>
+      </p:grpSpPr>
+      <p:sp>
+        <p:nvSpPr>
+          <p:cNvPr id="2" name="Title 1"/>
+          <p:cNvSpPr>
+            <a:spLocks noGrp="1"/>
+          </p:cNvSpPr>
+          <p:nvPr>
+            <p:ph type="title"/>
+          </p:nvPr>
+        </p:nvSpPr>
+        <p:spPr>
+          <a:xfrm>
+            <a:off x="277430" y="136912"/>
+            <a:ext cx="8153400" cy="990600"/>
+          </a:xfrm>
+        </p:spPr>
+        <p:txBody>
+          <a:bodyPr>
+            <a:normAutofit/>
+          </a:bodyPr>
+          <a:lstStyle/>
+          <a:p>
+            <a:r>
+              <a:rPr lang="en-US" dirty="0" smtClean="0"/>
+              <a:t>QR Code Prototype</a:t>
+            </a:r>
+            <a:endParaRPr lang="en-US" dirty="0"/>
+          </a:p>
+        </p:txBody>
+      </p:sp>
+      <p:sp>
+        <p:nvSpPr>
+          <p:cNvPr id="4" name="TextBox 3"/>
+          <p:cNvSpPr txBox="1"/>
+          <p:nvPr/>
+        </p:nvSpPr>
+        <p:spPr>
+          <a:xfrm>
+            <a:off x="612648" y="6451650"/>
+            <a:ext cx="1438417" cy="307777"/>
+          </a:xfrm>
+          <a:prstGeom prst="rect">
+            <a:avLst/>
+          </a:prstGeom>
+          <a:noFill/>
+        </p:spPr>
+        <p:txBody>
+          <a:bodyPr wrap="square" rtlCol="0">
+            <a:spAutoFit/>
+          </a:bodyPr>
+          <a:lstStyle/>
+          <a:p>
+            <a:r>
+              <a:rPr lang="en-US" sz="1400" b="1" dirty="0" smtClean="0">
+                <a:solidFill>
+                  <a:schemeClr val="bg1"/>
+                </a:solidFill>
+              </a:rPr>
+              <a:t>Overview</a:t>
+            </a:r>
+            <a:endParaRPr lang="en-US" sz="1400" b="1" dirty="0">
+              <a:solidFill>
+                <a:schemeClr val="bg1"/>
+              </a:solidFill>
+            </a:endParaRPr>
+          </a:p>
+        </p:txBody>
+      </p:sp>
+      <p:sp>
+        <p:nvSpPr>
+          <p:cNvPr id="6" name="TextBox 5"/>
+          <p:cNvSpPr txBox="1"/>
+          <p:nvPr/>
+        </p:nvSpPr>
+        <p:spPr>
+          <a:xfrm>
+            <a:off x="2915713" y="6451650"/>
+            <a:ext cx="1438417" cy="307777"/>
+          </a:xfrm>
+          <a:prstGeom prst="rect">
+            <a:avLst/>
+          </a:prstGeom>
+          <a:noFill/>
+        </p:spPr>
+        <p:txBody>
+          <a:bodyPr wrap="square" rtlCol="0">
+            <a:spAutoFit/>
+          </a:bodyPr>
+          <a:lstStyle/>
+          <a:p>
+            <a:r>
+              <a:rPr lang="en-US" sz="1400" b="1" dirty="0" smtClean="0">
+                <a:solidFill>
+                  <a:schemeClr val="bg1"/>
+                </a:solidFill>
+              </a:rPr>
+              <a:t>Requirements</a:t>
+            </a:r>
+            <a:endParaRPr lang="en-US" sz="1400" b="1" dirty="0">
+              <a:solidFill>
+                <a:schemeClr val="bg1"/>
+              </a:solidFill>
+            </a:endParaRPr>
+          </a:p>
+        </p:txBody>
+      </p:sp>
+      <p:sp>
+        <p:nvSpPr>
+          <p:cNvPr id="7" name="TextBox 6"/>
+          <p:cNvSpPr txBox="1"/>
+          <p:nvPr/>
+        </p:nvSpPr>
+        <p:spPr>
+          <a:xfrm>
+            <a:off x="5546331" y="6450236"/>
+            <a:ext cx="1438417" cy="307777"/>
+          </a:xfrm>
+          <a:prstGeom prst="rect">
+            <a:avLst/>
+          </a:prstGeom>
+          <a:noFill/>
+        </p:spPr>
+        <p:txBody>
+          <a:bodyPr wrap="square" rtlCol="0">
+            <a:spAutoFit/>
+          </a:bodyPr>
+          <a:lstStyle/>
+          <a:p>
+            <a:r>
+              <a:rPr lang="en-US" sz="1400" b="1" dirty="0" smtClean="0">
+                <a:solidFill>
+                  <a:srgbClr val="FFFFFF"/>
+                </a:solidFill>
+              </a:rPr>
+              <a:t>Risks</a:t>
+            </a:r>
+            <a:endParaRPr lang="en-US" sz="1400" b="1" dirty="0">
+              <a:solidFill>
+                <a:srgbClr val="FFFFFF"/>
+              </a:solidFill>
+            </a:endParaRPr>
+          </a:p>
+        </p:txBody>
+      </p:sp>
+      <p:sp>
+        <p:nvSpPr>
+          <p:cNvPr id="8" name="TextBox 7"/>
+          <p:cNvSpPr txBox="1"/>
+          <p:nvPr/>
+        </p:nvSpPr>
+        <p:spPr>
+          <a:xfrm>
+            <a:off x="7327631" y="6448747"/>
+            <a:ext cx="1438417" cy="307777"/>
+          </a:xfrm>
+          <a:prstGeom prst="rect">
+            <a:avLst/>
+          </a:prstGeom>
+          <a:noFill/>
+        </p:spPr>
+        <p:txBody>
+          <a:bodyPr wrap="square" rtlCol="0">
+            <a:spAutoFit/>
+          </a:bodyPr>
+          <a:lstStyle/>
+          <a:p>
+            <a:r>
+              <a:rPr lang="en-US" sz="1400" b="1" dirty="0" smtClean="0">
+                <a:solidFill>
+                  <a:schemeClr val="tx2"/>
+                </a:solidFill>
+              </a:rPr>
+              <a:t>Prototype</a:t>
+            </a:r>
+            <a:endParaRPr lang="en-US" sz="1400" b="1" dirty="0">
+              <a:solidFill>
+                <a:schemeClr val="tx2"/>
+              </a:solidFill>
+            </a:endParaRPr>
+          </a:p>
+        </p:txBody>
+      </p:sp>
+      <p:pic>
+        <p:nvPicPr>
+          <p:cNvPr id="9" name="Picture 8" descr="Screen Shot 2013-10-01 at 1.52.03 AM.png"/>
+          <p:cNvPicPr>
+            <a:picLocks noChangeAspect="1"/>
+          </p:cNvPicPr>
+          <p:nvPr/>
+        </p:nvPicPr>
+        <p:blipFill>
+          <a:blip r:embed="rId2">
+            <a:extLst>
+              <a:ext uri="{28A0092B-C50C-407E-A947-70E740481C1C}">
+                <a14:useLocalDpi xmlns:a14="http://schemas.microsoft.com/office/drawing/2010/main" val="0"/>
+              </a:ext>
+            </a:extLst>
+          </a:blip>
+          <a:stretch>
+            <a:fillRect/>
+          </a:stretch>
+        </p:blipFill>
+        <p:spPr>
+          <a:xfrm>
+            <a:off x="612648" y="1153428"/>
+            <a:ext cx="3234901" cy="4884981"/>
+          </a:xfrm>
+          <a:prstGeom prst="rect">
+            <a:avLst/>
+          </a:prstGeom>
+        </p:spPr>
+      </p:pic>
+      <p:pic>
+        <p:nvPicPr>
+          <p:cNvPr id="11" name="Picture 10" descr="Screen Shot 2013-10-01 at 1.51.56 AM.png"/>
+          <p:cNvPicPr>
+            <a:picLocks noChangeAspect="1"/>
+          </p:cNvPicPr>
+          <p:nvPr/>
+        </p:nvPicPr>
+        <p:blipFill>
+          <a:blip r:embed="rId3">
+            <a:extLst>
+              <a:ext uri="{28A0092B-C50C-407E-A947-70E740481C1C}">
+                <a14:useLocalDpi xmlns:a14="http://schemas.microsoft.com/office/drawing/2010/main" val="0"/>
+              </a:ext>
+            </a:extLst>
+          </a:blip>
+          <a:stretch>
+            <a:fillRect/>
+          </a:stretch>
+        </p:blipFill>
+        <p:spPr>
+          <a:xfrm>
+            <a:off x="5280947" y="1153428"/>
+            <a:ext cx="3555630" cy="5338510"/>
+          </a:xfrm>
+          <a:prstGeom prst="rect">
+            <a:avLst/>
+          </a:prstGeom>
+        </p:spPr>
+      </p:pic>
+    </p:spTree>
+    <p:extLst>
+      <p:ext uri="{BB962C8B-B14F-4D97-AF65-F5344CB8AC3E}">
+        <p14:creationId xmlns:p14="http://schemas.microsoft.com/office/powerpoint/2010/main" val="3601297503"/>
+      </p:ext>
+    </p:extLst>
+  </p:cSld>
+  <p:clrMapOvr>
+    <a:masterClrMapping/>
+  </p:clrMapOvr>
+  <p:timing>
+    <p:tnLst>
+      <p:par>
+        <p:cTn xmlns:p14="http://schemas.microsoft.com/office/powerpoint/2010/main" id="1" dur="indefinite" restart="never" nodeType="tmRoot"/>
+      </p:par>
+    </p:tnLst>
+  </p:timing>
+</p:sld>
+</file>
+
+<file path=ppt/slides/slide3.xml><?xml version="1.0" encoding="utf-8"?>
+<p:sld xmlns:a="http://schemas.openxmlformats.org/drawingml/2006/main" xmlns:r="http://schemas.openxmlformats.org/officeDocument/2006/relationships" xmlns:p="http://schemas.openxmlformats.org/presentationml/2006/main">
+  <p:cSld>
+    <p:spTree>
+      <p:nvGrpSpPr>
+        <p:cNvPr id="1" name=""/>
+        <p:cNvGrpSpPr/>
+        <p:nvPr/>
+      </p:nvGrpSpPr>
+      <p:grpSpPr>
+        <a:xfrm>
+          <a:off x="0" y="0"/>
+          <a:ext cx="0" cy="0"/>
+          <a:chOff x="0" y="0"/>
+          <a:chExt cx="0" cy="0"/>
+        </a:xfrm>
+      </p:grpSpPr>
+      <p:sp>
+        <p:nvSpPr>
+          <p:cNvPr id="2" name="Title 1"/>
+          <p:cNvSpPr>
+            <a:spLocks noGrp="1"/>
+          </p:cNvSpPr>
+          <p:nvPr>
+            <p:ph type="title"/>
+          </p:nvPr>
+        </p:nvSpPr>
+        <p:spPr>
+          <a:xfrm>
+            <a:off x="612648" y="133252"/>
+            <a:ext cx="8153400" cy="990600"/>
+          </a:xfrm>
+        </p:spPr>
+        <p:txBody>
+          <a:bodyPr/>
+          <a:lstStyle/>
+          <a:p>
+            <a:r>
+              <a:rPr lang="en-US" dirty="0" smtClean="0"/>
+              <a:t>Agenda</a:t>
+            </a:r>
+            <a:endParaRPr lang="en-US" dirty="0"/>
+          </a:p>
+        </p:txBody>
+      </p:sp>
+      <p:sp>
+        <p:nvSpPr>
+          <p:cNvPr id="3" name="Content Placeholder 2"/>
+          <p:cNvSpPr>
+            <a:spLocks noGrp="1"/>
+          </p:cNvSpPr>
+          <p:nvPr>
+            <p:ph sz="quarter" idx="1"/>
+          </p:nvPr>
+        </p:nvSpPr>
+        <p:spPr>
+          <a:xfrm>
+            <a:off x="612648" y="1366957"/>
+            <a:ext cx="8153400" cy="4495800"/>
+          </a:xfrm>
+        </p:spPr>
+        <p:txBody>
+          <a:bodyPr/>
+          <a:lstStyle/>
+          <a:p>
+            <a:r>
+              <a:rPr lang="en-US" dirty="0" smtClean="0"/>
+              <a:t>Project </a:t>
+            </a:r>
+            <a:r>
+              <a:rPr lang="en-US" dirty="0" smtClean="0"/>
+              <a:t>Overview</a:t>
+            </a:r>
+          </a:p>
+          <a:p>
+            <a:endParaRPr lang="en-US" dirty="0" smtClean="0"/>
+          </a:p>
+          <a:p>
+            <a:r>
+              <a:rPr lang="en-US" dirty="0" smtClean="0"/>
+              <a:t>Project Requirements</a:t>
+            </a:r>
+          </a:p>
+          <a:p>
+            <a:endParaRPr lang="en-US" dirty="0" smtClean="0"/>
+          </a:p>
+          <a:p>
+            <a:r>
+              <a:rPr lang="en-US" dirty="0" smtClean="0"/>
+              <a:t>Risk Analysis</a:t>
+            </a:r>
+          </a:p>
+          <a:p>
+            <a:endParaRPr lang="en-US" dirty="0" smtClean="0"/>
+          </a:p>
+          <a:p>
+            <a:r>
+              <a:rPr lang="en-US" dirty="0" smtClean="0"/>
+              <a:t>Prototype of Features</a:t>
+            </a:r>
+          </a:p>
+        </p:txBody>
+      </p:sp>
+      <p:sp>
+        <p:nvSpPr>
+          <p:cNvPr id="5" name="TextBox 4"/>
+          <p:cNvSpPr txBox="1"/>
+          <p:nvPr/>
+        </p:nvSpPr>
+        <p:spPr>
+          <a:xfrm>
+            <a:off x="612648" y="6451650"/>
+            <a:ext cx="1438417" cy="307777"/>
+          </a:xfrm>
+          <a:prstGeom prst="rect">
+            <a:avLst/>
+          </a:prstGeom>
+          <a:noFill/>
+        </p:spPr>
+        <p:txBody>
+          <a:bodyPr wrap="square" rtlCol="0">
+            <a:spAutoFit/>
+          </a:bodyPr>
+          <a:lstStyle/>
+          <a:p>
+            <a:r>
+              <a:rPr lang="en-US" sz="1400" b="1" dirty="0" smtClean="0">
+                <a:solidFill>
+                  <a:srgbClr val="775F55"/>
+                </a:solidFill>
+              </a:rPr>
+              <a:t>Overview</a:t>
+            </a:r>
+            <a:endParaRPr lang="en-US" sz="1400" b="1" dirty="0">
+              <a:solidFill>
+                <a:srgbClr val="775F55"/>
+              </a:solidFill>
+            </a:endParaRPr>
+          </a:p>
+        </p:txBody>
+      </p:sp>
+      <p:sp>
+        <p:nvSpPr>
+          <p:cNvPr id="6" name="TextBox 5"/>
+          <p:cNvSpPr txBox="1"/>
+          <p:nvPr/>
+        </p:nvSpPr>
+        <p:spPr>
+          <a:xfrm>
+            <a:off x="7848129" y="1219062"/>
+            <a:ext cx="1438417" cy="307777"/>
+          </a:xfrm>
+          <a:prstGeom prst="rect">
+            <a:avLst/>
+          </a:prstGeom>
+          <a:noFill/>
+        </p:spPr>
+        <p:txBody>
+          <a:bodyPr wrap="square" rtlCol="0">
+            <a:spAutoFit/>
+          </a:bodyPr>
+          <a:lstStyle/>
+          <a:p>
+            <a:r>
+              <a:rPr lang="en-US" sz="1400" b="1" dirty="0" smtClean="0">
+                <a:solidFill>
+                  <a:schemeClr val="bg1"/>
+                </a:solidFill>
+              </a:rPr>
+              <a:t>Prototype</a:t>
+            </a:r>
+            <a:endParaRPr lang="en-US" sz="1400" b="1" dirty="0">
+              <a:solidFill>
+                <a:schemeClr val="bg1"/>
+              </a:solidFill>
+            </a:endParaRPr>
+          </a:p>
+        </p:txBody>
+      </p:sp>
+      <p:sp>
+        <p:nvSpPr>
+          <p:cNvPr id="7" name="TextBox 6"/>
+          <p:cNvSpPr txBox="1"/>
+          <p:nvPr/>
+        </p:nvSpPr>
+        <p:spPr>
+          <a:xfrm>
+            <a:off x="2915713" y="6451650"/>
+            <a:ext cx="1438417" cy="307777"/>
+          </a:xfrm>
+          <a:prstGeom prst="rect">
+            <a:avLst/>
+          </a:prstGeom>
+          <a:noFill/>
+        </p:spPr>
+        <p:txBody>
+          <a:bodyPr wrap="square" rtlCol="0">
+            <a:spAutoFit/>
+          </a:bodyPr>
+          <a:lstStyle/>
+          <a:p>
+            <a:r>
+              <a:rPr lang="en-US" sz="1400" b="1" dirty="0" smtClean="0">
+                <a:solidFill>
+                  <a:srgbClr val="FFFFFF"/>
+                </a:solidFill>
+              </a:rPr>
+              <a:t>Requirements</a:t>
+            </a:r>
+            <a:endParaRPr lang="en-US" sz="1400" b="1" dirty="0">
+              <a:solidFill>
+                <a:srgbClr val="FFFFFF"/>
+              </a:solidFill>
+            </a:endParaRPr>
+          </a:p>
+        </p:txBody>
+      </p:sp>
+      <p:sp>
+        <p:nvSpPr>
+          <p:cNvPr id="8" name="TextBox 7"/>
+          <p:cNvSpPr txBox="1"/>
+          <p:nvPr/>
+        </p:nvSpPr>
+        <p:spPr>
+          <a:xfrm>
+            <a:off x="5546331" y="6450236"/>
+            <a:ext cx="1438417" cy="307777"/>
+          </a:xfrm>
+          <a:prstGeom prst="rect">
+            <a:avLst/>
+          </a:prstGeom>
+          <a:noFill/>
+        </p:spPr>
+        <p:txBody>
+          <a:bodyPr wrap="square" rtlCol="0">
+            <a:spAutoFit/>
+          </a:bodyPr>
+          <a:lstStyle/>
+          <a:p>
+            <a:r>
+              <a:rPr lang="en-US" sz="1400" b="1" dirty="0" smtClean="0">
+                <a:solidFill>
+                  <a:srgbClr val="FFFFFF"/>
+                </a:solidFill>
+              </a:rPr>
+              <a:t>Risks</a:t>
+            </a:r>
+            <a:endParaRPr lang="en-US" sz="1400" b="1" dirty="0">
+              <a:solidFill>
+                <a:srgbClr val="FFFFFF"/>
+              </a:solidFill>
+            </a:endParaRPr>
+          </a:p>
+        </p:txBody>
+      </p:sp>
+      <p:sp>
+        <p:nvSpPr>
+          <p:cNvPr id="9" name="TextBox 8"/>
+          <p:cNvSpPr txBox="1"/>
+          <p:nvPr/>
+        </p:nvSpPr>
+        <p:spPr>
+          <a:xfrm>
+            <a:off x="7327631" y="6448747"/>
+            <a:ext cx="1438417" cy="307777"/>
+          </a:xfrm>
+          <a:prstGeom prst="rect">
+            <a:avLst/>
+          </a:prstGeom>
+          <a:noFill/>
+        </p:spPr>
+        <p:txBody>
+          <a:bodyPr wrap="square" rtlCol="0">
+            <a:spAutoFit/>
+          </a:bodyPr>
+          <a:lstStyle/>
+          <a:p>
+            <a:r>
+              <a:rPr lang="en-US" sz="1400" b="1" dirty="0" smtClean="0">
+                <a:solidFill>
+                  <a:srgbClr val="FFFFFF"/>
+                </a:solidFill>
+              </a:rPr>
+              <a:t>Prototype</a:t>
+            </a:r>
+            <a:endParaRPr lang="en-US" sz="1400" b="1" dirty="0">
+              <a:solidFill>
+                <a:srgbClr val="FFFFFF"/>
+              </a:solidFill>
+            </a:endParaRPr>
+          </a:p>
+        </p:txBody>
+      </p:sp>
+    </p:spTree>
+    <p:extLst>
+      <p:ext uri="{BB962C8B-B14F-4D97-AF65-F5344CB8AC3E}">
+        <p14:creationId xmlns:p14="http://schemas.microsoft.com/office/powerpoint/2010/main" val="1221467736"/>
+      </p:ext>
+    </p:extLst>
+  </p:cSld>
+  <p:clrMapOvr>
+    <a:masterClrMapping/>
+  </p:clrMapOvr>
+  <p:timing>
+    <p:tnLst>
+      <p:par>
+        <p:cTn xmlns:p14="http://schemas.microsoft.com/office/powerpoint/2010/main" id="1" dur="indefinite" restart="never" nodeType="tmRoot"/>
+      </p:par>
+    </p:tnLst>
+  </p:timing>
+</p:sld>
+</file>
+
 <file path=ppt/slides/slide30.xml><?xml version="1.0" encoding="utf-8"?>
 <p:sld xmlns:a="http://schemas.openxmlformats.org/drawingml/2006/main" xmlns:r="http://schemas.openxmlformats.org/officeDocument/2006/relationships" xmlns:p="http://schemas.openxmlformats.org/presentationml/2006/main">
   <p:cSld>
@@ -12704,8 +12751,12 @@
           <a:lstStyle/>
           <a:p>
             <a:r>
+              <a:rPr lang="en-US" b="1" dirty="0" smtClean="0"/>
+              <a:t>Customer Convenience</a:t>
+            </a:r>
+            <a:r>
               <a:rPr lang="en-US" b="1" dirty="0"/>
-              <a:t>Convenience-</a:t>
+              <a:t>-</a:t>
             </a:r>
             <a:r>
               <a:rPr lang="en-US" dirty="0"/>
@@ -13227,7 +13278,6 @@
               <a:rPr lang="en-US" dirty="0"/>
               <a:t> and Android mobile platforms. </a:t>
             </a:r>
-            <a:endParaRPr lang="en-US" dirty="0"/>
           </a:p>
           <a:p>
             <a:pPr marL="365760" lvl="1" indent="0">
@@ -13254,7 +13304,6 @@
               <a:rPr lang="en-US" dirty="0"/>
               <a:t>application shall support a web interface for mobile devices on other platforms. </a:t>
             </a:r>
-            <a:endParaRPr lang="en-US" dirty="0"/>
           </a:p>
           <a:p>
             <a:pPr lvl="1"/>
@@ -13659,7 +13708,6 @@
               <a:rPr lang="en-US" dirty="0"/>
               <a:t>it is a users first-time opening the application, the application shall prompt the user to enter an email address, password, and credit card information. </a:t>
             </a:r>
-            <a:endParaRPr lang="en-US" dirty="0"/>
           </a:p>
           <a:p>
             <a:pPr lvl="1"/>
@@ -13667,7 +13715,6 @@
               <a:rPr lang="en-US" dirty="0"/>
               <a:t>If the account is created successfully, the application shall send a confirmation to the users stored email address. </a:t>
             </a:r>
-            <a:endParaRPr lang="en-US" dirty="0"/>
           </a:p>
           <a:p>
             <a:pPr lvl="1"/>
@@ -13675,7 +13722,6 @@
               <a:rPr lang="en-US" dirty="0"/>
               <a:t>If the account creation is not successful, the application shall display an error message that prompts the user to reenter their information and will not be logged in. </a:t>
             </a:r>
-            <a:endParaRPr lang="en-US" dirty="0"/>
           </a:p>
           <a:p>
             <a:pPr marL="365760" lvl="1" indent="0">
@@ -13692,7 +13738,6 @@
               <a:rPr lang="en-US" dirty="0"/>
               <a:t>a returning user opens the application, it shall prompt the user to enter their log-in information. </a:t>
             </a:r>
-            <a:endParaRPr lang="en-US" dirty="0"/>
           </a:p>
           <a:p>
             <a:pPr lvl="1"/>
@@ -13708,7 +13753,6 @@
               <a:rPr lang="en-US" dirty="0"/>
               <a:t>If the log-in attempt succeeds, the user will be shown a transit management screen. </a:t>
             </a:r>
-            <a:endParaRPr lang="en-US" dirty="0"/>
           </a:p>
           <a:p>
             <a:pPr lvl="1"/>
